--- a/edwin_2019/Figures/overview_modified.pptx
+++ b/edwin_2019/Figures/overview_modified.pptx
@@ -6,6 +6,8 @@
   </p:sldMasterIdLst>
   <p:sldIdLst>
     <p:sldId id="258" r:id="rId2"/>
+    <p:sldId id="259" r:id="rId3"/>
+    <p:sldId id="260" r:id="rId4"/>
   </p:sldIdLst>
   <p:sldSz cx="12192000" cy="6858000"/>
   <p:notesSz cx="7099300" cy="10234613"/>
@@ -362,6 +364,844 @@
       </pc:sldChg>
     </pc:docChg>
   </pc:docChgLst>
+  <pc:docChgLst>
+    <pc:chgData name="唐 崇斌 Edwin" userId="769f27267cb83406" providerId="LiveId" clId="{F749D1A7-B6C5-40CC-A752-898961211CE4}"/>
+    <pc:docChg chg="undo custSel addSld modSld">
+      <pc:chgData name="唐 崇斌 Edwin" userId="769f27267cb83406" providerId="LiveId" clId="{F749D1A7-B6C5-40CC-A752-898961211CE4}" dt="2020-03-21T02:08:23.021" v="845"/>
+      <pc:docMkLst>
+        <pc:docMk/>
+      </pc:docMkLst>
+      <pc:sldChg chg="modSp">
+        <pc:chgData name="唐 崇斌 Edwin" userId="769f27267cb83406" providerId="LiveId" clId="{F749D1A7-B6C5-40CC-A752-898961211CE4}" dt="2020-03-21T00:43:54.536" v="17"/>
+        <pc:sldMkLst>
+          <pc:docMk/>
+          <pc:sldMk cId="2087716266" sldId="258"/>
+        </pc:sldMkLst>
+        <pc:spChg chg="mod">
+          <ac:chgData name="唐 崇斌 Edwin" userId="769f27267cb83406" providerId="LiveId" clId="{F749D1A7-B6C5-40CC-A752-898961211CE4}" dt="2020-03-21T00:43:54.536" v="17"/>
+          <ac:spMkLst>
+            <pc:docMk/>
+            <pc:sldMk cId="2087716266" sldId="258"/>
+            <ac:spMk id="143" creationId="{00000000-0000-0000-0000-000000000000}"/>
+          </ac:spMkLst>
+        </pc:spChg>
+      </pc:sldChg>
+      <pc:sldChg chg="addSp delSp modSp add">
+        <pc:chgData name="唐 崇斌 Edwin" userId="769f27267cb83406" providerId="LiveId" clId="{F749D1A7-B6C5-40CC-A752-898961211CE4}" dt="2020-03-21T01:24:19.902" v="136" actId="1037"/>
+        <pc:sldMkLst>
+          <pc:docMk/>
+          <pc:sldMk cId="2609734185" sldId="259"/>
+        </pc:sldMkLst>
+        <pc:spChg chg="del">
+          <ac:chgData name="唐 崇斌 Edwin" userId="769f27267cb83406" providerId="LiveId" clId="{F749D1A7-B6C5-40CC-A752-898961211CE4}" dt="2020-03-21T01:17:38.354" v="21" actId="478"/>
+          <ac:spMkLst>
+            <pc:docMk/>
+            <pc:sldMk cId="2609734185" sldId="259"/>
+            <ac:spMk id="2" creationId="{63F366D0-03B1-4877-9A11-E074C0A3D63B}"/>
+          </ac:spMkLst>
+        </pc:spChg>
+        <pc:spChg chg="del">
+          <ac:chgData name="唐 崇斌 Edwin" userId="769f27267cb83406" providerId="LiveId" clId="{F749D1A7-B6C5-40CC-A752-898961211CE4}" dt="2020-03-21T01:17:41.430" v="22" actId="478"/>
+          <ac:spMkLst>
+            <pc:docMk/>
+            <pc:sldMk cId="2609734185" sldId="259"/>
+            <ac:spMk id="3" creationId="{1E05FF09-A73E-4736-8A8A-31C2398EE7AF}"/>
+          </ac:spMkLst>
+        </pc:spChg>
+        <pc:spChg chg="add del">
+          <ac:chgData name="唐 崇斌 Edwin" userId="769f27267cb83406" providerId="LiveId" clId="{F749D1A7-B6C5-40CC-A752-898961211CE4}" dt="2020-03-21T01:17:36.555" v="20"/>
+          <ac:spMkLst>
+            <pc:docMk/>
+            <pc:sldMk cId="2609734185" sldId="259"/>
+            <ac:spMk id="5" creationId="{79E59B9F-4473-491F-9D6E-627F64E7B312}"/>
+          </ac:spMkLst>
+        </pc:spChg>
+        <pc:spChg chg="add del">
+          <ac:chgData name="唐 崇斌 Edwin" userId="769f27267cb83406" providerId="LiveId" clId="{F749D1A7-B6C5-40CC-A752-898961211CE4}" dt="2020-03-21T01:17:36.555" v="20"/>
+          <ac:spMkLst>
+            <pc:docMk/>
+            <pc:sldMk cId="2609734185" sldId="259"/>
+            <ac:spMk id="6" creationId="{B130E891-070E-4AF5-81AF-61B092697E18}"/>
+          </ac:spMkLst>
+        </pc:spChg>
+        <pc:spChg chg="add del">
+          <ac:chgData name="唐 崇斌 Edwin" userId="769f27267cb83406" providerId="LiveId" clId="{F749D1A7-B6C5-40CC-A752-898961211CE4}" dt="2020-03-21T01:17:36.555" v="20"/>
+          <ac:spMkLst>
+            <pc:docMk/>
+            <pc:sldMk cId="2609734185" sldId="259"/>
+            <ac:spMk id="11" creationId="{3042ED33-8CAD-4FDD-BD23-6AED1EEBC041}"/>
+          </ac:spMkLst>
+        </pc:spChg>
+        <pc:spChg chg="add del">
+          <ac:chgData name="唐 崇斌 Edwin" userId="769f27267cb83406" providerId="LiveId" clId="{F749D1A7-B6C5-40CC-A752-898961211CE4}" dt="2020-03-21T01:17:36.555" v="20"/>
+          <ac:spMkLst>
+            <pc:docMk/>
+            <pc:sldMk cId="2609734185" sldId="259"/>
+            <ac:spMk id="15" creationId="{7433C0A9-8E8E-4106-BD46-C42E096A8BC6}"/>
+          </ac:spMkLst>
+        </pc:spChg>
+        <pc:spChg chg="add del">
+          <ac:chgData name="唐 崇斌 Edwin" userId="769f27267cb83406" providerId="LiveId" clId="{F749D1A7-B6C5-40CC-A752-898961211CE4}" dt="2020-03-21T01:17:36.555" v="20"/>
+          <ac:spMkLst>
+            <pc:docMk/>
+            <pc:sldMk cId="2609734185" sldId="259"/>
+            <ac:spMk id="16" creationId="{99E3871C-BA04-4BE0-B12C-82477DC27AD6}"/>
+          </ac:spMkLst>
+        </pc:spChg>
+        <pc:spChg chg="add del">
+          <ac:chgData name="唐 崇斌 Edwin" userId="769f27267cb83406" providerId="LiveId" clId="{F749D1A7-B6C5-40CC-A752-898961211CE4}" dt="2020-03-21T01:17:36.555" v="20"/>
+          <ac:spMkLst>
+            <pc:docMk/>
+            <pc:sldMk cId="2609734185" sldId="259"/>
+            <ac:spMk id="19" creationId="{1AB71A96-BB6E-401B-ADA9-84A34A47F5D3}"/>
+          </ac:spMkLst>
+        </pc:spChg>
+        <pc:spChg chg="add del">
+          <ac:chgData name="唐 崇斌 Edwin" userId="769f27267cb83406" providerId="LiveId" clId="{F749D1A7-B6C5-40CC-A752-898961211CE4}" dt="2020-03-21T01:17:36.555" v="20"/>
+          <ac:spMkLst>
+            <pc:docMk/>
+            <pc:sldMk cId="2609734185" sldId="259"/>
+            <ac:spMk id="22" creationId="{04EBF1F5-80A9-4492-9A1A-6338849F8962}"/>
+          </ac:spMkLst>
+        </pc:spChg>
+        <pc:spChg chg="add del">
+          <ac:chgData name="唐 崇斌 Edwin" userId="769f27267cb83406" providerId="LiveId" clId="{F749D1A7-B6C5-40CC-A752-898961211CE4}" dt="2020-03-21T01:17:36.555" v="20"/>
+          <ac:spMkLst>
+            <pc:docMk/>
+            <pc:sldMk cId="2609734185" sldId="259"/>
+            <ac:spMk id="46" creationId="{7545BD2A-D797-4646-B645-306EE79BFB2D}"/>
+          </ac:spMkLst>
+        </pc:spChg>
+        <pc:spChg chg="add del">
+          <ac:chgData name="唐 崇斌 Edwin" userId="769f27267cb83406" providerId="LiveId" clId="{F749D1A7-B6C5-40CC-A752-898961211CE4}" dt="2020-03-21T01:17:36.555" v="20"/>
+          <ac:spMkLst>
+            <pc:docMk/>
+            <pc:sldMk cId="2609734185" sldId="259"/>
+            <ac:spMk id="47" creationId="{2A823E3F-C934-4809-9217-0453C05CB65C}"/>
+          </ac:spMkLst>
+        </pc:spChg>
+        <pc:spChg chg="add del">
+          <ac:chgData name="唐 崇斌 Edwin" userId="769f27267cb83406" providerId="LiveId" clId="{F749D1A7-B6C5-40CC-A752-898961211CE4}" dt="2020-03-21T01:17:36.555" v="20"/>
+          <ac:spMkLst>
+            <pc:docMk/>
+            <pc:sldMk cId="2609734185" sldId="259"/>
+            <ac:spMk id="48" creationId="{D490B913-CD4E-4947-A374-824F56B8CD89}"/>
+          </ac:spMkLst>
+        </pc:spChg>
+        <pc:spChg chg="add del">
+          <ac:chgData name="唐 崇斌 Edwin" userId="769f27267cb83406" providerId="LiveId" clId="{F749D1A7-B6C5-40CC-A752-898961211CE4}" dt="2020-03-21T01:17:36.555" v="20"/>
+          <ac:spMkLst>
+            <pc:docMk/>
+            <pc:sldMk cId="2609734185" sldId="259"/>
+            <ac:spMk id="49" creationId="{A2B77CFD-0C70-41CC-A9D2-510EDF71BA64}"/>
+          </ac:spMkLst>
+        </pc:spChg>
+        <pc:spChg chg="add mod topLvl">
+          <ac:chgData name="唐 崇斌 Edwin" userId="769f27267cb83406" providerId="LiveId" clId="{F749D1A7-B6C5-40CC-A752-898961211CE4}" dt="2020-03-21T01:22:41.121" v="93" actId="165"/>
+          <ac:spMkLst>
+            <pc:docMk/>
+            <pc:sldMk cId="2609734185" sldId="259"/>
+            <ac:spMk id="51" creationId="{B9D59110-9004-4BDA-B0F4-17EE2C13BF3F}"/>
+          </ac:spMkLst>
+        </pc:spChg>
+        <pc:spChg chg="add mod topLvl">
+          <ac:chgData name="唐 崇斌 Edwin" userId="769f27267cb83406" providerId="LiveId" clId="{F749D1A7-B6C5-40CC-A752-898961211CE4}" dt="2020-03-21T01:22:41.121" v="93" actId="165"/>
+          <ac:spMkLst>
+            <pc:docMk/>
+            <pc:sldMk cId="2609734185" sldId="259"/>
+            <ac:spMk id="52" creationId="{FCEBFB51-2E0D-495C-8824-D46074A2105C}"/>
+          </ac:spMkLst>
+        </pc:spChg>
+        <pc:spChg chg="add mod topLvl">
+          <ac:chgData name="唐 崇斌 Edwin" userId="769f27267cb83406" providerId="LiveId" clId="{F749D1A7-B6C5-40CC-A752-898961211CE4}" dt="2020-03-21T01:22:41.121" v="93" actId="165"/>
+          <ac:spMkLst>
+            <pc:docMk/>
+            <pc:sldMk cId="2609734185" sldId="259"/>
+            <ac:spMk id="57" creationId="{F5639C9F-0F9B-48E5-A12D-DA91346F6FAB}"/>
+          </ac:spMkLst>
+        </pc:spChg>
+        <pc:spChg chg="add mod topLvl">
+          <ac:chgData name="唐 崇斌 Edwin" userId="769f27267cb83406" providerId="LiveId" clId="{F749D1A7-B6C5-40CC-A752-898961211CE4}" dt="2020-03-21T01:22:41.121" v="93" actId="165"/>
+          <ac:spMkLst>
+            <pc:docMk/>
+            <pc:sldMk cId="2609734185" sldId="259"/>
+            <ac:spMk id="61" creationId="{44F86E2C-EF41-4B92-97B3-B4CB07A32D2C}"/>
+          </ac:spMkLst>
+        </pc:spChg>
+        <pc:spChg chg="add mod topLvl">
+          <ac:chgData name="唐 崇斌 Edwin" userId="769f27267cb83406" providerId="LiveId" clId="{F749D1A7-B6C5-40CC-A752-898961211CE4}" dt="2020-03-21T01:22:41.121" v="93" actId="165"/>
+          <ac:spMkLst>
+            <pc:docMk/>
+            <pc:sldMk cId="2609734185" sldId="259"/>
+            <ac:spMk id="62" creationId="{69BD1BD8-CB07-415B-8764-4F21C90D7D36}"/>
+          </ac:spMkLst>
+        </pc:spChg>
+        <pc:spChg chg="add mod topLvl">
+          <ac:chgData name="唐 崇斌 Edwin" userId="769f27267cb83406" providerId="LiveId" clId="{F749D1A7-B6C5-40CC-A752-898961211CE4}" dt="2020-03-21T01:22:41.121" v="93" actId="165"/>
+          <ac:spMkLst>
+            <pc:docMk/>
+            <pc:sldMk cId="2609734185" sldId="259"/>
+            <ac:spMk id="65" creationId="{EB7A6B76-2B18-4B61-A36D-5A91D7B016F5}"/>
+          </ac:spMkLst>
+        </pc:spChg>
+        <pc:spChg chg="add mod topLvl">
+          <ac:chgData name="唐 崇斌 Edwin" userId="769f27267cb83406" providerId="LiveId" clId="{F749D1A7-B6C5-40CC-A752-898961211CE4}" dt="2020-03-21T01:24:18.545" v="128" actId="164"/>
+          <ac:spMkLst>
+            <pc:docMk/>
+            <pc:sldMk cId="2609734185" sldId="259"/>
+            <ac:spMk id="68" creationId="{0F74233E-FF58-4F92-A73D-CC4DF7FC4511}"/>
+          </ac:spMkLst>
+        </pc:spChg>
+        <pc:spChg chg="add mod topLvl">
+          <ac:chgData name="唐 崇斌 Edwin" userId="769f27267cb83406" providerId="LiveId" clId="{F749D1A7-B6C5-40CC-A752-898961211CE4}" dt="2020-03-21T01:22:41.121" v="93" actId="165"/>
+          <ac:spMkLst>
+            <pc:docMk/>
+            <pc:sldMk cId="2609734185" sldId="259"/>
+            <ac:spMk id="92" creationId="{4CF66F24-EB60-4F8A-8464-39B1FC5A9866}"/>
+          </ac:spMkLst>
+        </pc:spChg>
+        <pc:spChg chg="add mod topLvl">
+          <ac:chgData name="唐 崇斌 Edwin" userId="769f27267cb83406" providerId="LiveId" clId="{F749D1A7-B6C5-40CC-A752-898961211CE4}" dt="2020-03-21T01:22:41.121" v="93" actId="165"/>
+          <ac:spMkLst>
+            <pc:docMk/>
+            <pc:sldMk cId="2609734185" sldId="259"/>
+            <ac:spMk id="93" creationId="{246B31B9-D1BB-4BA1-8674-808E4E2F995A}"/>
+          </ac:spMkLst>
+        </pc:spChg>
+        <pc:spChg chg="add mod topLvl">
+          <ac:chgData name="唐 崇斌 Edwin" userId="769f27267cb83406" providerId="LiveId" clId="{F749D1A7-B6C5-40CC-A752-898961211CE4}" dt="2020-03-21T01:22:41.121" v="93" actId="165"/>
+          <ac:spMkLst>
+            <pc:docMk/>
+            <pc:sldMk cId="2609734185" sldId="259"/>
+            <ac:spMk id="94" creationId="{F38C6A5F-FD73-4A35-905C-37F5C65A206F}"/>
+          </ac:spMkLst>
+        </pc:spChg>
+        <pc:spChg chg="add del mod">
+          <ac:chgData name="唐 崇斌 Edwin" userId="769f27267cb83406" providerId="LiveId" clId="{F749D1A7-B6C5-40CC-A752-898961211CE4}" dt="2020-03-21T01:18:22.126" v="31" actId="478"/>
+          <ac:spMkLst>
+            <pc:docMk/>
+            <pc:sldMk cId="2609734185" sldId="259"/>
+            <ac:spMk id="95" creationId="{79B6E889-838F-4DD4-821F-39307EE1A589}"/>
+          </ac:spMkLst>
+        </pc:spChg>
+        <pc:spChg chg="add mod">
+          <ac:chgData name="唐 崇斌 Edwin" userId="769f27267cb83406" providerId="LiveId" clId="{F749D1A7-B6C5-40CC-A752-898961211CE4}" dt="2020-03-21T01:23:28.231" v="121" actId="1037"/>
+          <ac:spMkLst>
+            <pc:docMk/>
+            <pc:sldMk cId="2609734185" sldId="259"/>
+            <ac:spMk id="97" creationId="{5963D4BE-04FD-4DE7-9194-8CECA994ADFC}"/>
+          </ac:spMkLst>
+        </pc:spChg>
+        <pc:spChg chg="add del mod">
+          <ac:chgData name="唐 崇斌 Edwin" userId="769f27267cb83406" providerId="LiveId" clId="{F749D1A7-B6C5-40CC-A752-898961211CE4}" dt="2020-03-21T01:20:49.982" v="55" actId="478"/>
+          <ac:spMkLst>
+            <pc:docMk/>
+            <pc:sldMk cId="2609734185" sldId="259"/>
+            <ac:spMk id="98" creationId="{8F689040-2257-4EBC-B587-6E4212B755EA}"/>
+          </ac:spMkLst>
+        </pc:spChg>
+        <pc:spChg chg="add del mod">
+          <ac:chgData name="唐 崇斌 Edwin" userId="769f27267cb83406" providerId="LiveId" clId="{F749D1A7-B6C5-40CC-A752-898961211CE4}" dt="2020-03-21T01:21:17.985" v="59" actId="478"/>
+          <ac:spMkLst>
+            <pc:docMk/>
+            <pc:sldMk cId="2609734185" sldId="259"/>
+            <ac:spMk id="99" creationId="{6D1BF7B6-1387-4D8E-9A3B-7AA609CF91F9}"/>
+          </ac:spMkLst>
+        </pc:spChg>
+        <pc:spChg chg="add del mod">
+          <ac:chgData name="唐 崇斌 Edwin" userId="769f27267cb83406" providerId="LiveId" clId="{F749D1A7-B6C5-40CC-A752-898961211CE4}" dt="2020-03-21T01:21:36.914" v="63" actId="478"/>
+          <ac:spMkLst>
+            <pc:docMk/>
+            <pc:sldMk cId="2609734185" sldId="259"/>
+            <ac:spMk id="100" creationId="{E095B0A4-267A-4422-8867-B4ACFBDFFE20}"/>
+          </ac:spMkLst>
+        </pc:spChg>
+        <pc:spChg chg="add del mod">
+          <ac:chgData name="唐 崇斌 Edwin" userId="769f27267cb83406" providerId="LiveId" clId="{F749D1A7-B6C5-40CC-A752-898961211CE4}" dt="2020-03-21T01:22:04.088" v="70" actId="478"/>
+          <ac:spMkLst>
+            <pc:docMk/>
+            <pc:sldMk cId="2609734185" sldId="259"/>
+            <ac:spMk id="101" creationId="{9C4DD030-6302-418B-9F77-BE8C88F1F5BD}"/>
+          </ac:spMkLst>
+        </pc:spChg>
+        <pc:spChg chg="add del mod">
+          <ac:chgData name="唐 崇斌 Edwin" userId="769f27267cb83406" providerId="LiveId" clId="{F749D1A7-B6C5-40CC-A752-898961211CE4}" dt="2020-03-21T01:22:21.067" v="76" actId="478"/>
+          <ac:spMkLst>
+            <pc:docMk/>
+            <pc:sldMk cId="2609734185" sldId="259"/>
+            <ac:spMk id="102" creationId="{A1F5311A-3F16-451D-B2DA-4BF29BDB93C2}"/>
+          </ac:spMkLst>
+        </pc:spChg>
+        <pc:spChg chg="add del mod">
+          <ac:chgData name="唐 崇斌 Edwin" userId="769f27267cb83406" providerId="LiveId" clId="{F749D1A7-B6C5-40CC-A752-898961211CE4}" dt="2020-03-21T01:23:09.340" v="97" actId="478"/>
+          <ac:spMkLst>
+            <pc:docMk/>
+            <pc:sldMk cId="2609734185" sldId="259"/>
+            <ac:spMk id="103" creationId="{8D021544-86A8-41A3-8882-31595A730129}"/>
+          </ac:spMkLst>
+        </pc:spChg>
+        <pc:spChg chg="add del mod">
+          <ac:chgData name="唐 崇斌 Edwin" userId="769f27267cb83406" providerId="LiveId" clId="{F749D1A7-B6C5-40CC-A752-898961211CE4}" dt="2020-03-21T01:23:52.987" v="127" actId="478"/>
+          <ac:spMkLst>
+            <pc:docMk/>
+            <pc:sldMk cId="2609734185" sldId="259"/>
+            <ac:spMk id="104" creationId="{1669C0E2-CCDA-4D01-86EF-30756C376DC8}"/>
+          </ac:spMkLst>
+        </pc:spChg>
+        <pc:grpChg chg="add del">
+          <ac:chgData name="唐 崇斌 Edwin" userId="769f27267cb83406" providerId="LiveId" clId="{F749D1A7-B6C5-40CC-A752-898961211CE4}" dt="2020-03-21T01:17:36.555" v="20"/>
+          <ac:grpSpMkLst>
+            <pc:docMk/>
+            <pc:sldMk cId="2609734185" sldId="259"/>
+            <ac:grpSpMk id="8" creationId="{DE2201E2-11DB-4C02-9B2D-5EE5A3AEDAF2}"/>
+          </ac:grpSpMkLst>
+        </pc:grpChg>
+        <pc:grpChg chg="add del">
+          <ac:chgData name="唐 崇斌 Edwin" userId="769f27267cb83406" providerId="LiveId" clId="{F749D1A7-B6C5-40CC-A752-898961211CE4}" dt="2020-03-21T01:17:36.555" v="20"/>
+          <ac:grpSpMkLst>
+            <pc:docMk/>
+            <pc:sldMk cId="2609734185" sldId="259"/>
+            <ac:grpSpMk id="12" creationId="{BA298EE2-5CA6-4120-B048-72D5077CD97E}"/>
+          </ac:grpSpMkLst>
+        </pc:grpChg>
+        <pc:grpChg chg="add del">
+          <ac:chgData name="唐 崇斌 Edwin" userId="769f27267cb83406" providerId="LiveId" clId="{F749D1A7-B6C5-40CC-A752-898961211CE4}" dt="2020-03-21T01:17:36.555" v="20"/>
+          <ac:grpSpMkLst>
+            <pc:docMk/>
+            <pc:sldMk cId="2609734185" sldId="259"/>
+            <ac:grpSpMk id="23" creationId="{70041DDF-FDC6-4F9C-95BC-3F43C2C8958F}"/>
+          </ac:grpSpMkLst>
+        </pc:grpChg>
+        <pc:grpChg chg="add del">
+          <ac:chgData name="唐 崇斌 Edwin" userId="769f27267cb83406" providerId="LiveId" clId="{F749D1A7-B6C5-40CC-A752-898961211CE4}" dt="2020-03-21T01:17:36.555" v="20"/>
+          <ac:grpSpMkLst>
+            <pc:docMk/>
+            <pc:sldMk cId="2609734185" sldId="259"/>
+            <ac:grpSpMk id="30" creationId="{E3CAB8FB-E48D-4076-9D46-3453DC8C696F}"/>
+          </ac:grpSpMkLst>
+        </pc:grpChg>
+        <pc:grpChg chg="add del">
+          <ac:chgData name="唐 崇斌 Edwin" userId="769f27267cb83406" providerId="LiveId" clId="{F749D1A7-B6C5-40CC-A752-898961211CE4}" dt="2020-03-21T01:17:36.555" v="20"/>
+          <ac:grpSpMkLst>
+            <pc:docMk/>
+            <pc:sldMk cId="2609734185" sldId="259"/>
+            <ac:grpSpMk id="38" creationId="{BDFC64C8-10BF-419F-85CE-A024CF1D4EA6}"/>
+          </ac:grpSpMkLst>
+        </pc:grpChg>
+        <pc:grpChg chg="add mod topLvl">
+          <ac:chgData name="唐 崇斌 Edwin" userId="769f27267cb83406" providerId="LiveId" clId="{F749D1A7-B6C5-40CC-A752-898961211CE4}" dt="2020-03-21T01:22:41.121" v="93" actId="165"/>
+          <ac:grpSpMkLst>
+            <pc:docMk/>
+            <pc:sldMk cId="2609734185" sldId="259"/>
+            <ac:grpSpMk id="54" creationId="{4355A270-0C1E-4121-A294-8FFE0ED2212E}"/>
+          </ac:grpSpMkLst>
+        </pc:grpChg>
+        <pc:grpChg chg="add mod topLvl">
+          <ac:chgData name="唐 崇斌 Edwin" userId="769f27267cb83406" providerId="LiveId" clId="{F749D1A7-B6C5-40CC-A752-898961211CE4}" dt="2020-03-21T01:22:41.121" v="93" actId="165"/>
+          <ac:grpSpMkLst>
+            <pc:docMk/>
+            <pc:sldMk cId="2609734185" sldId="259"/>
+            <ac:grpSpMk id="58" creationId="{BFFC4FAE-F3E0-4720-8E22-7E214EA911E1}"/>
+          </ac:grpSpMkLst>
+        </pc:grpChg>
+        <pc:grpChg chg="add mod topLvl">
+          <ac:chgData name="唐 崇斌 Edwin" userId="769f27267cb83406" providerId="LiveId" clId="{F749D1A7-B6C5-40CC-A752-898961211CE4}" dt="2020-03-21T01:24:18.545" v="128" actId="164"/>
+          <ac:grpSpMkLst>
+            <pc:docMk/>
+            <pc:sldMk cId="2609734185" sldId="259"/>
+            <ac:grpSpMk id="69" creationId="{51337E6F-31A5-4711-9D46-B96815CB42E9}"/>
+          </ac:grpSpMkLst>
+        </pc:grpChg>
+        <pc:grpChg chg="add mod topLvl">
+          <ac:chgData name="唐 崇斌 Edwin" userId="769f27267cb83406" providerId="LiveId" clId="{F749D1A7-B6C5-40CC-A752-898961211CE4}" dt="2020-03-21T01:23:13.056" v="109" actId="1036"/>
+          <ac:grpSpMkLst>
+            <pc:docMk/>
+            <pc:sldMk cId="2609734185" sldId="259"/>
+            <ac:grpSpMk id="76" creationId="{20E9282F-B6ED-42B4-B52C-5891C13F3030}"/>
+          </ac:grpSpMkLst>
+        </pc:grpChg>
+        <pc:grpChg chg="add mod topLvl">
+          <ac:chgData name="唐 崇斌 Edwin" userId="769f27267cb83406" providerId="LiveId" clId="{F749D1A7-B6C5-40CC-A752-898961211CE4}" dt="2020-03-21T01:22:41.121" v="93" actId="165"/>
+          <ac:grpSpMkLst>
+            <pc:docMk/>
+            <pc:sldMk cId="2609734185" sldId="259"/>
+            <ac:grpSpMk id="84" creationId="{EF2A9655-BCF0-4014-A4BB-9B156B17924E}"/>
+          </ac:grpSpMkLst>
+        </pc:grpChg>
+        <pc:grpChg chg="add del mod">
+          <ac:chgData name="唐 崇斌 Edwin" userId="769f27267cb83406" providerId="LiveId" clId="{F749D1A7-B6C5-40CC-A752-898961211CE4}" dt="2020-03-21T01:22:41.121" v="93" actId="165"/>
+          <ac:grpSpMkLst>
+            <pc:docMk/>
+            <pc:sldMk cId="2609734185" sldId="259"/>
+            <ac:grpSpMk id="96" creationId="{D5DF1B69-24DF-4FA5-A5F7-660E0396A3BD}"/>
+          </ac:grpSpMkLst>
+        </pc:grpChg>
+        <pc:grpChg chg="add mod">
+          <ac:chgData name="唐 崇斌 Edwin" userId="769f27267cb83406" providerId="LiveId" clId="{F749D1A7-B6C5-40CC-A752-898961211CE4}" dt="2020-03-21T01:24:19.902" v="136" actId="1037"/>
+          <ac:grpSpMkLst>
+            <pc:docMk/>
+            <pc:sldMk cId="2609734185" sldId="259"/>
+            <ac:grpSpMk id="105" creationId="{39889AAF-33FD-4EF3-B65E-BC9D4CD95E04}"/>
+          </ac:grpSpMkLst>
+        </pc:grpChg>
+        <pc:picChg chg="add del">
+          <ac:chgData name="唐 崇斌 Edwin" userId="769f27267cb83406" providerId="LiveId" clId="{F749D1A7-B6C5-40CC-A752-898961211CE4}" dt="2020-03-21T01:17:36.555" v="20"/>
+          <ac:picMkLst>
+            <pc:docMk/>
+            <pc:sldMk cId="2609734185" sldId="259"/>
+            <ac:picMk id="7" creationId="{E4AAF49F-11D1-4B95-B713-DE4E74870A96}"/>
+          </ac:picMkLst>
+        </pc:picChg>
+        <pc:picChg chg="add del">
+          <ac:chgData name="唐 崇斌 Edwin" userId="769f27267cb83406" providerId="LiveId" clId="{F749D1A7-B6C5-40CC-A752-898961211CE4}" dt="2020-03-21T01:17:36.555" v="20"/>
+          <ac:picMkLst>
+            <pc:docMk/>
+            <pc:sldMk cId="2609734185" sldId="259"/>
+            <ac:picMk id="17" creationId="{FB51DB0A-327C-40CB-8A10-0D1AB91A02B7}"/>
+          </ac:picMkLst>
+        </pc:picChg>
+        <pc:picChg chg="add mod topLvl">
+          <ac:chgData name="唐 崇斌 Edwin" userId="769f27267cb83406" providerId="LiveId" clId="{F749D1A7-B6C5-40CC-A752-898961211CE4}" dt="2020-03-21T01:22:41.121" v="93" actId="165"/>
+          <ac:picMkLst>
+            <pc:docMk/>
+            <pc:sldMk cId="2609734185" sldId="259"/>
+            <ac:picMk id="53" creationId="{1358EE7C-8732-4EBA-AB41-239269E85185}"/>
+          </ac:picMkLst>
+        </pc:picChg>
+        <pc:picChg chg="add mod topLvl">
+          <ac:chgData name="唐 崇斌 Edwin" userId="769f27267cb83406" providerId="LiveId" clId="{F749D1A7-B6C5-40CC-A752-898961211CE4}" dt="2020-03-21T01:22:41.121" v="93" actId="165"/>
+          <ac:picMkLst>
+            <pc:docMk/>
+            <pc:sldMk cId="2609734185" sldId="259"/>
+            <ac:picMk id="63" creationId="{D2119E40-BF45-4A44-A53E-1EA530A292C6}"/>
+          </ac:picMkLst>
+        </pc:picChg>
+        <pc:cxnChg chg="add del">
+          <ac:chgData name="唐 崇斌 Edwin" userId="769f27267cb83406" providerId="LiveId" clId="{F749D1A7-B6C5-40CC-A752-898961211CE4}" dt="2020-03-21T01:17:36.555" v="20"/>
+          <ac:cxnSpMkLst>
+            <pc:docMk/>
+            <pc:sldMk cId="2609734185" sldId="259"/>
+            <ac:cxnSpMk id="4" creationId="{0066ED71-AC75-4E70-BF58-16366F63F0A1}"/>
+          </ac:cxnSpMkLst>
+        </pc:cxnChg>
+        <pc:cxnChg chg="add del">
+          <ac:chgData name="唐 崇斌 Edwin" userId="769f27267cb83406" providerId="LiveId" clId="{F749D1A7-B6C5-40CC-A752-898961211CE4}" dt="2020-03-21T01:17:36.555" v="20"/>
+          <ac:cxnSpMkLst>
+            <pc:docMk/>
+            <pc:sldMk cId="2609734185" sldId="259"/>
+            <ac:cxnSpMk id="18" creationId="{9C408FC1-3AE9-480A-924C-A46EB012606D}"/>
+          </ac:cxnSpMkLst>
+        </pc:cxnChg>
+        <pc:cxnChg chg="add del">
+          <ac:chgData name="唐 崇斌 Edwin" userId="769f27267cb83406" providerId="LiveId" clId="{F749D1A7-B6C5-40CC-A752-898961211CE4}" dt="2020-03-21T01:17:36.555" v="20"/>
+          <ac:cxnSpMkLst>
+            <pc:docMk/>
+            <pc:sldMk cId="2609734185" sldId="259"/>
+            <ac:cxnSpMk id="20" creationId="{750EBE61-C5B3-4A93-805B-3BC170E1CE42}"/>
+          </ac:cxnSpMkLst>
+        </pc:cxnChg>
+        <pc:cxnChg chg="add del">
+          <ac:chgData name="唐 崇斌 Edwin" userId="769f27267cb83406" providerId="LiveId" clId="{F749D1A7-B6C5-40CC-A752-898961211CE4}" dt="2020-03-21T01:17:36.555" v="20"/>
+          <ac:cxnSpMkLst>
+            <pc:docMk/>
+            <pc:sldMk cId="2609734185" sldId="259"/>
+            <ac:cxnSpMk id="21" creationId="{5ACBE86A-1043-4756-93C2-E8645D70B028}"/>
+          </ac:cxnSpMkLst>
+        </pc:cxnChg>
+        <pc:cxnChg chg="add del">
+          <ac:chgData name="唐 崇斌 Edwin" userId="769f27267cb83406" providerId="LiveId" clId="{F749D1A7-B6C5-40CC-A752-898961211CE4}" dt="2020-03-21T01:17:36.555" v="20"/>
+          <ac:cxnSpMkLst>
+            <pc:docMk/>
+            <pc:sldMk cId="2609734185" sldId="259"/>
+            <ac:cxnSpMk id="44" creationId="{FD230354-51CE-425E-84B7-7D383060E6A0}"/>
+          </ac:cxnSpMkLst>
+        </pc:cxnChg>
+        <pc:cxnChg chg="add del">
+          <ac:chgData name="唐 崇斌 Edwin" userId="769f27267cb83406" providerId="LiveId" clId="{F749D1A7-B6C5-40CC-A752-898961211CE4}" dt="2020-03-21T01:17:36.555" v="20"/>
+          <ac:cxnSpMkLst>
+            <pc:docMk/>
+            <pc:sldMk cId="2609734185" sldId="259"/>
+            <ac:cxnSpMk id="45" creationId="{C3C813EC-3FD8-4991-919F-279E330A8395}"/>
+          </ac:cxnSpMkLst>
+        </pc:cxnChg>
+        <pc:cxnChg chg="add mod topLvl">
+          <ac:chgData name="唐 崇斌 Edwin" userId="769f27267cb83406" providerId="LiveId" clId="{F749D1A7-B6C5-40CC-A752-898961211CE4}" dt="2020-03-21T01:22:41.121" v="93" actId="165"/>
+          <ac:cxnSpMkLst>
+            <pc:docMk/>
+            <pc:sldMk cId="2609734185" sldId="259"/>
+            <ac:cxnSpMk id="50" creationId="{4EA4163A-E935-4FD6-ACE2-D1D5342D68DB}"/>
+          </ac:cxnSpMkLst>
+        </pc:cxnChg>
+        <pc:cxnChg chg="add mod topLvl">
+          <ac:chgData name="唐 崇斌 Edwin" userId="769f27267cb83406" providerId="LiveId" clId="{F749D1A7-B6C5-40CC-A752-898961211CE4}" dt="2020-03-21T01:22:41.121" v="93" actId="165"/>
+          <ac:cxnSpMkLst>
+            <pc:docMk/>
+            <pc:sldMk cId="2609734185" sldId="259"/>
+            <ac:cxnSpMk id="64" creationId="{50BFBB60-2BAB-416A-9D02-EBDE3C6A5446}"/>
+          </ac:cxnSpMkLst>
+        </pc:cxnChg>
+        <pc:cxnChg chg="add mod topLvl">
+          <ac:chgData name="唐 崇斌 Edwin" userId="769f27267cb83406" providerId="LiveId" clId="{F749D1A7-B6C5-40CC-A752-898961211CE4}" dt="2020-03-21T01:22:41.121" v="93" actId="165"/>
+          <ac:cxnSpMkLst>
+            <pc:docMk/>
+            <pc:sldMk cId="2609734185" sldId="259"/>
+            <ac:cxnSpMk id="66" creationId="{AA1B01EE-9B64-47A8-B7F6-BA1615B56006}"/>
+          </ac:cxnSpMkLst>
+        </pc:cxnChg>
+        <pc:cxnChg chg="add mod topLvl">
+          <ac:chgData name="唐 崇斌 Edwin" userId="769f27267cb83406" providerId="LiveId" clId="{F749D1A7-B6C5-40CC-A752-898961211CE4}" dt="2020-03-21T01:22:41.121" v="93" actId="165"/>
+          <ac:cxnSpMkLst>
+            <pc:docMk/>
+            <pc:sldMk cId="2609734185" sldId="259"/>
+            <ac:cxnSpMk id="67" creationId="{03647B27-5354-4C6E-81EF-DDBCB4AF973B}"/>
+          </ac:cxnSpMkLst>
+        </pc:cxnChg>
+        <pc:cxnChg chg="add mod topLvl">
+          <ac:chgData name="唐 崇斌 Edwin" userId="769f27267cb83406" providerId="LiveId" clId="{F749D1A7-B6C5-40CC-A752-898961211CE4}" dt="2020-03-21T01:22:41.121" v="93" actId="165"/>
+          <ac:cxnSpMkLst>
+            <pc:docMk/>
+            <pc:sldMk cId="2609734185" sldId="259"/>
+            <ac:cxnSpMk id="90" creationId="{7372FD11-AB12-428A-A85F-C7BD77204FBE}"/>
+          </ac:cxnSpMkLst>
+        </pc:cxnChg>
+        <pc:cxnChg chg="add mod topLvl">
+          <ac:chgData name="唐 崇斌 Edwin" userId="769f27267cb83406" providerId="LiveId" clId="{F749D1A7-B6C5-40CC-A752-898961211CE4}" dt="2020-03-21T01:22:41.121" v="93" actId="165"/>
+          <ac:cxnSpMkLst>
+            <pc:docMk/>
+            <pc:sldMk cId="2609734185" sldId="259"/>
+            <ac:cxnSpMk id="91" creationId="{1E914CBF-1D5A-440D-8AA3-75F94EB69CBD}"/>
+          </ac:cxnSpMkLst>
+        </pc:cxnChg>
+      </pc:sldChg>
+      <pc:sldChg chg="addSp delSp modSp add">
+        <pc:chgData name="唐 崇斌 Edwin" userId="769f27267cb83406" providerId="LiveId" clId="{F749D1A7-B6C5-40CC-A752-898961211CE4}" dt="2020-03-21T02:08:23.021" v="845"/>
+        <pc:sldMkLst>
+          <pc:docMk/>
+          <pc:sldMk cId="3037902655" sldId="260"/>
+        </pc:sldMkLst>
+        <pc:spChg chg="add mod">
+          <ac:chgData name="唐 崇斌 Edwin" userId="769f27267cb83406" providerId="LiveId" clId="{F749D1A7-B6C5-40CC-A752-898961211CE4}" dt="2020-03-21T01:39:02.856" v="764" actId="208"/>
+          <ac:spMkLst>
+            <pc:docMk/>
+            <pc:sldMk cId="3037902655" sldId="260"/>
+            <ac:spMk id="18" creationId="{77369110-6C40-448A-BA4A-C9A5380CADE1}"/>
+          </ac:spMkLst>
+        </pc:spChg>
+        <pc:spChg chg="mod topLvl">
+          <ac:chgData name="唐 崇斌 Edwin" userId="769f27267cb83406" providerId="LiveId" clId="{F749D1A7-B6C5-40CC-A752-898961211CE4}" dt="2020-03-21T01:31:54.071" v="665" actId="165"/>
+          <ac:spMkLst>
+            <pc:docMk/>
+            <pc:sldMk cId="3037902655" sldId="260"/>
+            <ac:spMk id="51" creationId="{B9D59110-9004-4BDA-B0F4-17EE2C13BF3F}"/>
+          </ac:spMkLst>
+        </pc:spChg>
+        <pc:spChg chg="mod topLvl">
+          <ac:chgData name="唐 崇斌 Edwin" userId="769f27267cb83406" providerId="LiveId" clId="{F749D1A7-B6C5-40CC-A752-898961211CE4}" dt="2020-03-21T01:31:54.071" v="665" actId="165"/>
+          <ac:spMkLst>
+            <pc:docMk/>
+            <pc:sldMk cId="3037902655" sldId="260"/>
+            <ac:spMk id="52" creationId="{FCEBFB51-2E0D-495C-8824-D46074A2105C}"/>
+          </ac:spMkLst>
+        </pc:spChg>
+        <pc:spChg chg="mod">
+          <ac:chgData name="唐 崇斌 Edwin" userId="769f27267cb83406" providerId="LiveId" clId="{F749D1A7-B6C5-40CC-A752-898961211CE4}" dt="2020-03-21T01:32:52.738" v="720" actId="1038"/>
+          <ac:spMkLst>
+            <pc:docMk/>
+            <pc:sldMk cId="3037902655" sldId="260"/>
+            <ac:spMk id="57" creationId="{F5639C9F-0F9B-48E5-A12D-DA91346F6FAB}"/>
+          </ac:spMkLst>
+        </pc:spChg>
+        <pc:spChg chg="mod">
+          <ac:chgData name="唐 崇斌 Edwin" userId="769f27267cb83406" providerId="LiveId" clId="{F749D1A7-B6C5-40CC-A752-898961211CE4}" dt="2020-03-21T01:26:56.876" v="386" actId="164"/>
+          <ac:spMkLst>
+            <pc:docMk/>
+            <pc:sldMk cId="3037902655" sldId="260"/>
+            <ac:spMk id="61" creationId="{44F86E2C-EF41-4B92-97B3-B4CB07A32D2C}"/>
+          </ac:spMkLst>
+        </pc:spChg>
+        <pc:spChg chg="mod">
+          <ac:chgData name="唐 崇斌 Edwin" userId="769f27267cb83406" providerId="LiveId" clId="{F749D1A7-B6C5-40CC-A752-898961211CE4}" dt="2020-03-21T02:08:11.941" v="838" actId="6549"/>
+          <ac:spMkLst>
+            <pc:docMk/>
+            <pc:sldMk cId="3037902655" sldId="260"/>
+            <ac:spMk id="62" creationId="{69BD1BD8-CB07-415B-8764-4F21C90D7D36}"/>
+          </ac:spMkLst>
+        </pc:spChg>
+        <pc:spChg chg="mod topLvl">
+          <ac:chgData name="唐 崇斌 Edwin" userId="769f27267cb83406" providerId="LiveId" clId="{F749D1A7-B6C5-40CC-A752-898961211CE4}" dt="2020-03-21T01:31:54.071" v="665" actId="165"/>
+          <ac:spMkLst>
+            <pc:docMk/>
+            <pc:sldMk cId="3037902655" sldId="260"/>
+            <ac:spMk id="65" creationId="{EB7A6B76-2B18-4B61-A36D-5A91D7B016F5}"/>
+          </ac:spMkLst>
+        </pc:spChg>
+        <pc:spChg chg="mod topLvl">
+          <ac:chgData name="唐 崇斌 Edwin" userId="769f27267cb83406" providerId="LiveId" clId="{F749D1A7-B6C5-40CC-A752-898961211CE4}" dt="2020-03-21T01:31:54.071" v="665" actId="165"/>
+          <ac:spMkLst>
+            <pc:docMk/>
+            <pc:sldMk cId="3037902655" sldId="260"/>
+            <ac:spMk id="92" creationId="{4CF66F24-EB60-4F8A-8464-39B1FC5A9866}"/>
+          </ac:spMkLst>
+        </pc:spChg>
+        <pc:spChg chg="mod topLvl">
+          <ac:chgData name="唐 崇斌 Edwin" userId="769f27267cb83406" providerId="LiveId" clId="{F749D1A7-B6C5-40CC-A752-898961211CE4}" dt="2020-03-21T01:31:54.071" v="665" actId="165"/>
+          <ac:spMkLst>
+            <pc:docMk/>
+            <pc:sldMk cId="3037902655" sldId="260"/>
+            <ac:spMk id="93" creationId="{246B31B9-D1BB-4BA1-8674-808E4E2F995A}"/>
+          </ac:spMkLst>
+        </pc:spChg>
+        <pc:spChg chg="mod topLvl">
+          <ac:chgData name="唐 崇斌 Edwin" userId="769f27267cb83406" providerId="LiveId" clId="{F749D1A7-B6C5-40CC-A752-898961211CE4}" dt="2020-03-21T01:31:54.071" v="665" actId="165"/>
+          <ac:spMkLst>
+            <pc:docMk/>
+            <pc:sldMk cId="3037902655" sldId="260"/>
+            <ac:spMk id="94" creationId="{F38C6A5F-FD73-4A35-905C-37F5C65A206F}"/>
+          </ac:spMkLst>
+        </pc:spChg>
+        <pc:spChg chg="add del">
+          <ac:chgData name="唐 崇斌 Edwin" userId="769f27267cb83406" providerId="LiveId" clId="{F749D1A7-B6C5-40CC-A752-898961211CE4}" dt="2020-03-21T01:25:24.204" v="145" actId="478"/>
+          <ac:spMkLst>
+            <pc:docMk/>
+            <pc:sldMk cId="3037902655" sldId="260"/>
+            <ac:spMk id="97" creationId="{5963D4BE-04FD-4DE7-9194-8CECA994ADFC}"/>
+          </ac:spMkLst>
+        </pc:spChg>
+        <pc:spChg chg="add mod">
+          <ac:chgData name="唐 崇斌 Edwin" userId="769f27267cb83406" providerId="LiveId" clId="{F749D1A7-B6C5-40CC-A752-898961211CE4}" dt="2020-03-21T02:06:45.175" v="837" actId="14100"/>
+          <ac:spMkLst>
+            <pc:docMk/>
+            <pc:sldMk cId="3037902655" sldId="260"/>
+            <ac:spMk id="99" creationId="{00C37BC6-AF06-44E7-9F9C-F65BC3232D2A}"/>
+          </ac:spMkLst>
+        </pc:spChg>
+        <pc:spChg chg="add mod">
+          <ac:chgData name="唐 崇斌 Edwin" userId="769f27267cb83406" providerId="LiveId" clId="{F749D1A7-B6C5-40CC-A752-898961211CE4}" dt="2020-03-21T01:38:49.484" v="763" actId="208"/>
+          <ac:spMkLst>
+            <pc:docMk/>
+            <pc:sldMk cId="3037902655" sldId="260"/>
+            <ac:spMk id="100" creationId="{9BF7A36A-74DB-4A32-BA58-90C9D78BAFED}"/>
+          </ac:spMkLst>
+        </pc:spChg>
+        <pc:spChg chg="add mod">
+          <ac:chgData name="唐 崇斌 Edwin" userId="769f27267cb83406" providerId="LiveId" clId="{F749D1A7-B6C5-40CC-A752-898961211CE4}" dt="2020-03-21T02:01:38.634" v="836" actId="1036"/>
+          <ac:spMkLst>
+            <pc:docMk/>
+            <pc:sldMk cId="3037902655" sldId="260"/>
+            <ac:spMk id="101" creationId="{142E36D8-0ACE-41BD-8F2D-751026173AB8}"/>
+          </ac:spMkLst>
+        </pc:spChg>
+        <pc:spChg chg="add mod">
+          <ac:chgData name="唐 崇斌 Edwin" userId="769f27267cb83406" providerId="LiveId" clId="{F749D1A7-B6C5-40CC-A752-898961211CE4}" dt="2020-03-21T01:39:47.658" v="777" actId="1037"/>
+          <ac:spMkLst>
+            <pc:docMk/>
+            <pc:sldMk cId="3037902655" sldId="260"/>
+            <ac:spMk id="102" creationId="{D805EE81-08E2-459C-91C4-83E6A8F54E17}"/>
+          </ac:spMkLst>
+        </pc:spChg>
+        <pc:spChg chg="add mod">
+          <ac:chgData name="唐 崇斌 Edwin" userId="769f27267cb83406" providerId="LiveId" clId="{F749D1A7-B6C5-40CC-A752-898961211CE4}" dt="2020-03-21T02:08:23.021" v="845"/>
+          <ac:spMkLst>
+            <pc:docMk/>
+            <pc:sldMk cId="3037902655" sldId="260"/>
+            <ac:spMk id="103" creationId="{E368BA37-19AA-44C6-84C0-C6A6FBBB9F85}"/>
+          </ac:spMkLst>
+        </pc:spChg>
+        <pc:spChg chg="add mod">
+          <ac:chgData name="唐 崇斌 Edwin" userId="769f27267cb83406" providerId="LiveId" clId="{F749D1A7-B6C5-40CC-A752-898961211CE4}" dt="2020-03-21T01:40:05.521" v="781" actId="571"/>
+          <ac:spMkLst>
+            <pc:docMk/>
+            <pc:sldMk cId="3037902655" sldId="260"/>
+            <ac:spMk id="104" creationId="{339FD55B-5D18-434C-AAEF-F8499AE06F20}"/>
+          </ac:spMkLst>
+        </pc:spChg>
+        <pc:spChg chg="add mod">
+          <ac:chgData name="唐 崇斌 Edwin" userId="769f27267cb83406" providerId="LiveId" clId="{F749D1A7-B6C5-40CC-A752-898961211CE4}" dt="2020-03-21T01:40:05.521" v="781" actId="571"/>
+          <ac:spMkLst>
+            <pc:docMk/>
+            <pc:sldMk cId="3037902655" sldId="260"/>
+            <ac:spMk id="106" creationId="{41306E5A-6DED-4E4C-A0C6-D6650ABFA949}"/>
+          </ac:spMkLst>
+        </pc:spChg>
+        <pc:grpChg chg="add mod">
+          <ac:chgData name="唐 崇斌 Edwin" userId="769f27267cb83406" providerId="LiveId" clId="{F749D1A7-B6C5-40CC-A752-898961211CE4}" dt="2020-03-21T01:26:37.420" v="353" actId="164"/>
+          <ac:grpSpMkLst>
+            <pc:docMk/>
+            <pc:sldMk cId="3037902655" sldId="260"/>
+            <ac:grpSpMk id="3" creationId="{20C34C7C-DC1B-478F-BC3D-D5D9C2B54F25}"/>
+          </ac:grpSpMkLst>
+        </pc:grpChg>
+        <pc:grpChg chg="add mod">
+          <ac:chgData name="唐 崇斌 Edwin" userId="769f27267cb83406" providerId="LiveId" clId="{F749D1A7-B6C5-40CC-A752-898961211CE4}" dt="2020-03-21T01:27:02.410" v="387" actId="1076"/>
+          <ac:grpSpMkLst>
+            <pc:docMk/>
+            <pc:sldMk cId="3037902655" sldId="260"/>
+            <ac:grpSpMk id="4" creationId="{22556076-3FCB-4F78-9F6F-7BFC7FA7C9C0}"/>
+          </ac:grpSpMkLst>
+        </pc:grpChg>
+        <pc:grpChg chg="add mod">
+          <ac:chgData name="唐 崇斌 Edwin" userId="769f27267cb83406" providerId="LiveId" clId="{F749D1A7-B6C5-40CC-A752-898961211CE4}" dt="2020-03-21T01:28:45.457" v="515" actId="164"/>
+          <ac:grpSpMkLst>
+            <pc:docMk/>
+            <pc:sldMk cId="3037902655" sldId="260"/>
+            <ac:grpSpMk id="16" creationId="{85CD8BB3-4235-4DFD-BF0F-91768FD9835B}"/>
+          </ac:grpSpMkLst>
+        </pc:grpChg>
+        <pc:grpChg chg="add del mod">
+          <ac:chgData name="唐 崇斌 Edwin" userId="769f27267cb83406" providerId="LiveId" clId="{F749D1A7-B6C5-40CC-A752-898961211CE4}" dt="2020-03-21T01:31:54.071" v="665" actId="165"/>
+          <ac:grpSpMkLst>
+            <pc:docMk/>
+            <pc:sldMk cId="3037902655" sldId="260"/>
+            <ac:grpSpMk id="17" creationId="{76036318-0F6C-40A3-99CB-5319C12FD4C6}"/>
+          </ac:grpSpMkLst>
+        </pc:grpChg>
+        <pc:grpChg chg="mod topLvl">
+          <ac:chgData name="唐 崇斌 Edwin" userId="769f27267cb83406" providerId="LiveId" clId="{F749D1A7-B6C5-40CC-A752-898961211CE4}" dt="2020-03-21T01:32:52.738" v="720" actId="1038"/>
+          <ac:grpSpMkLst>
+            <pc:docMk/>
+            <pc:sldMk cId="3037902655" sldId="260"/>
+            <ac:grpSpMk id="54" creationId="{4355A270-0C1E-4121-A294-8FFE0ED2212E}"/>
+          </ac:grpSpMkLst>
+        </pc:grpChg>
+        <pc:grpChg chg="mod">
+          <ac:chgData name="唐 崇斌 Edwin" userId="769f27267cb83406" providerId="LiveId" clId="{F749D1A7-B6C5-40CC-A752-898961211CE4}" dt="2020-03-21T01:26:56.876" v="386" actId="164"/>
+          <ac:grpSpMkLst>
+            <pc:docMk/>
+            <pc:sldMk cId="3037902655" sldId="260"/>
+            <ac:grpSpMk id="58" creationId="{BFFC4FAE-F3E0-4720-8E22-7E214EA911E1}"/>
+          </ac:grpSpMkLst>
+        </pc:grpChg>
+        <pc:grpChg chg="mod topLvl">
+          <ac:chgData name="唐 崇斌 Edwin" userId="769f27267cb83406" providerId="LiveId" clId="{F749D1A7-B6C5-40CC-A752-898961211CE4}" dt="2020-03-21T01:31:54.071" v="665" actId="165"/>
+          <ac:grpSpMkLst>
+            <pc:docMk/>
+            <pc:sldMk cId="3037902655" sldId="260"/>
+            <ac:grpSpMk id="76" creationId="{20E9282F-B6ED-42B4-B52C-5891C13F3030}"/>
+          </ac:grpSpMkLst>
+        </pc:grpChg>
+        <pc:grpChg chg="mod topLvl">
+          <ac:chgData name="唐 崇斌 Edwin" userId="769f27267cb83406" providerId="LiveId" clId="{F749D1A7-B6C5-40CC-A752-898961211CE4}" dt="2020-03-21T01:31:54.071" v="665" actId="165"/>
+          <ac:grpSpMkLst>
+            <pc:docMk/>
+            <pc:sldMk cId="3037902655" sldId="260"/>
+            <ac:grpSpMk id="84" creationId="{EF2A9655-BCF0-4014-A4BB-9B156B17924E}"/>
+          </ac:grpSpMkLst>
+        </pc:grpChg>
+        <pc:picChg chg="mod topLvl">
+          <ac:chgData name="唐 崇斌 Edwin" userId="769f27267cb83406" providerId="LiveId" clId="{F749D1A7-B6C5-40CC-A752-898961211CE4}" dt="2020-03-21T01:31:54.071" v="665" actId="165"/>
+          <ac:picMkLst>
+            <pc:docMk/>
+            <pc:sldMk cId="3037902655" sldId="260"/>
+            <ac:picMk id="53" creationId="{1358EE7C-8732-4EBA-AB41-239269E85185}"/>
+          </ac:picMkLst>
+        </pc:picChg>
+        <pc:picChg chg="mod">
+          <ac:chgData name="唐 崇斌 Edwin" userId="769f27267cb83406" providerId="LiveId" clId="{F749D1A7-B6C5-40CC-A752-898961211CE4}" dt="2020-03-21T01:30:22.134" v="578" actId="1035"/>
+          <ac:picMkLst>
+            <pc:docMk/>
+            <pc:sldMk cId="3037902655" sldId="260"/>
+            <ac:picMk id="55" creationId="{0D1A17CE-9A5E-473F-B105-2526341EDCBA}"/>
+          </ac:picMkLst>
+        </pc:picChg>
+        <pc:picChg chg="mod">
+          <ac:chgData name="唐 崇斌 Edwin" userId="769f27267cb83406" providerId="LiveId" clId="{F749D1A7-B6C5-40CC-A752-898961211CE4}" dt="2020-03-21T01:30:22.134" v="578" actId="1035"/>
+          <ac:picMkLst>
+            <pc:docMk/>
+            <pc:sldMk cId="3037902655" sldId="260"/>
+            <ac:picMk id="56" creationId="{F762E8B7-67C4-4127-A7BB-E489CB5FCD6C}"/>
+          </ac:picMkLst>
+        </pc:picChg>
+        <pc:picChg chg="mod">
+          <ac:chgData name="唐 崇斌 Edwin" userId="769f27267cb83406" providerId="LiveId" clId="{F749D1A7-B6C5-40CC-A752-898961211CE4}" dt="2020-03-21T01:30:31.435" v="601" actId="1035"/>
+          <ac:picMkLst>
+            <pc:docMk/>
+            <pc:sldMk cId="3037902655" sldId="260"/>
+            <ac:picMk id="59" creationId="{7FE38C06-7681-4F4B-8346-BA225F94800C}"/>
+          </ac:picMkLst>
+        </pc:picChg>
+        <pc:picChg chg="mod">
+          <ac:chgData name="唐 崇斌 Edwin" userId="769f27267cb83406" providerId="LiveId" clId="{F749D1A7-B6C5-40CC-A752-898961211CE4}" dt="2020-03-21T01:30:31.435" v="601" actId="1035"/>
+          <ac:picMkLst>
+            <pc:docMk/>
+            <pc:sldMk cId="3037902655" sldId="260"/>
+            <ac:picMk id="60" creationId="{33CBBDDB-3B38-4CB2-9525-561C992C1273}"/>
+          </ac:picMkLst>
+        </pc:picChg>
+        <pc:picChg chg="mod topLvl">
+          <ac:chgData name="唐 崇斌 Edwin" userId="769f27267cb83406" providerId="LiveId" clId="{F749D1A7-B6C5-40CC-A752-898961211CE4}" dt="2020-03-21T01:32:57.387" v="725" actId="1035"/>
+          <ac:picMkLst>
+            <pc:docMk/>
+            <pc:sldMk cId="3037902655" sldId="260"/>
+            <ac:picMk id="63" creationId="{D2119E40-BF45-4A44-A53E-1EA530A292C6}"/>
+          </ac:picMkLst>
+        </pc:picChg>
+        <pc:cxnChg chg="mod topLvl">
+          <ac:chgData name="唐 崇斌 Edwin" userId="769f27267cb83406" providerId="LiveId" clId="{F749D1A7-B6C5-40CC-A752-898961211CE4}" dt="2020-03-21T01:32:17.241" v="674" actId="14100"/>
+          <ac:cxnSpMkLst>
+            <pc:docMk/>
+            <pc:sldMk cId="3037902655" sldId="260"/>
+            <ac:cxnSpMk id="64" creationId="{50BFBB60-2BAB-416A-9D02-EBDE3C6A5446}"/>
+          </ac:cxnSpMkLst>
+        </pc:cxnChg>
+        <pc:cxnChg chg="mod topLvl">
+          <ac:chgData name="唐 崇斌 Edwin" userId="769f27267cb83406" providerId="LiveId" clId="{F749D1A7-B6C5-40CC-A752-898961211CE4}" dt="2020-03-21T01:31:54.071" v="665" actId="165"/>
+          <ac:cxnSpMkLst>
+            <pc:docMk/>
+            <pc:sldMk cId="3037902655" sldId="260"/>
+            <ac:cxnSpMk id="66" creationId="{AA1B01EE-9B64-47A8-B7F6-BA1615B56006}"/>
+          </ac:cxnSpMkLst>
+        </pc:cxnChg>
+        <pc:cxnChg chg="del mod">
+          <ac:chgData name="唐 崇斌 Edwin" userId="769f27267cb83406" providerId="LiveId" clId="{F749D1A7-B6C5-40CC-A752-898961211CE4}" dt="2020-03-21T01:26:09.230" v="235" actId="478"/>
+          <ac:cxnSpMkLst>
+            <pc:docMk/>
+            <pc:sldMk cId="3037902655" sldId="260"/>
+            <ac:cxnSpMk id="67" creationId="{03647B27-5354-4C6E-81EF-DDBCB4AF973B}"/>
+          </ac:cxnSpMkLst>
+        </pc:cxnChg>
+        <pc:cxnChg chg="del mod">
+          <ac:chgData name="唐 崇斌 Edwin" userId="769f27267cb83406" providerId="LiveId" clId="{F749D1A7-B6C5-40CC-A752-898961211CE4}" dt="2020-03-21T01:26:06.569" v="234" actId="478"/>
+          <ac:cxnSpMkLst>
+            <pc:docMk/>
+            <pc:sldMk cId="3037902655" sldId="260"/>
+            <ac:cxnSpMk id="90" creationId="{7372FD11-AB12-428A-A85F-C7BD77204FBE}"/>
+          </ac:cxnSpMkLst>
+        </pc:cxnChg>
+        <pc:cxnChg chg="del">
+          <ac:chgData name="唐 崇斌 Edwin" userId="769f27267cb83406" providerId="LiveId" clId="{F749D1A7-B6C5-40CC-A752-898961211CE4}" dt="2020-03-21T01:27:06.585" v="388" actId="478"/>
+          <ac:cxnSpMkLst>
+            <pc:docMk/>
+            <pc:sldMk cId="3037902655" sldId="260"/>
+            <ac:cxnSpMk id="91" creationId="{1E914CBF-1D5A-440D-8AA3-75F94EB69CBD}"/>
+          </ac:cxnSpMkLst>
+        </pc:cxnChg>
+        <pc:cxnChg chg="add mod">
+          <ac:chgData name="唐 崇斌 Edwin" userId="769f27267cb83406" providerId="LiveId" clId="{F749D1A7-B6C5-40CC-A752-898961211CE4}" dt="2020-03-21T01:28:36.513" v="504" actId="1038"/>
+          <ac:cxnSpMkLst>
+            <pc:docMk/>
+            <pc:sldMk cId="3037902655" sldId="260"/>
+            <ac:cxnSpMk id="95" creationId="{A5F0A43F-FD1C-4EDE-BFF7-9F04F6FE33C9}"/>
+          </ac:cxnSpMkLst>
+        </pc:cxnChg>
+        <pc:cxnChg chg="add mod topLvl">
+          <ac:chgData name="唐 崇斌 Edwin" userId="769f27267cb83406" providerId="LiveId" clId="{F749D1A7-B6C5-40CC-A752-898961211CE4}" dt="2020-03-21T01:32:07.287" v="672" actId="1035"/>
+          <ac:cxnSpMkLst>
+            <pc:docMk/>
+            <pc:sldMk cId="3037902655" sldId="260"/>
+            <ac:cxnSpMk id="96" creationId="{67314499-D443-47A8-B3CC-8C90F7CDA784}"/>
+          </ac:cxnSpMkLst>
+        </pc:cxnChg>
+        <pc:cxnChg chg="add mod topLvl">
+          <ac:chgData name="唐 崇斌 Edwin" userId="769f27267cb83406" providerId="LiveId" clId="{F749D1A7-B6C5-40CC-A752-898961211CE4}" dt="2020-03-21T01:32:01.273" v="669" actId="1035"/>
+          <ac:cxnSpMkLst>
+            <pc:docMk/>
+            <pc:sldMk cId="3037902655" sldId="260"/>
+            <ac:cxnSpMk id="98" creationId="{F36856DC-0E80-4DAE-8F60-6828508DD03C}"/>
+          </ac:cxnSpMkLst>
+        </pc:cxnChg>
+      </pc:sldChg>
+    </pc:docChg>
+  </pc:docChgLst>
 </pc:chgInfo>
 </file>
 
@@ -494,7 +1334,7 @@
           <a:p>
             <a:fld id="{2397B9A4-A1A7-4F69-B67A-5CE7E47DA859}" type="datetimeFigureOut">
               <a:rPr lang="zh-CN" altLang="en-US" smtClean="0"/>
-              <a:t>2020/2/26</a:t>
+              <a:t>2020/3/21</a:t>
             </a:fld>
             <a:endParaRPr lang="zh-CN" altLang="en-US"/>
           </a:p>
@@ -662,7 +1502,7 @@
           <a:p>
             <a:fld id="{2397B9A4-A1A7-4F69-B67A-5CE7E47DA859}" type="datetimeFigureOut">
               <a:rPr lang="zh-CN" altLang="en-US" smtClean="0"/>
-              <a:t>2020/2/26</a:t>
+              <a:t>2020/3/21</a:t>
             </a:fld>
             <a:endParaRPr lang="zh-CN" altLang="en-US"/>
           </a:p>
@@ -840,7 +1680,7 @@
           <a:p>
             <a:fld id="{2397B9A4-A1A7-4F69-B67A-5CE7E47DA859}" type="datetimeFigureOut">
               <a:rPr lang="zh-CN" altLang="en-US" smtClean="0"/>
-              <a:t>2020/2/26</a:t>
+              <a:t>2020/3/21</a:t>
             </a:fld>
             <a:endParaRPr lang="zh-CN" altLang="en-US"/>
           </a:p>
@@ -1008,7 +1848,7 @@
           <a:p>
             <a:fld id="{2397B9A4-A1A7-4F69-B67A-5CE7E47DA859}" type="datetimeFigureOut">
               <a:rPr lang="zh-CN" altLang="en-US" smtClean="0"/>
-              <a:t>2020/2/26</a:t>
+              <a:t>2020/3/21</a:t>
             </a:fld>
             <a:endParaRPr lang="zh-CN" altLang="en-US"/>
           </a:p>
@@ -1253,7 +2093,7 @@
           <a:p>
             <a:fld id="{2397B9A4-A1A7-4F69-B67A-5CE7E47DA859}" type="datetimeFigureOut">
               <a:rPr lang="zh-CN" altLang="en-US" smtClean="0"/>
-              <a:t>2020/2/26</a:t>
+              <a:t>2020/3/21</a:t>
             </a:fld>
             <a:endParaRPr lang="zh-CN" altLang="en-US"/>
           </a:p>
@@ -1482,7 +2322,7 @@
           <a:p>
             <a:fld id="{2397B9A4-A1A7-4F69-B67A-5CE7E47DA859}" type="datetimeFigureOut">
               <a:rPr lang="zh-CN" altLang="en-US" smtClean="0"/>
-              <a:t>2020/2/26</a:t>
+              <a:t>2020/3/21</a:t>
             </a:fld>
             <a:endParaRPr lang="zh-CN" altLang="en-US"/>
           </a:p>
@@ -1846,7 +2686,7 @@
           <a:p>
             <a:fld id="{2397B9A4-A1A7-4F69-B67A-5CE7E47DA859}" type="datetimeFigureOut">
               <a:rPr lang="zh-CN" altLang="en-US" smtClean="0"/>
-              <a:t>2020/2/26</a:t>
+              <a:t>2020/3/21</a:t>
             </a:fld>
             <a:endParaRPr lang="zh-CN" altLang="en-US"/>
           </a:p>
@@ -1963,7 +2803,7 @@
           <a:p>
             <a:fld id="{2397B9A4-A1A7-4F69-B67A-5CE7E47DA859}" type="datetimeFigureOut">
               <a:rPr lang="zh-CN" altLang="en-US" smtClean="0"/>
-              <a:t>2020/2/26</a:t>
+              <a:t>2020/3/21</a:t>
             </a:fld>
             <a:endParaRPr lang="zh-CN" altLang="en-US"/>
           </a:p>
@@ -2058,7 +2898,7 @@
           <a:p>
             <a:fld id="{2397B9A4-A1A7-4F69-B67A-5CE7E47DA859}" type="datetimeFigureOut">
               <a:rPr lang="zh-CN" altLang="en-US" smtClean="0"/>
-              <a:t>2020/2/26</a:t>
+              <a:t>2020/3/21</a:t>
             </a:fld>
             <a:endParaRPr lang="zh-CN" altLang="en-US"/>
           </a:p>
@@ -2333,7 +3173,7 @@
           <a:p>
             <a:fld id="{2397B9A4-A1A7-4F69-B67A-5CE7E47DA859}" type="datetimeFigureOut">
               <a:rPr lang="zh-CN" altLang="en-US" smtClean="0"/>
-              <a:t>2020/2/26</a:t>
+              <a:t>2020/3/21</a:t>
             </a:fld>
             <a:endParaRPr lang="zh-CN" altLang="en-US"/>
           </a:p>
@@ -2585,7 +3425,7 @@
           <a:p>
             <a:fld id="{2397B9A4-A1A7-4F69-B67A-5CE7E47DA859}" type="datetimeFigureOut">
               <a:rPr lang="zh-CN" altLang="en-US" smtClean="0"/>
-              <a:t>2020/2/26</a:t>
+              <a:t>2020/3/21</a:t>
             </a:fld>
             <a:endParaRPr lang="zh-CN" altLang="en-US"/>
           </a:p>
@@ -2796,7 +3636,7 @@
           <a:p>
             <a:fld id="{2397B9A4-A1A7-4F69-B67A-5CE7E47DA859}" type="datetimeFigureOut">
               <a:rPr lang="zh-CN" altLang="en-US" smtClean="0"/>
-              <a:t>2020/2/26</a:t>
+              <a:t>2020/3/21</a:t>
             </a:fld>
             <a:endParaRPr lang="zh-CN" altLang="en-US"/>
           </a:p>
@@ -3915,12 +4755,16 @@
                     <a:t>B: </a:t>
                   </a:r>
                   <a:r>
-                    <a:rPr lang="zh-CN" altLang="en-US" sz="1600" dirty="0">
+                    <a:rPr lang="zh-CN" altLang="en-US" sz="1600">
                       <a:latin typeface="Times New Roman" panose="02020603050405020304" pitchFamily="18" charset="0"/>
                       <a:cs typeface="Times New Roman" panose="02020603050405020304" pitchFamily="18" charset="0"/>
                     </a:rPr>
-                    <a:t>针对仿冒应用的定量分析</a:t>
+                    <a:t>影响仿冒应用数量的因素</a:t>
                   </a:r>
+                  <a:endParaRPr lang="zh-CN" altLang="en-US" sz="1600" dirty="0">
+                    <a:latin typeface="Times New Roman" panose="02020603050405020304" pitchFamily="18" charset="0"/>
+                    <a:cs typeface="Times New Roman" panose="02020603050405020304" pitchFamily="18" charset="0"/>
+                  </a:endParaRPr>
                 </a:p>
               </p:txBody>
             </p:sp>
@@ -5229,6 +6073,4060 @@
 </p:sld>
 </file>
 
+<file path=ppt/slides/slide2.xml><?xml version="1.0" encoding="utf-8"?>
+<p:sld xmlns:a="http://schemas.openxmlformats.org/drawingml/2006/main" xmlns:r="http://schemas.openxmlformats.org/officeDocument/2006/relationships" xmlns:p="http://schemas.openxmlformats.org/presentationml/2006/main">
+  <p:cSld>
+    <p:spTree>
+      <p:nvGrpSpPr>
+        <p:cNvPr id="1" name=""/>
+        <p:cNvGrpSpPr/>
+        <p:nvPr/>
+      </p:nvGrpSpPr>
+      <p:grpSpPr>
+        <a:xfrm>
+          <a:off x="0" y="0"/>
+          <a:ext cx="0" cy="0"/>
+          <a:chOff x="0" y="0"/>
+          <a:chExt cx="0" cy="0"/>
+        </a:xfrm>
+      </p:grpSpPr>
+      <p:cxnSp>
+        <p:nvCxnSpPr>
+          <p:cNvPr id="50" name="直接箭头连接符 49">
+            <a:extLst>
+              <a:ext uri="{FF2B5EF4-FFF2-40B4-BE49-F238E27FC236}">
+                <a16:creationId xmlns:a16="http://schemas.microsoft.com/office/drawing/2014/main" id="{4EA4163A-E935-4FD6-ACE2-D1D5342D68DB}"/>
+              </a:ext>
+            </a:extLst>
+          </p:cNvPr>
+          <p:cNvCxnSpPr/>
+          <p:nvPr/>
+        </p:nvCxnSpPr>
+        <p:spPr>
+          <a:xfrm flipV="1">
+            <a:off x="2566470" y="2439276"/>
+            <a:ext cx="926280" cy="0"/>
+          </a:xfrm>
+          <a:prstGeom prst="straightConnector1">
+            <a:avLst/>
+          </a:prstGeom>
+          <a:ln w="22225">
+            <a:headEnd type="none" w="med" len="med"/>
+            <a:tailEnd type="arrow" w="med" len="med"/>
+          </a:ln>
+        </p:spPr>
+        <p:style>
+          <a:lnRef idx="3">
+            <a:schemeClr val="dk1"/>
+          </a:lnRef>
+          <a:fillRef idx="0">
+            <a:schemeClr val="dk1"/>
+          </a:fillRef>
+          <a:effectRef idx="2">
+            <a:schemeClr val="dk1"/>
+          </a:effectRef>
+          <a:fontRef idx="minor">
+            <a:schemeClr val="tx1"/>
+          </a:fontRef>
+        </p:style>
+      </p:cxnSp>
+      <p:sp>
+        <p:nvSpPr>
+          <p:cNvPr id="51" name="椭圆 50">
+            <a:extLst>
+              <a:ext uri="{FF2B5EF4-FFF2-40B4-BE49-F238E27FC236}">
+                <a16:creationId xmlns:a16="http://schemas.microsoft.com/office/drawing/2014/main" id="{B9D59110-9004-4BDA-B0F4-17EE2C13BF3F}"/>
+              </a:ext>
+            </a:extLst>
+          </p:cNvPr>
+          <p:cNvSpPr/>
+          <p:nvPr/>
+        </p:nvSpPr>
+        <p:spPr>
+          <a:xfrm>
+            <a:off x="4975414" y="3894309"/>
+            <a:ext cx="498198" cy="498198"/>
+          </a:xfrm>
+          <a:prstGeom prst="ellipse">
+            <a:avLst/>
+          </a:prstGeom>
+        </p:spPr>
+        <p:style>
+          <a:lnRef idx="2">
+            <a:schemeClr val="accent1">
+              <a:shade val="50000"/>
+            </a:schemeClr>
+          </a:lnRef>
+          <a:fillRef idx="1">
+            <a:schemeClr val="accent1"/>
+          </a:fillRef>
+          <a:effectRef idx="0">
+            <a:schemeClr val="accent1"/>
+          </a:effectRef>
+          <a:fontRef idx="minor">
+            <a:schemeClr val="lt1"/>
+          </a:fontRef>
+        </p:style>
+        <p:txBody>
+          <a:bodyPr rtlCol="0" anchor="ctr"/>
+          <a:lstStyle/>
+          <a:p>
+            <a:pPr algn="ctr"/>
+            <a:r>
+              <a:rPr lang="en-GB" sz="1600" dirty="0">
+                <a:latin typeface="Times New Roman" panose="02020603050405020304" pitchFamily="18" charset="0"/>
+                <a:cs typeface="Times New Roman" panose="02020603050405020304" pitchFamily="18" charset="0"/>
+              </a:rPr>
+              <a:t>4</a:t>
+            </a:r>
+          </a:p>
+        </p:txBody>
+      </p:sp>
+      <p:sp>
+        <p:nvSpPr>
+          <p:cNvPr id="52" name="矩形 51">
+            <a:extLst>
+              <a:ext uri="{FF2B5EF4-FFF2-40B4-BE49-F238E27FC236}">
+                <a16:creationId xmlns:a16="http://schemas.microsoft.com/office/drawing/2014/main" id="{FCEBFB51-2E0D-495C-8824-D46074A2105C}"/>
+              </a:ext>
+            </a:extLst>
+          </p:cNvPr>
+          <p:cNvSpPr/>
+          <p:nvPr/>
+        </p:nvSpPr>
+        <p:spPr>
+          <a:xfrm>
+            <a:off x="2043915" y="4638420"/>
+            <a:ext cx="2891014" cy="554364"/>
+          </a:xfrm>
+          <a:prstGeom prst="rect">
+            <a:avLst/>
+          </a:prstGeom>
+          <a:ln>
+            <a:noFill/>
+          </a:ln>
+        </p:spPr>
+        <p:txBody>
+          <a:bodyPr wrap="square">
+            <a:spAutoFit/>
+          </a:bodyPr>
+          <a:lstStyle/>
+          <a:p>
+            <a:pPr algn="ctr"/>
+            <a:r>
+              <a:rPr lang="zh-CN" altLang="en-US" sz="1600" dirty="0">
+                <a:latin typeface="Times New Roman" panose="02020603050405020304" pitchFamily="18" charset="0"/>
+                <a:cs typeface="Times New Roman" panose="02020603050405020304" pitchFamily="18" charset="0"/>
+              </a:rPr>
+              <a:t>包名</a:t>
+            </a:r>
+            <a:r>
+              <a:rPr lang="en-US" altLang="zh-CN" sz="1600" dirty="0">
+                <a:latin typeface="Times New Roman" panose="02020603050405020304" pitchFamily="18" charset="0"/>
+                <a:cs typeface="Times New Roman" panose="02020603050405020304" pitchFamily="18" charset="0"/>
+              </a:rPr>
+              <a:t>/</a:t>
+            </a:r>
+            <a:r>
+              <a:rPr lang="zh-CN" altLang="en-US" sz="1600" dirty="0">
+                <a:latin typeface="Times New Roman" panose="02020603050405020304" pitchFamily="18" charset="0"/>
+                <a:cs typeface="Times New Roman" panose="02020603050405020304" pitchFamily="18" charset="0"/>
+              </a:rPr>
+              <a:t>应用名</a:t>
+            </a:r>
+          </a:p>
+        </p:txBody>
+      </p:sp>
+      <p:pic>
+        <p:nvPicPr>
+          <p:cNvPr id="53" name="图片 52">
+            <a:extLst>
+              <a:ext uri="{FF2B5EF4-FFF2-40B4-BE49-F238E27FC236}">
+                <a16:creationId xmlns:a16="http://schemas.microsoft.com/office/drawing/2014/main" id="{1358EE7C-8732-4EBA-AB41-239269E85185}"/>
+              </a:ext>
+            </a:extLst>
+          </p:cNvPr>
+          <p:cNvPicPr>
+            <a:picLocks noChangeAspect="1"/>
+          </p:cNvPicPr>
+          <p:nvPr/>
+        </p:nvPicPr>
+        <p:blipFill>
+          <a:blip r:embed="rId2" cstate="print">
+            <a:extLst>
+              <a:ext uri="{28A0092B-C50C-407E-A947-70E740481C1C}">
+                <a14:useLocalDpi xmlns:a14="http://schemas.microsoft.com/office/drawing/2010/main" val="0"/>
+              </a:ext>
+            </a:extLst>
+          </a:blip>
+          <a:stretch>
+            <a:fillRect/>
+          </a:stretch>
+        </p:blipFill>
+        <p:spPr>
+          <a:xfrm>
+            <a:off x="3073816" y="3793128"/>
+            <a:ext cx="831212" cy="831212"/>
+          </a:xfrm>
+          <a:prstGeom prst="rect">
+            <a:avLst/>
+          </a:prstGeom>
+          <a:ln>
+            <a:noFill/>
+          </a:ln>
+        </p:spPr>
+      </p:pic>
+      <p:grpSp>
+        <p:nvGrpSpPr>
+          <p:cNvPr id="54" name="组合 53">
+            <a:extLst>
+              <a:ext uri="{FF2B5EF4-FFF2-40B4-BE49-F238E27FC236}">
+                <a16:creationId xmlns:a16="http://schemas.microsoft.com/office/drawing/2014/main" id="{4355A270-0C1E-4121-A294-8FFE0ED2212E}"/>
+              </a:ext>
+            </a:extLst>
+          </p:cNvPr>
+          <p:cNvGrpSpPr/>
+          <p:nvPr/>
+        </p:nvGrpSpPr>
+        <p:grpSpPr>
+          <a:xfrm>
+            <a:off x="4311151" y="1978160"/>
+            <a:ext cx="1127360" cy="716841"/>
+            <a:chOff x="2155806" y="2197516"/>
+            <a:chExt cx="2937302" cy="1905000"/>
+          </a:xfrm>
+        </p:grpSpPr>
+        <p:pic>
+          <p:nvPicPr>
+            <p:cNvPr id="55" name="图片 54">
+              <a:extLst>
+                <a:ext uri="{FF2B5EF4-FFF2-40B4-BE49-F238E27FC236}">
+                  <a16:creationId xmlns:a16="http://schemas.microsoft.com/office/drawing/2014/main" id="{0D1A17CE-9A5E-473F-B105-2526341EDCBA}"/>
+                </a:ext>
+              </a:extLst>
+            </p:cNvPr>
+            <p:cNvPicPr>
+              <a:picLocks noChangeAspect="1"/>
+            </p:cNvPicPr>
+            <p:nvPr/>
+          </p:nvPicPr>
+          <p:blipFill>
+            <a:blip r:embed="rId3" cstate="print">
+              <a:extLst>
+                <a:ext uri="{28A0092B-C50C-407E-A947-70E740481C1C}">
+                  <a14:useLocalDpi xmlns:a14="http://schemas.microsoft.com/office/drawing/2010/main" val="0"/>
+                </a:ext>
+              </a:extLst>
+            </a:blip>
+            <a:stretch>
+              <a:fillRect/>
+            </a:stretch>
+          </p:blipFill>
+          <p:spPr>
+            <a:xfrm>
+              <a:off x="4086565" y="3077755"/>
+              <a:ext cx="1006543" cy="1006546"/>
+            </a:xfrm>
+            <a:prstGeom prst="rect">
+              <a:avLst/>
+            </a:prstGeom>
+            <a:ln>
+              <a:noFill/>
+            </a:ln>
+          </p:spPr>
+        </p:pic>
+        <p:pic>
+          <p:nvPicPr>
+            <p:cNvPr id="56" name="图片 55">
+              <a:extLst>
+                <a:ext uri="{FF2B5EF4-FFF2-40B4-BE49-F238E27FC236}">
+                  <a16:creationId xmlns:a16="http://schemas.microsoft.com/office/drawing/2014/main" id="{F762E8B7-67C4-4127-A7BB-E489CB5FCD6C}"/>
+                </a:ext>
+              </a:extLst>
+            </p:cNvPr>
+            <p:cNvPicPr>
+              <a:picLocks noChangeAspect="1"/>
+            </p:cNvPicPr>
+            <p:nvPr/>
+          </p:nvPicPr>
+          <p:blipFill>
+            <a:blip r:embed="rId4" cstate="print">
+              <a:extLst>
+                <a:ext uri="{28A0092B-C50C-407E-A947-70E740481C1C}">
+                  <a14:useLocalDpi xmlns:a14="http://schemas.microsoft.com/office/drawing/2010/main" val="0"/>
+                </a:ext>
+              </a:extLst>
+            </a:blip>
+            <a:stretch>
+              <a:fillRect/>
+            </a:stretch>
+          </p:blipFill>
+          <p:spPr>
+            <a:xfrm>
+              <a:off x="2155806" y="2197516"/>
+              <a:ext cx="1904999" cy="1905000"/>
+            </a:xfrm>
+            <a:prstGeom prst="rect">
+              <a:avLst/>
+            </a:prstGeom>
+            <a:ln>
+              <a:noFill/>
+            </a:ln>
+          </p:spPr>
+        </p:pic>
+      </p:grpSp>
+      <p:sp>
+        <p:nvSpPr>
+          <p:cNvPr id="57" name="矩形 56">
+            <a:extLst>
+              <a:ext uri="{FF2B5EF4-FFF2-40B4-BE49-F238E27FC236}">
+                <a16:creationId xmlns:a16="http://schemas.microsoft.com/office/drawing/2014/main" id="{F5639C9F-0F9B-48E5-A12D-DA91346F6FAB}"/>
+              </a:ext>
+            </a:extLst>
+          </p:cNvPr>
+          <p:cNvSpPr/>
+          <p:nvPr/>
+        </p:nvSpPr>
+        <p:spPr>
+          <a:xfrm>
+            <a:off x="3418191" y="2654991"/>
+            <a:ext cx="2913279" cy="573581"/>
+          </a:xfrm>
+          <a:prstGeom prst="rect">
+            <a:avLst/>
+          </a:prstGeom>
+          <a:ln>
+            <a:noFill/>
+          </a:ln>
+        </p:spPr>
+        <p:txBody>
+          <a:bodyPr wrap="square">
+            <a:spAutoFit/>
+          </a:bodyPr>
+          <a:lstStyle/>
+          <a:p>
+            <a:pPr algn="ctr"/>
+            <a:r>
+              <a:rPr lang="zh-CN" altLang="en-US" sz="1600" dirty="0">
+                <a:latin typeface="Times New Roman" panose="02020603050405020304" pitchFamily="18" charset="0"/>
+                <a:cs typeface="Times New Roman" panose="02020603050405020304" pitchFamily="18" charset="0"/>
+              </a:rPr>
+              <a:t>样本数据库</a:t>
+            </a:r>
+          </a:p>
+        </p:txBody>
+      </p:sp>
+      <p:grpSp>
+        <p:nvGrpSpPr>
+          <p:cNvPr id="58" name="组合 57">
+            <a:extLst>
+              <a:ext uri="{FF2B5EF4-FFF2-40B4-BE49-F238E27FC236}">
+                <a16:creationId xmlns:a16="http://schemas.microsoft.com/office/drawing/2014/main" id="{BFFC4FAE-F3E0-4720-8E22-7E214EA911E1}"/>
+              </a:ext>
+            </a:extLst>
+          </p:cNvPr>
+          <p:cNvGrpSpPr/>
+          <p:nvPr/>
+        </p:nvGrpSpPr>
+        <p:grpSpPr>
+          <a:xfrm>
+            <a:off x="10331208" y="4068513"/>
+            <a:ext cx="871514" cy="442577"/>
+            <a:chOff x="10710791" y="1515385"/>
+            <a:chExt cx="532240" cy="270285"/>
+          </a:xfrm>
+        </p:grpSpPr>
+        <p:pic>
+          <p:nvPicPr>
+            <p:cNvPr id="59" name="图片 58">
+              <a:extLst>
+                <a:ext uri="{FF2B5EF4-FFF2-40B4-BE49-F238E27FC236}">
+                  <a16:creationId xmlns:a16="http://schemas.microsoft.com/office/drawing/2014/main" id="{7FE38C06-7681-4F4B-8346-BA225F94800C}"/>
+                </a:ext>
+              </a:extLst>
+            </p:cNvPr>
+            <p:cNvPicPr>
+              <a:picLocks noChangeAspect="1"/>
+            </p:cNvPicPr>
+            <p:nvPr/>
+          </p:nvPicPr>
+          <p:blipFill>
+            <a:blip r:embed="rId5" cstate="print">
+              <a:extLst>
+                <a:ext uri="{28A0092B-C50C-407E-A947-70E740481C1C}">
+                  <a14:useLocalDpi xmlns:a14="http://schemas.microsoft.com/office/drawing/2010/main" val="0"/>
+                </a:ext>
+              </a:extLst>
+            </a:blip>
+            <a:stretch>
+              <a:fillRect/>
+            </a:stretch>
+          </p:blipFill>
+          <p:spPr>
+            <a:xfrm flipH="1">
+              <a:off x="10972746" y="1515385"/>
+              <a:ext cx="270285" cy="270285"/>
+            </a:xfrm>
+            <a:prstGeom prst="rect">
+              <a:avLst/>
+            </a:prstGeom>
+            <a:ln>
+              <a:noFill/>
+            </a:ln>
+          </p:spPr>
+        </p:pic>
+        <p:pic>
+          <p:nvPicPr>
+            <p:cNvPr id="60" name="图片 59">
+              <a:extLst>
+                <a:ext uri="{FF2B5EF4-FFF2-40B4-BE49-F238E27FC236}">
+                  <a16:creationId xmlns:a16="http://schemas.microsoft.com/office/drawing/2014/main" id="{33CBBDDB-3B38-4CB2-9525-561C992C1273}"/>
+                </a:ext>
+              </a:extLst>
+            </p:cNvPr>
+            <p:cNvPicPr>
+              <a:picLocks noChangeAspect="1"/>
+            </p:cNvPicPr>
+            <p:nvPr/>
+          </p:nvPicPr>
+          <p:blipFill>
+            <a:blip r:embed="rId5" cstate="print">
+              <a:extLst>
+                <a:ext uri="{28A0092B-C50C-407E-A947-70E740481C1C}">
+                  <a14:useLocalDpi xmlns:a14="http://schemas.microsoft.com/office/drawing/2010/main" val="0"/>
+                </a:ext>
+              </a:extLst>
+            </a:blip>
+            <a:stretch>
+              <a:fillRect/>
+            </a:stretch>
+          </p:blipFill>
+          <p:spPr>
+            <a:xfrm flipH="1">
+              <a:off x="10710791" y="1515385"/>
+              <a:ext cx="270285" cy="270285"/>
+            </a:xfrm>
+            <a:prstGeom prst="rect">
+              <a:avLst/>
+            </a:prstGeom>
+            <a:ln>
+              <a:noFill/>
+            </a:ln>
+          </p:spPr>
+        </p:pic>
+      </p:grpSp>
+      <p:sp>
+        <p:nvSpPr>
+          <p:cNvPr id="61" name="矩形 60">
+            <a:extLst>
+              <a:ext uri="{FF2B5EF4-FFF2-40B4-BE49-F238E27FC236}">
+                <a16:creationId xmlns:a16="http://schemas.microsoft.com/office/drawing/2014/main" id="{44F86E2C-EF41-4B92-97B3-B4CB07A32D2C}"/>
+              </a:ext>
+            </a:extLst>
+          </p:cNvPr>
+          <p:cNvSpPr/>
+          <p:nvPr/>
+        </p:nvSpPr>
+        <p:spPr>
+          <a:xfrm>
+            <a:off x="9457577" y="4638420"/>
+            <a:ext cx="2618777" cy="554364"/>
+          </a:xfrm>
+          <a:prstGeom prst="rect">
+            <a:avLst/>
+          </a:prstGeom>
+          <a:ln>
+            <a:noFill/>
+          </a:ln>
+        </p:spPr>
+        <p:txBody>
+          <a:bodyPr wrap="square">
+            <a:spAutoFit/>
+          </a:bodyPr>
+          <a:lstStyle/>
+          <a:p>
+            <a:pPr algn="ctr"/>
+            <a:r>
+              <a:rPr lang="zh-CN" altLang="en-US" sz="1600" dirty="0">
+                <a:latin typeface="Times New Roman" panose="02020603050405020304" pitchFamily="18" charset="0"/>
+                <a:cs typeface="Times New Roman" panose="02020603050405020304" pitchFamily="18" charset="0"/>
+              </a:rPr>
+              <a:t>仿冒应用</a:t>
+            </a:r>
+          </a:p>
+        </p:txBody>
+      </p:sp>
+      <p:sp>
+        <p:nvSpPr>
+          <p:cNvPr id="62" name="矩形 61">
+            <a:extLst>
+              <a:ext uri="{FF2B5EF4-FFF2-40B4-BE49-F238E27FC236}">
+                <a16:creationId xmlns:a16="http://schemas.microsoft.com/office/drawing/2014/main" id="{69BD1BD8-CB07-415B-8764-4F21C90D7D36}"/>
+              </a:ext>
+            </a:extLst>
+          </p:cNvPr>
+          <p:cNvSpPr/>
+          <p:nvPr/>
+        </p:nvSpPr>
+        <p:spPr>
+          <a:xfrm>
+            <a:off x="7147435" y="2664600"/>
+            <a:ext cx="3509446" cy="554364"/>
+          </a:xfrm>
+          <a:prstGeom prst="rect">
+            <a:avLst/>
+          </a:prstGeom>
+          <a:ln>
+            <a:noFill/>
+          </a:ln>
+        </p:spPr>
+        <p:txBody>
+          <a:bodyPr wrap="square">
+            <a:spAutoFit/>
+          </a:bodyPr>
+          <a:lstStyle/>
+          <a:p>
+            <a:pPr algn="ctr"/>
+            <a:r>
+              <a:rPr lang="zh-CN" altLang="en-US" sz="1600" dirty="0">
+                <a:latin typeface="Times New Roman" panose="02020603050405020304" pitchFamily="18" charset="0"/>
+                <a:cs typeface="Times New Roman" panose="02020603050405020304" pitchFamily="18" charset="0"/>
+              </a:rPr>
+              <a:t>安全证书识别器</a:t>
+            </a:r>
+            <a:endParaRPr lang="en-US" altLang="zh-CN" sz="1600" dirty="0">
+              <a:latin typeface="Times New Roman" panose="02020603050405020304" pitchFamily="18" charset="0"/>
+              <a:cs typeface="Times New Roman" panose="02020603050405020304" pitchFamily="18" charset="0"/>
+            </a:endParaRPr>
+          </a:p>
+        </p:txBody>
+      </p:sp>
+      <p:pic>
+        <p:nvPicPr>
+          <p:cNvPr id="63" name="图片 62">
+            <a:extLst>
+              <a:ext uri="{FF2B5EF4-FFF2-40B4-BE49-F238E27FC236}">
+                <a16:creationId xmlns:a16="http://schemas.microsoft.com/office/drawing/2014/main" id="{D2119E40-BF45-4A44-A53E-1EA530A292C6}"/>
+              </a:ext>
+            </a:extLst>
+          </p:cNvPr>
+          <p:cNvPicPr>
+            <a:picLocks noChangeAspect="1"/>
+          </p:cNvPicPr>
+          <p:nvPr/>
+        </p:nvPicPr>
+        <p:blipFill>
+          <a:blip r:embed="rId6" cstate="print">
+            <a:extLst>
+              <a:ext uri="{28A0092B-C50C-407E-A947-70E740481C1C}">
+                <a14:useLocalDpi xmlns:a14="http://schemas.microsoft.com/office/drawing/2010/main" val="0"/>
+              </a:ext>
+            </a:extLst>
+          </a:blip>
+          <a:stretch>
+            <a:fillRect/>
+          </a:stretch>
+        </p:blipFill>
+        <p:spPr>
+          <a:xfrm>
+            <a:off x="8471587" y="1941671"/>
+            <a:ext cx="861144" cy="861144"/>
+          </a:xfrm>
+          <a:prstGeom prst="rect">
+            <a:avLst/>
+          </a:prstGeom>
+          <a:ln>
+            <a:noFill/>
+          </a:ln>
+        </p:spPr>
+      </p:pic>
+      <p:cxnSp>
+        <p:nvCxnSpPr>
+          <p:cNvPr id="64" name="直接箭头连接符 14">
+            <a:extLst>
+              <a:ext uri="{FF2B5EF4-FFF2-40B4-BE49-F238E27FC236}">
+                <a16:creationId xmlns:a16="http://schemas.microsoft.com/office/drawing/2014/main" id="{50BFBB60-2BAB-416A-9D02-EBDE3C6A5446}"/>
+              </a:ext>
+            </a:extLst>
+          </p:cNvPr>
+          <p:cNvCxnSpPr/>
+          <p:nvPr/>
+        </p:nvCxnSpPr>
+        <p:spPr>
+          <a:xfrm>
+            <a:off x="5946072" y="2413381"/>
+            <a:ext cx="2203447" cy="0"/>
+          </a:xfrm>
+          <a:prstGeom prst="straightConnector1">
+            <a:avLst/>
+          </a:prstGeom>
+          <a:ln w="22225">
+            <a:headEnd type="none" w="med" len="med"/>
+            <a:tailEnd type="arrow" w="med" len="med"/>
+          </a:ln>
+        </p:spPr>
+        <p:style>
+          <a:lnRef idx="3">
+            <a:schemeClr val="dk1"/>
+          </a:lnRef>
+          <a:fillRef idx="0">
+            <a:schemeClr val="dk1"/>
+          </a:fillRef>
+          <a:effectRef idx="2">
+            <a:schemeClr val="dk1"/>
+          </a:effectRef>
+          <a:fontRef idx="minor">
+            <a:schemeClr val="tx1"/>
+          </a:fontRef>
+        </p:style>
+      </p:cxnSp>
+      <p:sp>
+        <p:nvSpPr>
+          <p:cNvPr id="65" name="矩形 64">
+            <a:extLst>
+              <a:ext uri="{FF2B5EF4-FFF2-40B4-BE49-F238E27FC236}">
+                <a16:creationId xmlns:a16="http://schemas.microsoft.com/office/drawing/2014/main" id="{EB7A6B76-2B18-4B61-A36D-5A91D7B016F5}"/>
+              </a:ext>
+            </a:extLst>
+          </p:cNvPr>
+          <p:cNvSpPr/>
+          <p:nvPr/>
+        </p:nvSpPr>
+        <p:spPr>
+          <a:xfrm>
+            <a:off x="5165326" y="4638420"/>
+            <a:ext cx="4233021" cy="554364"/>
+          </a:xfrm>
+          <a:prstGeom prst="rect">
+            <a:avLst/>
+          </a:prstGeom>
+          <a:ln>
+            <a:noFill/>
+          </a:ln>
+        </p:spPr>
+        <p:txBody>
+          <a:bodyPr wrap="square">
+            <a:spAutoFit/>
+          </a:bodyPr>
+          <a:lstStyle/>
+          <a:p>
+            <a:pPr algn="ctr"/>
+            <a:r>
+              <a:rPr lang="zh-CN" altLang="en-US" sz="1600" dirty="0">
+                <a:latin typeface="Times New Roman" panose="02020603050405020304" pitchFamily="18" charset="0"/>
+                <a:cs typeface="Times New Roman" panose="02020603050405020304" pitchFamily="18" charset="0"/>
+              </a:rPr>
+              <a:t>持有官方证书的目标应用</a:t>
+            </a:r>
+          </a:p>
+        </p:txBody>
+      </p:sp>
+      <p:cxnSp>
+        <p:nvCxnSpPr>
+          <p:cNvPr id="66" name="直接箭头连接符 65">
+            <a:extLst>
+              <a:ext uri="{FF2B5EF4-FFF2-40B4-BE49-F238E27FC236}">
+                <a16:creationId xmlns:a16="http://schemas.microsoft.com/office/drawing/2014/main" id="{AA1B01EE-9B64-47A8-B7F6-BA1615B56006}"/>
+              </a:ext>
+            </a:extLst>
+          </p:cNvPr>
+          <p:cNvCxnSpPr/>
+          <p:nvPr/>
+        </p:nvCxnSpPr>
+        <p:spPr>
+          <a:xfrm flipH="1">
+            <a:off x="4619262" y="4453570"/>
+            <a:ext cx="1104567" cy="0"/>
+          </a:xfrm>
+          <a:prstGeom prst="straightConnector1">
+            <a:avLst/>
+          </a:prstGeom>
+          <a:ln w="22225">
+            <a:headEnd type="none" w="med" len="med"/>
+            <a:tailEnd type="arrow" w="med" len="med"/>
+          </a:ln>
+        </p:spPr>
+        <p:style>
+          <a:lnRef idx="3">
+            <a:schemeClr val="dk1"/>
+          </a:lnRef>
+          <a:fillRef idx="0">
+            <a:schemeClr val="dk1"/>
+          </a:fillRef>
+          <a:effectRef idx="2">
+            <a:schemeClr val="dk1"/>
+          </a:effectRef>
+          <a:fontRef idx="minor">
+            <a:schemeClr val="tx1"/>
+          </a:fontRef>
+        </p:style>
+      </p:cxnSp>
+      <p:cxnSp>
+        <p:nvCxnSpPr>
+          <p:cNvPr id="67" name="直接箭头连接符 66">
+            <a:extLst>
+              <a:ext uri="{FF2B5EF4-FFF2-40B4-BE49-F238E27FC236}">
+                <a16:creationId xmlns:a16="http://schemas.microsoft.com/office/drawing/2014/main" id="{03647B27-5354-4C6E-81EF-DDBCB4AF973B}"/>
+              </a:ext>
+            </a:extLst>
+          </p:cNvPr>
+          <p:cNvCxnSpPr/>
+          <p:nvPr/>
+        </p:nvCxnSpPr>
+        <p:spPr>
+          <a:xfrm flipH="1">
+            <a:off x="7391794" y="3290524"/>
+            <a:ext cx="391317" cy="635673"/>
+          </a:xfrm>
+          <a:prstGeom prst="straightConnector1">
+            <a:avLst/>
+          </a:prstGeom>
+          <a:ln w="22225">
+            <a:headEnd type="none" w="med" len="med"/>
+            <a:tailEnd type="arrow" w="med" len="med"/>
+          </a:ln>
+        </p:spPr>
+        <p:style>
+          <a:lnRef idx="3">
+            <a:schemeClr val="dk1"/>
+          </a:lnRef>
+          <a:fillRef idx="0">
+            <a:schemeClr val="dk1"/>
+          </a:fillRef>
+          <a:effectRef idx="2">
+            <a:schemeClr val="dk1"/>
+          </a:effectRef>
+          <a:fontRef idx="minor">
+            <a:schemeClr val="tx1"/>
+          </a:fontRef>
+        </p:style>
+      </p:cxnSp>
+      <p:grpSp>
+        <p:nvGrpSpPr>
+          <p:cNvPr id="105" name="组合 104">
+            <a:extLst>
+              <a:ext uri="{FF2B5EF4-FFF2-40B4-BE49-F238E27FC236}">
+                <a16:creationId xmlns:a16="http://schemas.microsoft.com/office/drawing/2014/main" id="{39889AAF-33FD-4EF3-B65E-BC9D4CD95E04}"/>
+              </a:ext>
+            </a:extLst>
+          </p:cNvPr>
+          <p:cNvGrpSpPr/>
+          <p:nvPr/>
+        </p:nvGrpSpPr>
+        <p:grpSpPr>
+          <a:xfrm>
+            <a:off x="224702" y="1668379"/>
+            <a:ext cx="2737636" cy="1550585"/>
+            <a:chOff x="316981" y="1668379"/>
+            <a:chExt cx="2737636" cy="1550585"/>
+          </a:xfrm>
+        </p:grpSpPr>
+        <p:sp>
+          <p:nvSpPr>
+            <p:cNvPr id="68" name="文本框 67">
+              <a:extLst>
+                <a:ext uri="{FF2B5EF4-FFF2-40B4-BE49-F238E27FC236}">
+                  <a16:creationId xmlns:a16="http://schemas.microsoft.com/office/drawing/2014/main" id="{0F74233E-FF58-4F92-A73D-CC4DF7FC4511}"/>
+                </a:ext>
+              </a:extLst>
+            </p:cNvPr>
+            <p:cNvSpPr txBox="1"/>
+            <p:nvPr/>
+          </p:nvSpPr>
+          <p:spPr>
+            <a:xfrm>
+              <a:off x="316981" y="2664600"/>
+              <a:ext cx="2737636" cy="554364"/>
+            </a:xfrm>
+            <a:prstGeom prst="rect">
+              <a:avLst/>
+            </a:prstGeom>
+            <a:noFill/>
+            <a:ln>
+              <a:noFill/>
+            </a:ln>
+          </p:spPr>
+          <p:txBody>
+            <a:bodyPr wrap="square" rtlCol="0">
+              <a:spAutoFit/>
+            </a:bodyPr>
+            <a:lstStyle/>
+            <a:p>
+              <a:pPr algn="ctr"/>
+              <a:r>
+                <a:rPr lang="zh-CN" altLang="en-US" sz="1600" dirty="0">
+                  <a:latin typeface="Times New Roman" panose="02020603050405020304" pitchFamily="18" charset="0"/>
+                  <a:cs typeface="Times New Roman" panose="02020603050405020304" pitchFamily="18" charset="0"/>
+                </a:rPr>
+                <a:t>应用市场</a:t>
+              </a:r>
+            </a:p>
+          </p:txBody>
+        </p:sp>
+        <p:grpSp>
+          <p:nvGrpSpPr>
+            <p:cNvPr id="69" name="组合 68">
+              <a:extLst>
+                <a:ext uri="{FF2B5EF4-FFF2-40B4-BE49-F238E27FC236}">
+                  <a16:creationId xmlns:a16="http://schemas.microsoft.com/office/drawing/2014/main" id="{51337E6F-31A5-4711-9D46-B96815CB42E9}"/>
+                </a:ext>
+              </a:extLst>
+            </p:cNvPr>
+            <p:cNvGrpSpPr/>
+            <p:nvPr/>
+          </p:nvGrpSpPr>
+          <p:grpSpPr>
+            <a:xfrm>
+              <a:off x="830872" y="1668379"/>
+              <a:ext cx="1709854" cy="968854"/>
+              <a:chOff x="4377188" y="770091"/>
+              <a:chExt cx="1177664" cy="667299"/>
+            </a:xfrm>
+          </p:grpSpPr>
+          <p:pic>
+            <p:nvPicPr>
+              <p:cNvPr id="70" name="图片 69">
+                <a:extLst>
+                  <a:ext uri="{FF2B5EF4-FFF2-40B4-BE49-F238E27FC236}">
+                    <a16:creationId xmlns:a16="http://schemas.microsoft.com/office/drawing/2014/main" id="{14A320A3-BB74-4FE8-8F81-A239EF27C78B}"/>
+                  </a:ext>
+                </a:extLst>
+              </p:cNvPr>
+              <p:cNvPicPr>
+                <a:picLocks noChangeAspect="1"/>
+              </p:cNvPicPr>
+              <p:nvPr/>
+            </p:nvPicPr>
+            <p:blipFill>
+              <a:blip r:embed="rId7" cstate="print">
+                <a:extLst>
+                  <a:ext uri="{28A0092B-C50C-407E-A947-70E740481C1C}">
+                    <a14:useLocalDpi xmlns:a14="http://schemas.microsoft.com/office/drawing/2010/main" val="0"/>
+                  </a:ext>
+                </a:extLst>
+              </a:blip>
+              <a:stretch>
+                <a:fillRect/>
+              </a:stretch>
+            </p:blipFill>
+            <p:spPr>
+              <a:xfrm>
+                <a:off x="4813882" y="782183"/>
+                <a:ext cx="294254" cy="294253"/>
+              </a:xfrm>
+              <a:prstGeom prst="rect">
+                <a:avLst/>
+              </a:prstGeom>
+              <a:ln>
+                <a:noFill/>
+              </a:ln>
+            </p:spPr>
+          </p:pic>
+          <p:pic>
+            <p:nvPicPr>
+              <p:cNvPr id="71" name="图片 70">
+                <a:extLst>
+                  <a:ext uri="{FF2B5EF4-FFF2-40B4-BE49-F238E27FC236}">
+                    <a16:creationId xmlns:a16="http://schemas.microsoft.com/office/drawing/2014/main" id="{09351F63-81E1-405F-9CC1-15935378CEEB}"/>
+                  </a:ext>
+                </a:extLst>
+              </p:cNvPr>
+              <p:cNvPicPr>
+                <a:picLocks noChangeAspect="1"/>
+              </p:cNvPicPr>
+              <p:nvPr/>
+            </p:nvPicPr>
+            <p:blipFill>
+              <a:blip r:embed="rId8" cstate="print">
+                <a:extLst>
+                  <a:ext uri="{28A0092B-C50C-407E-A947-70E740481C1C}">
+                    <a14:useLocalDpi xmlns:a14="http://schemas.microsoft.com/office/drawing/2010/main" val="0"/>
+                  </a:ext>
+                </a:extLst>
+              </a:blip>
+              <a:stretch>
+                <a:fillRect/>
+              </a:stretch>
+            </p:blipFill>
+            <p:spPr>
+              <a:xfrm>
+                <a:off x="4402944" y="1143137"/>
+                <a:ext cx="294254" cy="294253"/>
+              </a:xfrm>
+              <a:prstGeom prst="rect">
+                <a:avLst/>
+              </a:prstGeom>
+              <a:ln>
+                <a:noFill/>
+              </a:ln>
+            </p:spPr>
+          </p:pic>
+          <p:pic>
+            <p:nvPicPr>
+              <p:cNvPr id="72" name="图片 71">
+                <a:extLst>
+                  <a:ext uri="{FF2B5EF4-FFF2-40B4-BE49-F238E27FC236}">
+                    <a16:creationId xmlns:a16="http://schemas.microsoft.com/office/drawing/2014/main" id="{5B3C6870-1CC2-4D25-9547-9C1241DF4A7A}"/>
+                  </a:ext>
+                </a:extLst>
+              </p:cNvPr>
+              <p:cNvPicPr>
+                <a:picLocks noChangeAspect="1"/>
+              </p:cNvPicPr>
+              <p:nvPr/>
+            </p:nvPicPr>
+            <p:blipFill>
+              <a:blip r:embed="rId9" cstate="print">
+                <a:extLst>
+                  <a:ext uri="{28A0092B-C50C-407E-A947-70E740481C1C}">
+                    <a14:useLocalDpi xmlns:a14="http://schemas.microsoft.com/office/drawing/2010/main" val="0"/>
+                  </a:ext>
+                </a:extLst>
+              </a:blip>
+              <a:stretch>
+                <a:fillRect/>
+              </a:stretch>
+            </p:blipFill>
+            <p:spPr>
+              <a:xfrm>
+                <a:off x="5251381" y="782183"/>
+                <a:ext cx="295725" cy="294253"/>
+              </a:xfrm>
+              <a:prstGeom prst="rect">
+                <a:avLst/>
+              </a:prstGeom>
+              <a:ln>
+                <a:noFill/>
+              </a:ln>
+            </p:spPr>
+          </p:pic>
+          <p:pic>
+            <p:nvPicPr>
+              <p:cNvPr id="73" name="图片 72">
+                <a:extLst>
+                  <a:ext uri="{FF2B5EF4-FFF2-40B4-BE49-F238E27FC236}">
+                    <a16:creationId xmlns:a16="http://schemas.microsoft.com/office/drawing/2014/main" id="{C69D0F6C-4EC6-4EF1-AB8B-0641B5DA94B1}"/>
+                  </a:ext>
+                </a:extLst>
+              </p:cNvPr>
+              <p:cNvPicPr>
+                <a:picLocks noChangeAspect="1"/>
+              </p:cNvPicPr>
+              <p:nvPr/>
+            </p:nvPicPr>
+            <p:blipFill>
+              <a:blip r:embed="rId10" cstate="print">
+                <a:extLst>
+                  <a:ext uri="{28A0092B-C50C-407E-A947-70E740481C1C}">
+                    <a14:useLocalDpi xmlns:a14="http://schemas.microsoft.com/office/drawing/2010/main" val="0"/>
+                  </a:ext>
+                </a:extLst>
+              </a:blip>
+              <a:stretch>
+                <a:fillRect/>
+              </a:stretch>
+            </p:blipFill>
+            <p:spPr>
+              <a:xfrm>
+                <a:off x="4817302" y="1143137"/>
+                <a:ext cx="294254" cy="294253"/>
+              </a:xfrm>
+              <a:prstGeom prst="rect">
+                <a:avLst/>
+              </a:prstGeom>
+              <a:ln>
+                <a:noFill/>
+              </a:ln>
+            </p:spPr>
+          </p:pic>
+          <p:pic>
+            <p:nvPicPr>
+              <p:cNvPr id="74" name="图片 73">
+                <a:extLst>
+                  <a:ext uri="{FF2B5EF4-FFF2-40B4-BE49-F238E27FC236}">
+                    <a16:creationId xmlns:a16="http://schemas.microsoft.com/office/drawing/2014/main" id="{1D6E1DC1-F941-46CC-B8EF-388B2C2F7087}"/>
+                  </a:ext>
+                </a:extLst>
+              </p:cNvPr>
+              <p:cNvPicPr>
+                <a:picLocks noChangeAspect="1"/>
+              </p:cNvPicPr>
+              <p:nvPr/>
+            </p:nvPicPr>
+            <p:blipFill rotWithShape="1">
+              <a:blip r:embed="rId11" cstate="print">
+                <a:extLst>
+                  <a:ext uri="{28A0092B-C50C-407E-A947-70E740481C1C}">
+                    <a14:useLocalDpi xmlns:a14="http://schemas.microsoft.com/office/drawing/2010/main" val="0"/>
+                  </a:ext>
+                </a:extLst>
+              </a:blip>
+              <a:srcRect l="24982" t="25055" r="21345" b="22582"/>
+              <a:stretch/>
+            </p:blipFill>
+            <p:spPr>
+              <a:xfrm>
+                <a:off x="4377188" y="770091"/>
+                <a:ext cx="316559" cy="308837"/>
+              </a:xfrm>
+              <a:prstGeom prst="rect">
+                <a:avLst/>
+              </a:prstGeom>
+              <a:ln>
+                <a:noFill/>
+              </a:ln>
+            </p:spPr>
+          </p:pic>
+          <p:sp>
+            <p:nvSpPr>
+              <p:cNvPr id="75" name="文本框 74">
+                <a:extLst>
+                  <a:ext uri="{FF2B5EF4-FFF2-40B4-BE49-F238E27FC236}">
+                    <a16:creationId xmlns:a16="http://schemas.microsoft.com/office/drawing/2014/main" id="{A4D27134-77FE-408A-B666-1A2FE9BA3FE3}"/>
+                  </a:ext>
+                </a:extLst>
+              </p:cNvPr>
+              <p:cNvSpPr txBox="1"/>
+              <p:nvPr/>
+            </p:nvSpPr>
+            <p:spPr>
+              <a:xfrm>
+                <a:off x="5251381" y="1000386"/>
+                <a:ext cx="303471" cy="416530"/>
+              </a:xfrm>
+              <a:prstGeom prst="rect">
+                <a:avLst/>
+              </a:prstGeom>
+              <a:noFill/>
+              <a:ln>
+                <a:noFill/>
+              </a:ln>
+            </p:spPr>
+            <p:txBody>
+              <a:bodyPr wrap="square" rtlCol="0">
+                <a:spAutoFit/>
+              </a:bodyPr>
+              <a:lstStyle/>
+              <a:p>
+                <a:pPr algn="ctr"/>
+                <a:r>
+                  <a:rPr lang="en-US" altLang="zh-CN" b="1" dirty="0">
+                    <a:latin typeface="Times New Roman" panose="02020603050405020304" pitchFamily="18" charset="0"/>
+                    <a:cs typeface="Times New Roman" panose="02020603050405020304" pitchFamily="18" charset="0"/>
+                  </a:rPr>
+                  <a:t>…</a:t>
+                </a:r>
+                <a:endParaRPr lang="zh-CN" altLang="en-US" b="1" dirty="0">
+                  <a:latin typeface="Times New Roman" panose="02020603050405020304" pitchFamily="18" charset="0"/>
+                  <a:cs typeface="Times New Roman" panose="02020603050405020304" pitchFamily="18" charset="0"/>
+                </a:endParaRPr>
+              </a:p>
+            </p:txBody>
+          </p:sp>
+        </p:grpSp>
+      </p:grpSp>
+      <p:grpSp>
+        <p:nvGrpSpPr>
+          <p:cNvPr id="76" name="组合 75">
+            <a:extLst>
+              <a:ext uri="{FF2B5EF4-FFF2-40B4-BE49-F238E27FC236}">
+                <a16:creationId xmlns:a16="http://schemas.microsoft.com/office/drawing/2014/main" id="{20E9282F-B6ED-42B4-B52C-5891C13F3030}"/>
+              </a:ext>
+            </a:extLst>
+          </p:cNvPr>
+          <p:cNvGrpSpPr/>
+          <p:nvPr/>
+        </p:nvGrpSpPr>
+        <p:grpSpPr>
+          <a:xfrm>
+            <a:off x="6286970" y="1572318"/>
+            <a:ext cx="1521649" cy="798173"/>
+            <a:chOff x="10119209" y="2130192"/>
+            <a:chExt cx="1354680" cy="710592"/>
+          </a:xfrm>
+        </p:grpSpPr>
+        <p:pic>
+          <p:nvPicPr>
+            <p:cNvPr id="77" name="图片 76">
+              <a:extLst>
+                <a:ext uri="{FF2B5EF4-FFF2-40B4-BE49-F238E27FC236}">
+                  <a16:creationId xmlns:a16="http://schemas.microsoft.com/office/drawing/2014/main" id="{3E65699B-86A1-4A40-8FD4-2FC8A667658C}"/>
+                </a:ext>
+              </a:extLst>
+            </p:cNvPr>
+            <p:cNvPicPr>
+              <a:picLocks noChangeAspect="1"/>
+            </p:cNvPicPr>
+            <p:nvPr/>
+          </p:nvPicPr>
+          <p:blipFill>
+            <a:blip r:embed="rId5" cstate="print">
+              <a:extLst>
+                <a:ext uri="{28A0092B-C50C-407E-A947-70E740481C1C}">
+                  <a14:useLocalDpi xmlns:a14="http://schemas.microsoft.com/office/drawing/2010/main" val="0"/>
+                </a:ext>
+              </a:extLst>
+            </a:blip>
+            <a:stretch>
+              <a:fillRect/>
+            </a:stretch>
+          </p:blipFill>
+          <p:spPr>
+            <a:xfrm flipH="1">
+              <a:off x="10119209" y="2130192"/>
+              <a:ext cx="338670" cy="338670"/>
+            </a:xfrm>
+            <a:prstGeom prst="rect">
+              <a:avLst/>
+            </a:prstGeom>
+          </p:spPr>
+        </p:pic>
+        <p:pic>
+          <p:nvPicPr>
+            <p:cNvPr id="78" name="图片 77">
+              <a:extLst>
+                <a:ext uri="{FF2B5EF4-FFF2-40B4-BE49-F238E27FC236}">
+                  <a16:creationId xmlns:a16="http://schemas.microsoft.com/office/drawing/2014/main" id="{77F37E75-A785-4B4E-AFB5-44EDE50A32E8}"/>
+                </a:ext>
+              </a:extLst>
+            </p:cNvPr>
+            <p:cNvPicPr>
+              <a:picLocks noChangeAspect="1"/>
+            </p:cNvPicPr>
+            <p:nvPr/>
+          </p:nvPicPr>
+          <p:blipFill>
+            <a:blip r:embed="rId12" cstate="print">
+              <a:extLst>
+                <a:ext uri="{28A0092B-C50C-407E-A947-70E740481C1C}">
+                  <a14:useLocalDpi xmlns:a14="http://schemas.microsoft.com/office/drawing/2010/main" val="0"/>
+                </a:ext>
+              </a:extLst>
+            </a:blip>
+            <a:stretch>
+              <a:fillRect/>
+            </a:stretch>
+          </p:blipFill>
+          <p:spPr>
+            <a:xfrm flipH="1">
+              <a:off x="10457879" y="2130192"/>
+              <a:ext cx="338670" cy="338670"/>
+            </a:xfrm>
+            <a:prstGeom prst="rect">
+              <a:avLst/>
+            </a:prstGeom>
+          </p:spPr>
+        </p:pic>
+        <p:pic>
+          <p:nvPicPr>
+            <p:cNvPr id="79" name="图片 78">
+              <a:extLst>
+                <a:ext uri="{FF2B5EF4-FFF2-40B4-BE49-F238E27FC236}">
+                  <a16:creationId xmlns:a16="http://schemas.microsoft.com/office/drawing/2014/main" id="{991306F8-F430-4015-9AF9-6BDF004BD6FC}"/>
+                </a:ext>
+              </a:extLst>
+            </p:cNvPr>
+            <p:cNvPicPr>
+              <a:picLocks noChangeAspect="1"/>
+            </p:cNvPicPr>
+            <p:nvPr/>
+          </p:nvPicPr>
+          <p:blipFill>
+            <a:blip r:embed="rId5" cstate="print">
+              <a:extLst>
+                <a:ext uri="{28A0092B-C50C-407E-A947-70E740481C1C}">
+                  <a14:useLocalDpi xmlns:a14="http://schemas.microsoft.com/office/drawing/2010/main" val="0"/>
+                </a:ext>
+              </a:extLst>
+            </a:blip>
+            <a:stretch>
+              <a:fillRect/>
+            </a:stretch>
+          </p:blipFill>
+          <p:spPr>
+            <a:xfrm flipH="1">
+              <a:off x="10289009" y="2502114"/>
+              <a:ext cx="338669" cy="338670"/>
+            </a:xfrm>
+            <a:prstGeom prst="rect">
+              <a:avLst/>
+            </a:prstGeom>
+          </p:spPr>
+        </p:pic>
+        <p:pic>
+          <p:nvPicPr>
+            <p:cNvPr id="80" name="图片 79">
+              <a:extLst>
+                <a:ext uri="{FF2B5EF4-FFF2-40B4-BE49-F238E27FC236}">
+                  <a16:creationId xmlns:a16="http://schemas.microsoft.com/office/drawing/2014/main" id="{1EC2D8E9-229C-4BA3-B7EB-C492E1B6D439}"/>
+                </a:ext>
+              </a:extLst>
+            </p:cNvPr>
+            <p:cNvPicPr>
+              <a:picLocks noChangeAspect="1"/>
+            </p:cNvPicPr>
+            <p:nvPr/>
+          </p:nvPicPr>
+          <p:blipFill>
+            <a:blip r:embed="rId12" cstate="print">
+              <a:extLst>
+                <a:ext uri="{28A0092B-C50C-407E-A947-70E740481C1C}">
+                  <a14:useLocalDpi xmlns:a14="http://schemas.microsoft.com/office/drawing/2010/main" val="0"/>
+                </a:ext>
+              </a:extLst>
+            </a:blip>
+            <a:stretch>
+              <a:fillRect/>
+            </a:stretch>
+          </p:blipFill>
+          <p:spPr>
+            <a:xfrm flipH="1">
+              <a:off x="10796549" y="2130192"/>
+              <a:ext cx="338670" cy="338670"/>
+            </a:xfrm>
+            <a:prstGeom prst="rect">
+              <a:avLst/>
+            </a:prstGeom>
+          </p:spPr>
+        </p:pic>
+        <p:pic>
+          <p:nvPicPr>
+            <p:cNvPr id="81" name="图片 80">
+              <a:extLst>
+                <a:ext uri="{FF2B5EF4-FFF2-40B4-BE49-F238E27FC236}">
+                  <a16:creationId xmlns:a16="http://schemas.microsoft.com/office/drawing/2014/main" id="{AF8C9F65-6C7C-493C-86A8-B9D804831955}"/>
+                </a:ext>
+              </a:extLst>
+            </p:cNvPr>
+            <p:cNvPicPr>
+              <a:picLocks noChangeAspect="1"/>
+            </p:cNvPicPr>
+            <p:nvPr/>
+          </p:nvPicPr>
+          <p:blipFill>
+            <a:blip r:embed="rId12" cstate="print">
+              <a:extLst>
+                <a:ext uri="{28A0092B-C50C-407E-A947-70E740481C1C}">
+                  <a14:useLocalDpi xmlns:a14="http://schemas.microsoft.com/office/drawing/2010/main" val="0"/>
+                </a:ext>
+              </a:extLst>
+            </a:blip>
+            <a:stretch>
+              <a:fillRect/>
+            </a:stretch>
+          </p:blipFill>
+          <p:spPr>
+            <a:xfrm flipH="1">
+              <a:off x="10966355" y="2502114"/>
+              <a:ext cx="338669" cy="338670"/>
+            </a:xfrm>
+            <a:prstGeom prst="rect">
+              <a:avLst/>
+            </a:prstGeom>
+          </p:spPr>
+        </p:pic>
+        <p:pic>
+          <p:nvPicPr>
+            <p:cNvPr id="82" name="图片 81">
+              <a:extLst>
+                <a:ext uri="{FF2B5EF4-FFF2-40B4-BE49-F238E27FC236}">
+                  <a16:creationId xmlns:a16="http://schemas.microsoft.com/office/drawing/2014/main" id="{9F3BD5B6-8D6F-4278-B022-257CD909BB79}"/>
+                </a:ext>
+              </a:extLst>
+            </p:cNvPr>
+            <p:cNvPicPr>
+              <a:picLocks noChangeAspect="1"/>
+            </p:cNvPicPr>
+            <p:nvPr/>
+          </p:nvPicPr>
+          <p:blipFill>
+            <a:blip r:embed="rId12" cstate="print">
+              <a:extLst>
+                <a:ext uri="{28A0092B-C50C-407E-A947-70E740481C1C}">
+                  <a14:useLocalDpi xmlns:a14="http://schemas.microsoft.com/office/drawing/2010/main" val="0"/>
+                </a:ext>
+              </a:extLst>
+            </a:blip>
+            <a:stretch>
+              <a:fillRect/>
+            </a:stretch>
+          </p:blipFill>
+          <p:spPr>
+            <a:xfrm flipH="1">
+              <a:off x="11135219" y="2130192"/>
+              <a:ext cx="338670" cy="338670"/>
+            </a:xfrm>
+            <a:prstGeom prst="rect">
+              <a:avLst/>
+            </a:prstGeom>
+          </p:spPr>
+        </p:pic>
+        <p:pic>
+          <p:nvPicPr>
+            <p:cNvPr id="83" name="图片 82">
+              <a:extLst>
+                <a:ext uri="{FF2B5EF4-FFF2-40B4-BE49-F238E27FC236}">
+                  <a16:creationId xmlns:a16="http://schemas.microsoft.com/office/drawing/2014/main" id="{B5E36426-727A-4B56-A1B2-004A1EAC44CA}"/>
+                </a:ext>
+              </a:extLst>
+            </p:cNvPr>
+            <p:cNvPicPr>
+              <a:picLocks noChangeAspect="1"/>
+            </p:cNvPicPr>
+            <p:nvPr/>
+          </p:nvPicPr>
+          <p:blipFill>
+            <a:blip r:embed="rId5" cstate="print">
+              <a:extLst>
+                <a:ext uri="{28A0092B-C50C-407E-A947-70E740481C1C}">
+                  <a14:useLocalDpi xmlns:a14="http://schemas.microsoft.com/office/drawing/2010/main" val="0"/>
+                </a:ext>
+              </a:extLst>
+            </a:blip>
+            <a:stretch>
+              <a:fillRect/>
+            </a:stretch>
+          </p:blipFill>
+          <p:spPr>
+            <a:xfrm flipH="1">
+              <a:off x="10627684" y="2501136"/>
+              <a:ext cx="338669" cy="338670"/>
+            </a:xfrm>
+            <a:prstGeom prst="rect">
+              <a:avLst/>
+            </a:prstGeom>
+          </p:spPr>
+        </p:pic>
+      </p:grpSp>
+      <p:grpSp>
+        <p:nvGrpSpPr>
+          <p:cNvPr id="84" name="组合 83">
+            <a:extLst>
+              <a:ext uri="{FF2B5EF4-FFF2-40B4-BE49-F238E27FC236}">
+                <a16:creationId xmlns:a16="http://schemas.microsoft.com/office/drawing/2014/main" id="{EF2A9655-BCF0-4014-A4BB-9B156B17924E}"/>
+              </a:ext>
+            </a:extLst>
+          </p:cNvPr>
+          <p:cNvGrpSpPr/>
+          <p:nvPr/>
+        </p:nvGrpSpPr>
+        <p:grpSpPr>
+          <a:xfrm>
+            <a:off x="6180114" y="4068513"/>
+            <a:ext cx="2203447" cy="442577"/>
+            <a:chOff x="5081525" y="2686158"/>
+            <a:chExt cx="1345661" cy="270285"/>
+          </a:xfrm>
+        </p:grpSpPr>
+        <p:pic>
+          <p:nvPicPr>
+            <p:cNvPr id="85" name="图片 84">
+              <a:extLst>
+                <a:ext uri="{FF2B5EF4-FFF2-40B4-BE49-F238E27FC236}">
+                  <a16:creationId xmlns:a16="http://schemas.microsoft.com/office/drawing/2014/main" id="{E7769123-758F-40E5-B3E6-2C230FE79394}"/>
+                </a:ext>
+              </a:extLst>
+            </p:cNvPr>
+            <p:cNvPicPr>
+              <a:picLocks noChangeAspect="1"/>
+            </p:cNvPicPr>
+            <p:nvPr/>
+          </p:nvPicPr>
+          <p:blipFill>
+            <a:blip r:embed="rId5" cstate="print">
+              <a:extLst>
+                <a:ext uri="{28A0092B-C50C-407E-A947-70E740481C1C}">
+                  <a14:useLocalDpi xmlns:a14="http://schemas.microsoft.com/office/drawing/2010/main" val="0"/>
+                </a:ext>
+              </a:extLst>
+            </a:blip>
+            <a:stretch>
+              <a:fillRect/>
+            </a:stretch>
+          </p:blipFill>
+          <p:spPr>
+            <a:xfrm flipH="1">
+              <a:off x="5081525" y="2686158"/>
+              <a:ext cx="270285" cy="270285"/>
+            </a:xfrm>
+            <a:prstGeom prst="rect">
+              <a:avLst/>
+            </a:prstGeom>
+          </p:spPr>
+        </p:pic>
+        <p:pic>
+          <p:nvPicPr>
+            <p:cNvPr id="86" name="图片 85">
+              <a:extLst>
+                <a:ext uri="{FF2B5EF4-FFF2-40B4-BE49-F238E27FC236}">
+                  <a16:creationId xmlns:a16="http://schemas.microsoft.com/office/drawing/2014/main" id="{DC86F8A7-20AF-4089-90EC-0906E6915321}"/>
+                </a:ext>
+              </a:extLst>
+            </p:cNvPr>
+            <p:cNvPicPr>
+              <a:picLocks noChangeAspect="1"/>
+            </p:cNvPicPr>
+            <p:nvPr/>
+          </p:nvPicPr>
+          <p:blipFill>
+            <a:blip r:embed="rId12" cstate="print">
+              <a:extLst>
+                <a:ext uri="{28A0092B-C50C-407E-A947-70E740481C1C}">
+                  <a14:useLocalDpi xmlns:a14="http://schemas.microsoft.com/office/drawing/2010/main" val="0"/>
+                </a:ext>
+              </a:extLst>
+            </a:blip>
+            <a:stretch>
+              <a:fillRect/>
+            </a:stretch>
+          </p:blipFill>
+          <p:spPr>
+            <a:xfrm flipH="1">
+              <a:off x="5351810" y="2686158"/>
+              <a:ext cx="270285" cy="270285"/>
+            </a:xfrm>
+            <a:prstGeom prst="rect">
+              <a:avLst/>
+            </a:prstGeom>
+          </p:spPr>
+        </p:pic>
+        <p:pic>
+          <p:nvPicPr>
+            <p:cNvPr id="87" name="图片 86">
+              <a:extLst>
+                <a:ext uri="{FF2B5EF4-FFF2-40B4-BE49-F238E27FC236}">
+                  <a16:creationId xmlns:a16="http://schemas.microsoft.com/office/drawing/2014/main" id="{BABC0C7C-A69D-4DE5-B5C4-BB79B8AD36F4}"/>
+                </a:ext>
+              </a:extLst>
+            </p:cNvPr>
+            <p:cNvPicPr>
+              <a:picLocks noChangeAspect="1"/>
+            </p:cNvPicPr>
+            <p:nvPr/>
+          </p:nvPicPr>
+          <p:blipFill>
+            <a:blip r:embed="rId12" cstate="print">
+              <a:extLst>
+                <a:ext uri="{28A0092B-C50C-407E-A947-70E740481C1C}">
+                  <a14:useLocalDpi xmlns:a14="http://schemas.microsoft.com/office/drawing/2010/main" val="0"/>
+                </a:ext>
+              </a:extLst>
+            </a:blip>
+            <a:stretch>
+              <a:fillRect/>
+            </a:stretch>
+          </p:blipFill>
+          <p:spPr>
+            <a:xfrm flipH="1">
+              <a:off x="5622096" y="2686158"/>
+              <a:ext cx="270285" cy="270285"/>
+            </a:xfrm>
+            <a:prstGeom prst="rect">
+              <a:avLst/>
+            </a:prstGeom>
+          </p:spPr>
+        </p:pic>
+        <p:pic>
+          <p:nvPicPr>
+            <p:cNvPr id="88" name="图片 87">
+              <a:extLst>
+                <a:ext uri="{FF2B5EF4-FFF2-40B4-BE49-F238E27FC236}">
+                  <a16:creationId xmlns:a16="http://schemas.microsoft.com/office/drawing/2014/main" id="{182B91B0-E499-4531-AAE1-471D03494CEC}"/>
+                </a:ext>
+              </a:extLst>
+            </p:cNvPr>
+            <p:cNvPicPr>
+              <a:picLocks noChangeAspect="1"/>
+            </p:cNvPicPr>
+            <p:nvPr/>
+          </p:nvPicPr>
+          <p:blipFill>
+            <a:blip r:embed="rId12" cstate="print">
+              <a:extLst>
+                <a:ext uri="{28A0092B-C50C-407E-A947-70E740481C1C}">
+                  <a14:useLocalDpi xmlns:a14="http://schemas.microsoft.com/office/drawing/2010/main" val="0"/>
+                </a:ext>
+              </a:extLst>
+            </a:blip>
+            <a:stretch>
+              <a:fillRect/>
+            </a:stretch>
+          </p:blipFill>
+          <p:spPr>
+            <a:xfrm flipH="1">
+              <a:off x="6156901" y="2686158"/>
+              <a:ext cx="270285" cy="270285"/>
+            </a:xfrm>
+            <a:prstGeom prst="rect">
+              <a:avLst/>
+            </a:prstGeom>
+          </p:spPr>
+        </p:pic>
+        <p:pic>
+          <p:nvPicPr>
+            <p:cNvPr id="89" name="图片 88">
+              <a:extLst>
+                <a:ext uri="{FF2B5EF4-FFF2-40B4-BE49-F238E27FC236}">
+                  <a16:creationId xmlns:a16="http://schemas.microsoft.com/office/drawing/2014/main" id="{37BFF06F-41D8-486F-9E48-9283502D14D1}"/>
+                </a:ext>
+              </a:extLst>
+            </p:cNvPr>
+            <p:cNvPicPr>
+              <a:picLocks noChangeAspect="1"/>
+            </p:cNvPicPr>
+            <p:nvPr/>
+          </p:nvPicPr>
+          <p:blipFill>
+            <a:blip r:embed="rId12" cstate="print">
+              <a:extLst>
+                <a:ext uri="{28A0092B-C50C-407E-A947-70E740481C1C}">
+                  <a14:useLocalDpi xmlns:a14="http://schemas.microsoft.com/office/drawing/2010/main" val="0"/>
+                </a:ext>
+              </a:extLst>
+            </a:blip>
+            <a:stretch>
+              <a:fillRect/>
+            </a:stretch>
+          </p:blipFill>
+          <p:spPr>
+            <a:xfrm flipH="1">
+              <a:off x="5892381" y="2686158"/>
+              <a:ext cx="270285" cy="270285"/>
+            </a:xfrm>
+            <a:prstGeom prst="rect">
+              <a:avLst/>
+            </a:prstGeom>
+          </p:spPr>
+        </p:pic>
+      </p:grpSp>
+      <p:cxnSp>
+        <p:nvCxnSpPr>
+          <p:cNvPr id="90" name="直接箭头连接符 89">
+            <a:extLst>
+              <a:ext uri="{FF2B5EF4-FFF2-40B4-BE49-F238E27FC236}">
+                <a16:creationId xmlns:a16="http://schemas.microsoft.com/office/drawing/2014/main" id="{7372FD11-AB12-428A-A85F-C7BD77204FBE}"/>
+              </a:ext>
+            </a:extLst>
+          </p:cNvPr>
+          <p:cNvCxnSpPr/>
+          <p:nvPr/>
+        </p:nvCxnSpPr>
+        <p:spPr>
+          <a:xfrm flipH="1">
+            <a:off x="4047859" y="3290520"/>
+            <a:ext cx="391317" cy="635673"/>
+          </a:xfrm>
+          <a:prstGeom prst="straightConnector1">
+            <a:avLst/>
+          </a:prstGeom>
+          <a:ln w="22225">
+            <a:headEnd type="arrow" w="med" len="med"/>
+            <a:tailEnd type="none" w="med" len="med"/>
+          </a:ln>
+        </p:spPr>
+        <p:style>
+          <a:lnRef idx="3">
+            <a:schemeClr val="dk1"/>
+          </a:lnRef>
+          <a:fillRef idx="0">
+            <a:schemeClr val="dk1"/>
+          </a:fillRef>
+          <a:effectRef idx="2">
+            <a:schemeClr val="dk1"/>
+          </a:effectRef>
+          <a:fontRef idx="minor">
+            <a:schemeClr val="tx1"/>
+          </a:fontRef>
+        </p:style>
+      </p:cxnSp>
+      <p:cxnSp>
+        <p:nvCxnSpPr>
+          <p:cNvPr id="91" name="直接箭头连接符 90">
+            <a:extLst>
+              <a:ext uri="{FF2B5EF4-FFF2-40B4-BE49-F238E27FC236}">
+                <a16:creationId xmlns:a16="http://schemas.microsoft.com/office/drawing/2014/main" id="{1E914CBF-1D5A-440D-8AA3-75F94EB69CBD}"/>
+              </a:ext>
+            </a:extLst>
+          </p:cNvPr>
+          <p:cNvCxnSpPr/>
+          <p:nvPr/>
+        </p:nvCxnSpPr>
+        <p:spPr>
+          <a:xfrm flipH="1">
+            <a:off x="10190705" y="3298734"/>
+            <a:ext cx="391317" cy="635673"/>
+          </a:xfrm>
+          <a:prstGeom prst="straightConnector1">
+            <a:avLst/>
+          </a:prstGeom>
+          <a:ln w="22225">
+            <a:headEnd type="none" w="med" len="med"/>
+            <a:tailEnd type="arrow" w="med" len="med"/>
+          </a:ln>
+          <a:scene3d>
+            <a:camera prst="orthographicFront">
+              <a:rot lat="0" lon="10800000" rev="0"/>
+            </a:camera>
+            <a:lightRig rig="threePt" dir="t"/>
+          </a:scene3d>
+        </p:spPr>
+        <p:style>
+          <a:lnRef idx="3">
+            <a:schemeClr val="dk1"/>
+          </a:lnRef>
+          <a:fillRef idx="0">
+            <a:schemeClr val="dk1"/>
+          </a:fillRef>
+          <a:effectRef idx="2">
+            <a:schemeClr val="dk1"/>
+          </a:effectRef>
+          <a:fontRef idx="minor">
+            <a:schemeClr val="tx1"/>
+          </a:fontRef>
+        </p:style>
+      </p:cxnSp>
+      <p:sp>
+        <p:nvSpPr>
+          <p:cNvPr id="92" name="椭圆 91">
+            <a:extLst>
+              <a:ext uri="{FF2B5EF4-FFF2-40B4-BE49-F238E27FC236}">
+                <a16:creationId xmlns:a16="http://schemas.microsoft.com/office/drawing/2014/main" id="{4CF66F24-EB60-4F8A-8464-39B1FC5A9866}"/>
+              </a:ext>
+            </a:extLst>
+          </p:cNvPr>
+          <p:cNvSpPr/>
+          <p:nvPr/>
+        </p:nvSpPr>
+        <p:spPr>
+          <a:xfrm>
+            <a:off x="6798697" y="2493844"/>
+            <a:ext cx="498198" cy="498198"/>
+          </a:xfrm>
+          <a:prstGeom prst="ellipse">
+            <a:avLst/>
+          </a:prstGeom>
+        </p:spPr>
+        <p:style>
+          <a:lnRef idx="2">
+            <a:schemeClr val="accent1">
+              <a:shade val="50000"/>
+            </a:schemeClr>
+          </a:lnRef>
+          <a:fillRef idx="1">
+            <a:schemeClr val="accent1"/>
+          </a:fillRef>
+          <a:effectRef idx="0">
+            <a:schemeClr val="accent1"/>
+          </a:effectRef>
+          <a:fontRef idx="minor">
+            <a:schemeClr val="lt1"/>
+          </a:fontRef>
+        </p:style>
+        <p:txBody>
+          <a:bodyPr rtlCol="0" anchor="ctr"/>
+          <a:lstStyle/>
+          <a:p>
+            <a:pPr algn="ctr"/>
+            <a:r>
+              <a:rPr lang="en-GB" sz="1600" dirty="0">
+                <a:latin typeface="Times New Roman" panose="02020603050405020304" pitchFamily="18" charset="0"/>
+                <a:cs typeface="Times New Roman" panose="02020603050405020304" pitchFamily="18" charset="0"/>
+              </a:rPr>
+              <a:t>2</a:t>
+            </a:r>
+          </a:p>
+        </p:txBody>
+      </p:sp>
+      <p:sp>
+        <p:nvSpPr>
+          <p:cNvPr id="93" name="椭圆 92">
+            <a:extLst>
+              <a:ext uri="{FF2B5EF4-FFF2-40B4-BE49-F238E27FC236}">
+                <a16:creationId xmlns:a16="http://schemas.microsoft.com/office/drawing/2014/main" id="{246B31B9-D1BB-4BA1-8674-808E4E2F995A}"/>
+              </a:ext>
+            </a:extLst>
+          </p:cNvPr>
+          <p:cNvSpPr/>
+          <p:nvPr/>
+        </p:nvSpPr>
+        <p:spPr>
+          <a:xfrm>
+            <a:off x="3630620" y="3330744"/>
+            <a:ext cx="498198" cy="498198"/>
+          </a:xfrm>
+          <a:prstGeom prst="ellipse">
+            <a:avLst/>
+          </a:prstGeom>
+        </p:spPr>
+        <p:style>
+          <a:lnRef idx="2">
+            <a:schemeClr val="accent1">
+              <a:shade val="50000"/>
+            </a:schemeClr>
+          </a:lnRef>
+          <a:fillRef idx="1">
+            <a:schemeClr val="accent1"/>
+          </a:fillRef>
+          <a:effectRef idx="0">
+            <a:schemeClr val="accent1"/>
+          </a:effectRef>
+          <a:fontRef idx="minor">
+            <a:schemeClr val="lt1"/>
+          </a:fontRef>
+        </p:style>
+        <p:txBody>
+          <a:bodyPr rtlCol="0" anchor="ctr"/>
+          <a:lstStyle/>
+          <a:p>
+            <a:pPr algn="ctr"/>
+            <a:r>
+              <a:rPr lang="en-GB" sz="1600" dirty="0">
+                <a:latin typeface="Times New Roman" panose="02020603050405020304" pitchFamily="18" charset="0"/>
+                <a:cs typeface="Times New Roman" panose="02020603050405020304" pitchFamily="18" charset="0"/>
+              </a:rPr>
+              <a:t>1</a:t>
+            </a:r>
+          </a:p>
+        </p:txBody>
+      </p:sp>
+      <p:sp>
+        <p:nvSpPr>
+          <p:cNvPr id="94" name="椭圆 93">
+            <a:extLst>
+              <a:ext uri="{FF2B5EF4-FFF2-40B4-BE49-F238E27FC236}">
+                <a16:creationId xmlns:a16="http://schemas.microsoft.com/office/drawing/2014/main" id="{F38C6A5F-FD73-4A35-905C-37F5C65A206F}"/>
+              </a:ext>
+            </a:extLst>
+          </p:cNvPr>
+          <p:cNvSpPr/>
+          <p:nvPr/>
+        </p:nvSpPr>
+        <p:spPr>
+          <a:xfrm>
+            <a:off x="7784947" y="3330744"/>
+            <a:ext cx="498198" cy="498198"/>
+          </a:xfrm>
+          <a:prstGeom prst="ellipse">
+            <a:avLst/>
+          </a:prstGeom>
+        </p:spPr>
+        <p:style>
+          <a:lnRef idx="2">
+            <a:schemeClr val="accent1">
+              <a:shade val="50000"/>
+            </a:schemeClr>
+          </a:lnRef>
+          <a:fillRef idx="1">
+            <a:schemeClr val="accent1"/>
+          </a:fillRef>
+          <a:effectRef idx="0">
+            <a:schemeClr val="accent1"/>
+          </a:effectRef>
+          <a:fontRef idx="minor">
+            <a:schemeClr val="lt1"/>
+          </a:fontRef>
+        </p:style>
+        <p:txBody>
+          <a:bodyPr rtlCol="0" anchor="ctr"/>
+          <a:lstStyle/>
+          <a:p>
+            <a:pPr algn="ctr"/>
+            <a:r>
+              <a:rPr lang="en-GB" sz="1600" dirty="0">
+                <a:latin typeface="Times New Roman" panose="02020603050405020304" pitchFamily="18" charset="0"/>
+                <a:cs typeface="Times New Roman" panose="02020603050405020304" pitchFamily="18" charset="0"/>
+              </a:rPr>
+              <a:t>3</a:t>
+            </a:r>
+          </a:p>
+        </p:txBody>
+      </p:sp>
+      <p:sp>
+        <p:nvSpPr>
+          <p:cNvPr id="97" name="矩形 96">
+            <a:extLst>
+              <a:ext uri="{FF2B5EF4-FFF2-40B4-BE49-F238E27FC236}">
+                <a16:creationId xmlns:a16="http://schemas.microsoft.com/office/drawing/2014/main" id="{5963D4BE-04FD-4DE7-9194-8CECA994ADFC}"/>
+              </a:ext>
+            </a:extLst>
+          </p:cNvPr>
+          <p:cNvSpPr/>
+          <p:nvPr/>
+        </p:nvSpPr>
+        <p:spPr>
+          <a:xfrm>
+            <a:off x="2032961" y="1361738"/>
+            <a:ext cx="8630788" cy="3916410"/>
+          </a:xfrm>
+          <a:custGeom>
+            <a:avLst/>
+            <a:gdLst>
+              <a:gd name="connsiteX0" fmla="*/ 0 w 6298649"/>
+              <a:gd name="connsiteY0" fmla="*/ 0 h 4186107"/>
+              <a:gd name="connsiteX1" fmla="*/ 6298649 w 6298649"/>
+              <a:gd name="connsiteY1" fmla="*/ 0 h 4186107"/>
+              <a:gd name="connsiteX2" fmla="*/ 6298649 w 6298649"/>
+              <a:gd name="connsiteY2" fmla="*/ 4186107 h 4186107"/>
+              <a:gd name="connsiteX3" fmla="*/ 0 w 6298649"/>
+              <a:gd name="connsiteY3" fmla="*/ 4186107 h 4186107"/>
+              <a:gd name="connsiteX4" fmla="*/ 0 w 6298649"/>
+              <a:gd name="connsiteY4" fmla="*/ 0 h 4186107"/>
+              <a:gd name="connsiteX0" fmla="*/ 1719743 w 6298649"/>
+              <a:gd name="connsiteY0" fmla="*/ 8389 h 4186107"/>
+              <a:gd name="connsiteX1" fmla="*/ 6298649 w 6298649"/>
+              <a:gd name="connsiteY1" fmla="*/ 0 h 4186107"/>
+              <a:gd name="connsiteX2" fmla="*/ 6298649 w 6298649"/>
+              <a:gd name="connsiteY2" fmla="*/ 4186107 h 4186107"/>
+              <a:gd name="connsiteX3" fmla="*/ 0 w 6298649"/>
+              <a:gd name="connsiteY3" fmla="*/ 4186107 h 4186107"/>
+              <a:gd name="connsiteX4" fmla="*/ 1719743 w 6298649"/>
+              <a:gd name="connsiteY4" fmla="*/ 8389 h 4186107"/>
+              <a:gd name="connsiteX0" fmla="*/ 1719743 w 7993225"/>
+              <a:gd name="connsiteY0" fmla="*/ 8389 h 4186107"/>
+              <a:gd name="connsiteX1" fmla="*/ 7993225 w 7993225"/>
+              <a:gd name="connsiteY1" fmla="*/ 0 h 4186107"/>
+              <a:gd name="connsiteX2" fmla="*/ 6298649 w 7993225"/>
+              <a:gd name="connsiteY2" fmla="*/ 4186107 h 4186107"/>
+              <a:gd name="connsiteX3" fmla="*/ 0 w 7993225"/>
+              <a:gd name="connsiteY3" fmla="*/ 4186107 h 4186107"/>
+              <a:gd name="connsiteX4" fmla="*/ 1719743 w 7993225"/>
+              <a:gd name="connsiteY4" fmla="*/ 8389 h 4186107"/>
+              <a:gd name="connsiteX0" fmla="*/ 2399251 w 7993225"/>
+              <a:gd name="connsiteY0" fmla="*/ 0 h 4186107"/>
+              <a:gd name="connsiteX1" fmla="*/ 7993225 w 7993225"/>
+              <a:gd name="connsiteY1" fmla="*/ 0 h 4186107"/>
+              <a:gd name="connsiteX2" fmla="*/ 6298649 w 7993225"/>
+              <a:gd name="connsiteY2" fmla="*/ 4186107 h 4186107"/>
+              <a:gd name="connsiteX3" fmla="*/ 0 w 7993225"/>
+              <a:gd name="connsiteY3" fmla="*/ 4186107 h 4186107"/>
+              <a:gd name="connsiteX4" fmla="*/ 2399251 w 7993225"/>
+              <a:gd name="connsiteY4" fmla="*/ 0 h 4186107"/>
+              <a:gd name="connsiteX0" fmla="*/ 2399251 w 8395896"/>
+              <a:gd name="connsiteY0" fmla="*/ 0 h 4186107"/>
+              <a:gd name="connsiteX1" fmla="*/ 8395896 w 8395896"/>
+              <a:gd name="connsiteY1" fmla="*/ 8389 h 4186107"/>
+              <a:gd name="connsiteX2" fmla="*/ 6298649 w 8395896"/>
+              <a:gd name="connsiteY2" fmla="*/ 4186107 h 4186107"/>
+              <a:gd name="connsiteX3" fmla="*/ 0 w 8395896"/>
+              <a:gd name="connsiteY3" fmla="*/ 4186107 h 4186107"/>
+              <a:gd name="connsiteX4" fmla="*/ 2399251 w 8395896"/>
+              <a:gd name="connsiteY4" fmla="*/ 0 h 4186107"/>
+              <a:gd name="connsiteX0" fmla="*/ 2399251 w 8488175"/>
+              <a:gd name="connsiteY0" fmla="*/ 0 h 4186107"/>
+              <a:gd name="connsiteX1" fmla="*/ 8488175 w 8488175"/>
+              <a:gd name="connsiteY1" fmla="*/ 8389 h 4186107"/>
+              <a:gd name="connsiteX2" fmla="*/ 6298649 w 8488175"/>
+              <a:gd name="connsiteY2" fmla="*/ 4186107 h 4186107"/>
+              <a:gd name="connsiteX3" fmla="*/ 0 w 8488175"/>
+              <a:gd name="connsiteY3" fmla="*/ 4186107 h 4186107"/>
+              <a:gd name="connsiteX4" fmla="*/ 2399251 w 8488175"/>
+              <a:gd name="connsiteY4" fmla="*/ 0 h 4186107"/>
+              <a:gd name="connsiteX0" fmla="*/ 2399251 w 8630788"/>
+              <a:gd name="connsiteY0" fmla="*/ 579 h 4186686"/>
+              <a:gd name="connsiteX1" fmla="*/ 8630788 w 8630788"/>
+              <a:gd name="connsiteY1" fmla="*/ 0 h 4186686"/>
+              <a:gd name="connsiteX2" fmla="*/ 6298649 w 8630788"/>
+              <a:gd name="connsiteY2" fmla="*/ 4186686 h 4186686"/>
+              <a:gd name="connsiteX3" fmla="*/ 0 w 8630788"/>
+              <a:gd name="connsiteY3" fmla="*/ 4186686 h 4186686"/>
+              <a:gd name="connsiteX4" fmla="*/ 2399251 w 8630788"/>
+              <a:gd name="connsiteY4" fmla="*/ 579 h 4186686"/>
+              <a:gd name="connsiteX0" fmla="*/ 2323750 w 8630788"/>
+              <a:gd name="connsiteY0" fmla="*/ 579 h 4186686"/>
+              <a:gd name="connsiteX1" fmla="*/ 8630788 w 8630788"/>
+              <a:gd name="connsiteY1" fmla="*/ 0 h 4186686"/>
+              <a:gd name="connsiteX2" fmla="*/ 6298649 w 8630788"/>
+              <a:gd name="connsiteY2" fmla="*/ 4186686 h 4186686"/>
+              <a:gd name="connsiteX3" fmla="*/ 0 w 8630788"/>
+              <a:gd name="connsiteY3" fmla="*/ 4186686 h 4186686"/>
+              <a:gd name="connsiteX4" fmla="*/ 2323750 w 8630788"/>
+              <a:gd name="connsiteY4" fmla="*/ 579 h 4186686"/>
+            </a:gdLst>
+            <a:ahLst/>
+            <a:cxnLst>
+              <a:cxn ang="0">
+                <a:pos x="connsiteX0" y="connsiteY0"/>
+              </a:cxn>
+              <a:cxn ang="0">
+                <a:pos x="connsiteX1" y="connsiteY1"/>
+              </a:cxn>
+              <a:cxn ang="0">
+                <a:pos x="connsiteX2" y="connsiteY2"/>
+              </a:cxn>
+              <a:cxn ang="0">
+                <a:pos x="connsiteX3" y="connsiteY3"/>
+              </a:cxn>
+              <a:cxn ang="0">
+                <a:pos x="connsiteX4" y="connsiteY4"/>
+              </a:cxn>
+            </a:cxnLst>
+            <a:rect l="l" t="t" r="r" b="b"/>
+            <a:pathLst>
+              <a:path w="8630788" h="4186686">
+                <a:moveTo>
+                  <a:pt x="2323750" y="579"/>
+                </a:moveTo>
+                <a:lnTo>
+                  <a:pt x="8630788" y="0"/>
+                </a:lnTo>
+                <a:lnTo>
+                  <a:pt x="6298649" y="4186686"/>
+                </a:lnTo>
+                <a:lnTo>
+                  <a:pt x="0" y="4186686"/>
+                </a:lnTo>
+                <a:lnTo>
+                  <a:pt x="2323750" y="579"/>
+                </a:lnTo>
+                <a:close/>
+              </a:path>
+            </a:pathLst>
+          </a:custGeom>
+          <a:noFill/>
+          <a:ln w="57150">
+            <a:prstDash val="sysDash"/>
+          </a:ln>
+        </p:spPr>
+        <p:style>
+          <a:lnRef idx="2">
+            <a:schemeClr val="accent1">
+              <a:shade val="50000"/>
+            </a:schemeClr>
+          </a:lnRef>
+          <a:fillRef idx="1">
+            <a:schemeClr val="accent1"/>
+          </a:fillRef>
+          <a:effectRef idx="0">
+            <a:schemeClr val="accent1"/>
+          </a:effectRef>
+          <a:fontRef idx="minor">
+            <a:schemeClr val="lt1"/>
+          </a:fontRef>
+        </p:style>
+        <p:txBody>
+          <a:bodyPr rtlCol="0" anchor="ctr"/>
+          <a:lstStyle/>
+          <a:p>
+            <a:pPr algn="ctr"/>
+            <a:endParaRPr lang="zh-CN" altLang="en-US"/>
+          </a:p>
+        </p:txBody>
+      </p:sp>
+    </p:spTree>
+    <p:extLst>
+      <p:ext uri="{BB962C8B-B14F-4D97-AF65-F5344CB8AC3E}">
+        <p14:creationId xmlns:p14="http://schemas.microsoft.com/office/powerpoint/2010/main" val="2609734185"/>
+      </p:ext>
+    </p:extLst>
+  </p:cSld>
+  <p:clrMapOvr>
+    <a:masterClrMapping/>
+  </p:clrMapOvr>
+</p:sld>
+</file>
+
+<file path=ppt/slides/slide3.xml><?xml version="1.0" encoding="utf-8"?>
+<p:sld xmlns:a="http://schemas.openxmlformats.org/drawingml/2006/main" xmlns:r="http://schemas.openxmlformats.org/officeDocument/2006/relationships" xmlns:p="http://schemas.openxmlformats.org/presentationml/2006/main">
+  <p:cSld>
+    <p:spTree>
+      <p:nvGrpSpPr>
+        <p:cNvPr id="1" name=""/>
+        <p:cNvGrpSpPr/>
+        <p:nvPr/>
+      </p:nvGrpSpPr>
+      <p:grpSpPr>
+        <a:xfrm>
+          <a:off x="0" y="0"/>
+          <a:ext cx="0" cy="0"/>
+          <a:chOff x="0" y="0"/>
+          <a:chExt cx="0" cy="0"/>
+        </a:xfrm>
+      </p:grpSpPr>
+      <p:cxnSp>
+        <p:nvCxnSpPr>
+          <p:cNvPr id="50" name="直接箭头连接符 49">
+            <a:extLst>
+              <a:ext uri="{FF2B5EF4-FFF2-40B4-BE49-F238E27FC236}">
+                <a16:creationId xmlns:a16="http://schemas.microsoft.com/office/drawing/2014/main" id="{4EA4163A-E935-4FD6-ACE2-D1D5342D68DB}"/>
+              </a:ext>
+            </a:extLst>
+          </p:cNvPr>
+          <p:cNvCxnSpPr/>
+          <p:nvPr/>
+        </p:nvCxnSpPr>
+        <p:spPr>
+          <a:xfrm flipV="1">
+            <a:off x="2566470" y="2439276"/>
+            <a:ext cx="926280" cy="0"/>
+          </a:xfrm>
+          <a:prstGeom prst="straightConnector1">
+            <a:avLst/>
+          </a:prstGeom>
+          <a:ln w="22225">
+            <a:headEnd type="none" w="med" len="med"/>
+            <a:tailEnd type="arrow" w="med" len="med"/>
+          </a:ln>
+        </p:spPr>
+        <p:style>
+          <a:lnRef idx="3">
+            <a:schemeClr val="dk1"/>
+          </a:lnRef>
+          <a:fillRef idx="0">
+            <a:schemeClr val="dk1"/>
+          </a:fillRef>
+          <a:effectRef idx="2">
+            <a:schemeClr val="dk1"/>
+          </a:effectRef>
+          <a:fontRef idx="minor">
+            <a:schemeClr val="tx1"/>
+          </a:fontRef>
+        </p:style>
+      </p:cxnSp>
+      <p:sp>
+        <p:nvSpPr>
+          <p:cNvPr id="57" name="矩形 56">
+            <a:extLst>
+              <a:ext uri="{FF2B5EF4-FFF2-40B4-BE49-F238E27FC236}">
+                <a16:creationId xmlns:a16="http://schemas.microsoft.com/office/drawing/2014/main" id="{F5639C9F-0F9B-48E5-A12D-DA91346F6FAB}"/>
+              </a:ext>
+            </a:extLst>
+          </p:cNvPr>
+          <p:cNvSpPr/>
+          <p:nvPr/>
+        </p:nvSpPr>
+        <p:spPr>
+          <a:xfrm>
+            <a:off x="3242022" y="2621435"/>
+            <a:ext cx="2913279" cy="573581"/>
+          </a:xfrm>
+          <a:prstGeom prst="rect">
+            <a:avLst/>
+          </a:prstGeom>
+          <a:ln>
+            <a:noFill/>
+          </a:ln>
+        </p:spPr>
+        <p:txBody>
+          <a:bodyPr wrap="square">
+            <a:spAutoFit/>
+          </a:bodyPr>
+          <a:lstStyle/>
+          <a:p>
+            <a:pPr algn="ctr"/>
+            <a:r>
+              <a:rPr lang="zh-CN" altLang="en-US" sz="1600" dirty="0">
+                <a:latin typeface="Times New Roman" panose="02020603050405020304" pitchFamily="18" charset="0"/>
+                <a:cs typeface="Times New Roman" panose="02020603050405020304" pitchFamily="18" charset="0"/>
+              </a:rPr>
+              <a:t>样本数据库</a:t>
+            </a:r>
+          </a:p>
+        </p:txBody>
+      </p:sp>
+      <p:grpSp>
+        <p:nvGrpSpPr>
+          <p:cNvPr id="4" name="组合 3">
+            <a:extLst>
+              <a:ext uri="{FF2B5EF4-FFF2-40B4-BE49-F238E27FC236}">
+                <a16:creationId xmlns:a16="http://schemas.microsoft.com/office/drawing/2014/main" id="{22556076-3FCB-4F78-9F6F-7BFC7FA7C9C0}"/>
+              </a:ext>
+            </a:extLst>
+          </p:cNvPr>
+          <p:cNvGrpSpPr/>
+          <p:nvPr/>
+        </p:nvGrpSpPr>
+        <p:grpSpPr>
+          <a:xfrm>
+            <a:off x="10699159" y="1917880"/>
+            <a:ext cx="1239594" cy="1076241"/>
+            <a:chOff x="10148862" y="3900733"/>
+            <a:chExt cx="1239594" cy="1076241"/>
+          </a:xfrm>
+        </p:grpSpPr>
+        <p:grpSp>
+          <p:nvGrpSpPr>
+            <p:cNvPr id="58" name="组合 57">
+              <a:extLst>
+                <a:ext uri="{FF2B5EF4-FFF2-40B4-BE49-F238E27FC236}">
+                  <a16:creationId xmlns:a16="http://schemas.microsoft.com/office/drawing/2014/main" id="{BFFC4FAE-F3E0-4720-8E22-7E214EA911E1}"/>
+                </a:ext>
+              </a:extLst>
+            </p:cNvPr>
+            <p:cNvGrpSpPr/>
+            <p:nvPr/>
+          </p:nvGrpSpPr>
+          <p:grpSpPr>
+            <a:xfrm>
+              <a:off x="10331208" y="3900733"/>
+              <a:ext cx="871514" cy="442578"/>
+              <a:chOff x="10710791" y="1412925"/>
+              <a:chExt cx="532240" cy="270286"/>
+            </a:xfrm>
+          </p:grpSpPr>
+          <p:pic>
+            <p:nvPicPr>
+              <p:cNvPr id="59" name="图片 58">
+                <a:extLst>
+                  <a:ext uri="{FF2B5EF4-FFF2-40B4-BE49-F238E27FC236}">
+                    <a16:creationId xmlns:a16="http://schemas.microsoft.com/office/drawing/2014/main" id="{7FE38C06-7681-4F4B-8346-BA225F94800C}"/>
+                  </a:ext>
+                </a:extLst>
+              </p:cNvPr>
+              <p:cNvPicPr>
+                <a:picLocks noChangeAspect="1"/>
+              </p:cNvPicPr>
+              <p:nvPr/>
+            </p:nvPicPr>
+            <p:blipFill>
+              <a:blip r:embed="rId2" cstate="print">
+                <a:extLst>
+                  <a:ext uri="{28A0092B-C50C-407E-A947-70E740481C1C}">
+                    <a14:useLocalDpi xmlns:a14="http://schemas.microsoft.com/office/drawing/2010/main" val="0"/>
+                  </a:ext>
+                </a:extLst>
+              </a:blip>
+              <a:stretch>
+                <a:fillRect/>
+              </a:stretch>
+            </p:blipFill>
+            <p:spPr>
+              <a:xfrm flipH="1">
+                <a:off x="10972746" y="1412925"/>
+                <a:ext cx="270285" cy="270285"/>
+              </a:xfrm>
+              <a:prstGeom prst="rect">
+                <a:avLst/>
+              </a:prstGeom>
+              <a:ln>
+                <a:noFill/>
+              </a:ln>
+            </p:spPr>
+          </p:pic>
+          <p:pic>
+            <p:nvPicPr>
+              <p:cNvPr id="60" name="图片 59">
+                <a:extLst>
+                  <a:ext uri="{FF2B5EF4-FFF2-40B4-BE49-F238E27FC236}">
+                    <a16:creationId xmlns:a16="http://schemas.microsoft.com/office/drawing/2014/main" id="{33CBBDDB-3B38-4CB2-9525-561C992C1273}"/>
+                  </a:ext>
+                </a:extLst>
+              </p:cNvPr>
+              <p:cNvPicPr>
+                <a:picLocks noChangeAspect="1"/>
+              </p:cNvPicPr>
+              <p:nvPr/>
+            </p:nvPicPr>
+            <p:blipFill>
+              <a:blip r:embed="rId2" cstate="print">
+                <a:extLst>
+                  <a:ext uri="{28A0092B-C50C-407E-A947-70E740481C1C}">
+                    <a14:useLocalDpi xmlns:a14="http://schemas.microsoft.com/office/drawing/2010/main" val="0"/>
+                  </a:ext>
+                </a:extLst>
+              </a:blip>
+              <a:stretch>
+                <a:fillRect/>
+              </a:stretch>
+            </p:blipFill>
+            <p:spPr>
+              <a:xfrm flipH="1">
+                <a:off x="10710791" y="1412926"/>
+                <a:ext cx="270285" cy="270285"/>
+              </a:xfrm>
+              <a:prstGeom prst="rect">
+                <a:avLst/>
+              </a:prstGeom>
+              <a:ln>
+                <a:noFill/>
+              </a:ln>
+            </p:spPr>
+          </p:pic>
+        </p:grpSp>
+        <p:sp>
+          <p:nvSpPr>
+            <p:cNvPr id="61" name="矩形 60">
+              <a:extLst>
+                <a:ext uri="{FF2B5EF4-FFF2-40B4-BE49-F238E27FC236}">
+                  <a16:creationId xmlns:a16="http://schemas.microsoft.com/office/drawing/2014/main" id="{44F86E2C-EF41-4B92-97B3-B4CB07A32D2C}"/>
+                </a:ext>
+              </a:extLst>
+            </p:cNvPr>
+            <p:cNvSpPr/>
+            <p:nvPr/>
+          </p:nvSpPr>
+          <p:spPr>
+            <a:xfrm>
+              <a:off x="10148862" y="4638420"/>
+              <a:ext cx="1239594" cy="338554"/>
+            </a:xfrm>
+            <a:prstGeom prst="rect">
+              <a:avLst/>
+            </a:prstGeom>
+            <a:ln>
+              <a:noFill/>
+            </a:ln>
+          </p:spPr>
+          <p:txBody>
+            <a:bodyPr wrap="square">
+              <a:spAutoFit/>
+            </a:bodyPr>
+            <a:lstStyle/>
+            <a:p>
+              <a:pPr algn="ctr"/>
+              <a:r>
+                <a:rPr lang="zh-CN" altLang="en-US" sz="1600" dirty="0">
+                  <a:latin typeface="Times New Roman" panose="02020603050405020304" pitchFamily="18" charset="0"/>
+                  <a:cs typeface="Times New Roman" panose="02020603050405020304" pitchFamily="18" charset="0"/>
+                </a:rPr>
+                <a:t>仿冒应用</a:t>
+              </a:r>
+            </a:p>
+          </p:txBody>
+        </p:sp>
+      </p:grpSp>
+      <p:sp>
+        <p:nvSpPr>
+          <p:cNvPr id="62" name="矩形 61">
+            <a:extLst>
+              <a:ext uri="{FF2B5EF4-FFF2-40B4-BE49-F238E27FC236}">
+                <a16:creationId xmlns:a16="http://schemas.microsoft.com/office/drawing/2014/main" id="{69BD1BD8-CB07-415B-8764-4F21C90D7D36}"/>
+              </a:ext>
+            </a:extLst>
+          </p:cNvPr>
+          <p:cNvSpPr/>
+          <p:nvPr/>
+        </p:nvSpPr>
+        <p:spPr>
+          <a:xfrm>
+            <a:off x="7189380" y="2605877"/>
+            <a:ext cx="3509446" cy="338554"/>
+          </a:xfrm>
+          <a:prstGeom prst="rect">
+            <a:avLst/>
+          </a:prstGeom>
+          <a:ln>
+            <a:noFill/>
+          </a:ln>
+        </p:spPr>
+        <p:txBody>
+          <a:bodyPr wrap="square">
+            <a:spAutoFit/>
+          </a:bodyPr>
+          <a:lstStyle/>
+          <a:p>
+            <a:pPr algn="ctr"/>
+            <a:r>
+              <a:rPr lang="zh-CN" altLang="en-US" sz="1600" dirty="0">
+                <a:latin typeface="Times New Roman" panose="02020603050405020304" pitchFamily="18" charset="0"/>
+                <a:cs typeface="Times New Roman" panose="02020603050405020304" pitchFamily="18" charset="0"/>
+              </a:rPr>
+              <a:t>安全证书识别</a:t>
+            </a:r>
+            <a:endParaRPr lang="en-US" altLang="zh-CN" sz="1600" dirty="0">
+              <a:latin typeface="Times New Roman" panose="02020603050405020304" pitchFamily="18" charset="0"/>
+              <a:cs typeface="Times New Roman" panose="02020603050405020304" pitchFamily="18" charset="0"/>
+            </a:endParaRPr>
+          </a:p>
+        </p:txBody>
+      </p:sp>
+      <p:grpSp>
+        <p:nvGrpSpPr>
+          <p:cNvPr id="105" name="组合 104">
+            <a:extLst>
+              <a:ext uri="{FF2B5EF4-FFF2-40B4-BE49-F238E27FC236}">
+                <a16:creationId xmlns:a16="http://schemas.microsoft.com/office/drawing/2014/main" id="{39889AAF-33FD-4EF3-B65E-BC9D4CD95E04}"/>
+              </a:ext>
+            </a:extLst>
+          </p:cNvPr>
+          <p:cNvGrpSpPr/>
+          <p:nvPr/>
+        </p:nvGrpSpPr>
+        <p:grpSpPr>
+          <a:xfrm>
+            <a:off x="224702" y="1668379"/>
+            <a:ext cx="2737636" cy="1550585"/>
+            <a:chOff x="316981" y="1668379"/>
+            <a:chExt cx="2737636" cy="1550585"/>
+          </a:xfrm>
+        </p:grpSpPr>
+        <p:sp>
+          <p:nvSpPr>
+            <p:cNvPr id="68" name="文本框 67">
+              <a:extLst>
+                <a:ext uri="{FF2B5EF4-FFF2-40B4-BE49-F238E27FC236}">
+                  <a16:creationId xmlns:a16="http://schemas.microsoft.com/office/drawing/2014/main" id="{0F74233E-FF58-4F92-A73D-CC4DF7FC4511}"/>
+                </a:ext>
+              </a:extLst>
+            </p:cNvPr>
+            <p:cNvSpPr txBox="1"/>
+            <p:nvPr/>
+          </p:nvSpPr>
+          <p:spPr>
+            <a:xfrm>
+              <a:off x="316981" y="2664600"/>
+              <a:ext cx="2737636" cy="554364"/>
+            </a:xfrm>
+            <a:prstGeom prst="rect">
+              <a:avLst/>
+            </a:prstGeom>
+            <a:noFill/>
+            <a:ln>
+              <a:noFill/>
+            </a:ln>
+          </p:spPr>
+          <p:txBody>
+            <a:bodyPr wrap="square" rtlCol="0">
+              <a:spAutoFit/>
+            </a:bodyPr>
+            <a:lstStyle/>
+            <a:p>
+              <a:pPr algn="ctr"/>
+              <a:r>
+                <a:rPr lang="zh-CN" altLang="en-US" sz="1600" dirty="0">
+                  <a:latin typeface="Times New Roman" panose="02020603050405020304" pitchFamily="18" charset="0"/>
+                  <a:cs typeface="Times New Roman" panose="02020603050405020304" pitchFamily="18" charset="0"/>
+                </a:rPr>
+                <a:t>应用市场</a:t>
+              </a:r>
+            </a:p>
+          </p:txBody>
+        </p:sp>
+        <p:grpSp>
+          <p:nvGrpSpPr>
+            <p:cNvPr id="69" name="组合 68">
+              <a:extLst>
+                <a:ext uri="{FF2B5EF4-FFF2-40B4-BE49-F238E27FC236}">
+                  <a16:creationId xmlns:a16="http://schemas.microsoft.com/office/drawing/2014/main" id="{51337E6F-31A5-4711-9D46-B96815CB42E9}"/>
+                </a:ext>
+              </a:extLst>
+            </p:cNvPr>
+            <p:cNvGrpSpPr/>
+            <p:nvPr/>
+          </p:nvGrpSpPr>
+          <p:grpSpPr>
+            <a:xfrm>
+              <a:off x="830872" y="1668379"/>
+              <a:ext cx="1709854" cy="968854"/>
+              <a:chOff x="4377188" y="770091"/>
+              <a:chExt cx="1177664" cy="667299"/>
+            </a:xfrm>
+          </p:grpSpPr>
+          <p:pic>
+            <p:nvPicPr>
+              <p:cNvPr id="70" name="图片 69">
+                <a:extLst>
+                  <a:ext uri="{FF2B5EF4-FFF2-40B4-BE49-F238E27FC236}">
+                    <a16:creationId xmlns:a16="http://schemas.microsoft.com/office/drawing/2014/main" id="{14A320A3-BB74-4FE8-8F81-A239EF27C78B}"/>
+                  </a:ext>
+                </a:extLst>
+              </p:cNvPr>
+              <p:cNvPicPr>
+                <a:picLocks noChangeAspect="1"/>
+              </p:cNvPicPr>
+              <p:nvPr/>
+            </p:nvPicPr>
+            <p:blipFill>
+              <a:blip r:embed="rId3" cstate="print">
+                <a:extLst>
+                  <a:ext uri="{28A0092B-C50C-407E-A947-70E740481C1C}">
+                    <a14:useLocalDpi xmlns:a14="http://schemas.microsoft.com/office/drawing/2010/main" val="0"/>
+                  </a:ext>
+                </a:extLst>
+              </a:blip>
+              <a:stretch>
+                <a:fillRect/>
+              </a:stretch>
+            </p:blipFill>
+            <p:spPr>
+              <a:xfrm>
+                <a:off x="4813882" y="782183"/>
+                <a:ext cx="294254" cy="294253"/>
+              </a:xfrm>
+              <a:prstGeom prst="rect">
+                <a:avLst/>
+              </a:prstGeom>
+              <a:ln>
+                <a:noFill/>
+              </a:ln>
+            </p:spPr>
+          </p:pic>
+          <p:pic>
+            <p:nvPicPr>
+              <p:cNvPr id="71" name="图片 70">
+                <a:extLst>
+                  <a:ext uri="{FF2B5EF4-FFF2-40B4-BE49-F238E27FC236}">
+                    <a16:creationId xmlns:a16="http://schemas.microsoft.com/office/drawing/2014/main" id="{09351F63-81E1-405F-9CC1-15935378CEEB}"/>
+                  </a:ext>
+                </a:extLst>
+              </p:cNvPr>
+              <p:cNvPicPr>
+                <a:picLocks noChangeAspect="1"/>
+              </p:cNvPicPr>
+              <p:nvPr/>
+            </p:nvPicPr>
+            <p:blipFill>
+              <a:blip r:embed="rId4" cstate="print">
+                <a:extLst>
+                  <a:ext uri="{28A0092B-C50C-407E-A947-70E740481C1C}">
+                    <a14:useLocalDpi xmlns:a14="http://schemas.microsoft.com/office/drawing/2010/main" val="0"/>
+                  </a:ext>
+                </a:extLst>
+              </a:blip>
+              <a:stretch>
+                <a:fillRect/>
+              </a:stretch>
+            </p:blipFill>
+            <p:spPr>
+              <a:xfrm>
+                <a:off x="4402944" y="1143137"/>
+                <a:ext cx="294254" cy="294253"/>
+              </a:xfrm>
+              <a:prstGeom prst="rect">
+                <a:avLst/>
+              </a:prstGeom>
+              <a:ln>
+                <a:noFill/>
+              </a:ln>
+            </p:spPr>
+          </p:pic>
+          <p:pic>
+            <p:nvPicPr>
+              <p:cNvPr id="72" name="图片 71">
+                <a:extLst>
+                  <a:ext uri="{FF2B5EF4-FFF2-40B4-BE49-F238E27FC236}">
+                    <a16:creationId xmlns:a16="http://schemas.microsoft.com/office/drawing/2014/main" id="{5B3C6870-1CC2-4D25-9547-9C1241DF4A7A}"/>
+                  </a:ext>
+                </a:extLst>
+              </p:cNvPr>
+              <p:cNvPicPr>
+                <a:picLocks noChangeAspect="1"/>
+              </p:cNvPicPr>
+              <p:nvPr/>
+            </p:nvPicPr>
+            <p:blipFill>
+              <a:blip r:embed="rId5" cstate="print">
+                <a:extLst>
+                  <a:ext uri="{28A0092B-C50C-407E-A947-70E740481C1C}">
+                    <a14:useLocalDpi xmlns:a14="http://schemas.microsoft.com/office/drawing/2010/main" val="0"/>
+                  </a:ext>
+                </a:extLst>
+              </a:blip>
+              <a:stretch>
+                <a:fillRect/>
+              </a:stretch>
+            </p:blipFill>
+            <p:spPr>
+              <a:xfrm>
+                <a:off x="5251381" y="782183"/>
+                <a:ext cx="295725" cy="294253"/>
+              </a:xfrm>
+              <a:prstGeom prst="rect">
+                <a:avLst/>
+              </a:prstGeom>
+              <a:ln>
+                <a:noFill/>
+              </a:ln>
+            </p:spPr>
+          </p:pic>
+          <p:pic>
+            <p:nvPicPr>
+              <p:cNvPr id="73" name="图片 72">
+                <a:extLst>
+                  <a:ext uri="{FF2B5EF4-FFF2-40B4-BE49-F238E27FC236}">
+                    <a16:creationId xmlns:a16="http://schemas.microsoft.com/office/drawing/2014/main" id="{C69D0F6C-4EC6-4EF1-AB8B-0641B5DA94B1}"/>
+                  </a:ext>
+                </a:extLst>
+              </p:cNvPr>
+              <p:cNvPicPr>
+                <a:picLocks noChangeAspect="1"/>
+              </p:cNvPicPr>
+              <p:nvPr/>
+            </p:nvPicPr>
+            <p:blipFill>
+              <a:blip r:embed="rId6" cstate="print">
+                <a:extLst>
+                  <a:ext uri="{28A0092B-C50C-407E-A947-70E740481C1C}">
+                    <a14:useLocalDpi xmlns:a14="http://schemas.microsoft.com/office/drawing/2010/main" val="0"/>
+                  </a:ext>
+                </a:extLst>
+              </a:blip>
+              <a:stretch>
+                <a:fillRect/>
+              </a:stretch>
+            </p:blipFill>
+            <p:spPr>
+              <a:xfrm>
+                <a:off x="4817302" y="1143137"/>
+                <a:ext cx="294254" cy="294253"/>
+              </a:xfrm>
+              <a:prstGeom prst="rect">
+                <a:avLst/>
+              </a:prstGeom>
+              <a:ln>
+                <a:noFill/>
+              </a:ln>
+            </p:spPr>
+          </p:pic>
+          <p:pic>
+            <p:nvPicPr>
+              <p:cNvPr id="74" name="图片 73">
+                <a:extLst>
+                  <a:ext uri="{FF2B5EF4-FFF2-40B4-BE49-F238E27FC236}">
+                    <a16:creationId xmlns:a16="http://schemas.microsoft.com/office/drawing/2014/main" id="{1D6E1DC1-F941-46CC-B8EF-388B2C2F7087}"/>
+                  </a:ext>
+                </a:extLst>
+              </p:cNvPr>
+              <p:cNvPicPr>
+                <a:picLocks noChangeAspect="1"/>
+              </p:cNvPicPr>
+              <p:nvPr/>
+            </p:nvPicPr>
+            <p:blipFill rotWithShape="1">
+              <a:blip r:embed="rId7" cstate="print">
+                <a:extLst>
+                  <a:ext uri="{28A0092B-C50C-407E-A947-70E740481C1C}">
+                    <a14:useLocalDpi xmlns:a14="http://schemas.microsoft.com/office/drawing/2010/main" val="0"/>
+                  </a:ext>
+                </a:extLst>
+              </a:blip>
+              <a:srcRect l="24982" t="25055" r="21345" b="22582"/>
+              <a:stretch/>
+            </p:blipFill>
+            <p:spPr>
+              <a:xfrm>
+                <a:off x="4377188" y="770091"/>
+                <a:ext cx="316559" cy="308837"/>
+              </a:xfrm>
+              <a:prstGeom prst="rect">
+                <a:avLst/>
+              </a:prstGeom>
+              <a:ln>
+                <a:noFill/>
+              </a:ln>
+            </p:spPr>
+          </p:pic>
+          <p:sp>
+            <p:nvSpPr>
+              <p:cNvPr id="75" name="文本框 74">
+                <a:extLst>
+                  <a:ext uri="{FF2B5EF4-FFF2-40B4-BE49-F238E27FC236}">
+                    <a16:creationId xmlns:a16="http://schemas.microsoft.com/office/drawing/2014/main" id="{A4D27134-77FE-408A-B666-1A2FE9BA3FE3}"/>
+                  </a:ext>
+                </a:extLst>
+              </p:cNvPr>
+              <p:cNvSpPr txBox="1"/>
+              <p:nvPr/>
+            </p:nvSpPr>
+            <p:spPr>
+              <a:xfrm>
+                <a:off x="5251381" y="1000386"/>
+                <a:ext cx="303471" cy="416530"/>
+              </a:xfrm>
+              <a:prstGeom prst="rect">
+                <a:avLst/>
+              </a:prstGeom>
+              <a:noFill/>
+              <a:ln>
+                <a:noFill/>
+              </a:ln>
+            </p:spPr>
+            <p:txBody>
+              <a:bodyPr wrap="square" rtlCol="0">
+                <a:spAutoFit/>
+              </a:bodyPr>
+              <a:lstStyle/>
+              <a:p>
+                <a:pPr algn="ctr"/>
+                <a:r>
+                  <a:rPr lang="en-US" altLang="zh-CN" b="1" dirty="0">
+                    <a:latin typeface="Times New Roman" panose="02020603050405020304" pitchFamily="18" charset="0"/>
+                    <a:cs typeface="Times New Roman" panose="02020603050405020304" pitchFamily="18" charset="0"/>
+                  </a:rPr>
+                  <a:t>…</a:t>
+                </a:r>
+                <a:endParaRPr lang="zh-CN" altLang="en-US" b="1" dirty="0">
+                  <a:latin typeface="Times New Roman" panose="02020603050405020304" pitchFamily="18" charset="0"/>
+                  <a:cs typeface="Times New Roman" panose="02020603050405020304" pitchFamily="18" charset="0"/>
+                </a:endParaRPr>
+              </a:p>
+            </p:txBody>
+          </p:sp>
+        </p:grpSp>
+      </p:grpSp>
+      <p:cxnSp>
+        <p:nvCxnSpPr>
+          <p:cNvPr id="95" name="直接箭头连接符 94">
+            <a:extLst>
+              <a:ext uri="{FF2B5EF4-FFF2-40B4-BE49-F238E27FC236}">
+                <a16:creationId xmlns:a16="http://schemas.microsoft.com/office/drawing/2014/main" id="{A5F0A43F-FD1C-4EDE-BFF7-9F04F6FE33C9}"/>
+              </a:ext>
+            </a:extLst>
+          </p:cNvPr>
+          <p:cNvCxnSpPr/>
+          <p:nvPr/>
+        </p:nvCxnSpPr>
+        <p:spPr>
+          <a:xfrm flipV="1">
+            <a:off x="9877957" y="2439276"/>
+            <a:ext cx="926280" cy="0"/>
+          </a:xfrm>
+          <a:prstGeom prst="straightConnector1">
+            <a:avLst/>
+          </a:prstGeom>
+          <a:ln w="22225">
+            <a:headEnd type="none" w="med" len="med"/>
+            <a:tailEnd type="arrow" w="med" len="med"/>
+          </a:ln>
+        </p:spPr>
+        <p:style>
+          <a:lnRef idx="3">
+            <a:schemeClr val="dk1"/>
+          </a:lnRef>
+          <a:fillRef idx="0">
+            <a:schemeClr val="dk1"/>
+          </a:fillRef>
+          <a:effectRef idx="2">
+            <a:schemeClr val="dk1"/>
+          </a:effectRef>
+          <a:fontRef idx="minor">
+            <a:schemeClr val="tx1"/>
+          </a:fontRef>
+        </p:style>
+      </p:cxnSp>
+      <p:sp>
+        <p:nvSpPr>
+          <p:cNvPr id="51" name="椭圆 50">
+            <a:extLst>
+              <a:ext uri="{FF2B5EF4-FFF2-40B4-BE49-F238E27FC236}">
+                <a16:creationId xmlns:a16="http://schemas.microsoft.com/office/drawing/2014/main" id="{B9D59110-9004-4BDA-B0F4-17EE2C13BF3F}"/>
+              </a:ext>
+            </a:extLst>
+          </p:cNvPr>
+          <p:cNvSpPr/>
+          <p:nvPr/>
+        </p:nvSpPr>
+        <p:spPr>
+          <a:xfrm>
+            <a:off x="6074373" y="3894309"/>
+            <a:ext cx="498198" cy="498198"/>
+          </a:xfrm>
+          <a:prstGeom prst="ellipse">
+            <a:avLst/>
+          </a:prstGeom>
+        </p:spPr>
+        <p:style>
+          <a:lnRef idx="2">
+            <a:schemeClr val="accent1">
+              <a:shade val="50000"/>
+            </a:schemeClr>
+          </a:lnRef>
+          <a:fillRef idx="1">
+            <a:schemeClr val="accent1"/>
+          </a:fillRef>
+          <a:effectRef idx="0">
+            <a:schemeClr val="accent1"/>
+          </a:effectRef>
+          <a:fontRef idx="minor">
+            <a:schemeClr val="lt1"/>
+          </a:fontRef>
+        </p:style>
+        <p:txBody>
+          <a:bodyPr rtlCol="0" anchor="ctr"/>
+          <a:lstStyle/>
+          <a:p>
+            <a:pPr algn="ctr"/>
+            <a:r>
+              <a:rPr lang="en-GB" sz="1600" dirty="0">
+                <a:latin typeface="Times New Roman" panose="02020603050405020304" pitchFamily="18" charset="0"/>
+                <a:cs typeface="Times New Roman" panose="02020603050405020304" pitchFamily="18" charset="0"/>
+              </a:rPr>
+              <a:t>4</a:t>
+            </a:r>
+          </a:p>
+        </p:txBody>
+      </p:sp>
+      <p:sp>
+        <p:nvSpPr>
+          <p:cNvPr id="52" name="矩形 51">
+            <a:extLst>
+              <a:ext uri="{FF2B5EF4-FFF2-40B4-BE49-F238E27FC236}">
+                <a16:creationId xmlns:a16="http://schemas.microsoft.com/office/drawing/2014/main" id="{FCEBFB51-2E0D-495C-8824-D46074A2105C}"/>
+              </a:ext>
+            </a:extLst>
+          </p:cNvPr>
+          <p:cNvSpPr/>
+          <p:nvPr/>
+        </p:nvSpPr>
+        <p:spPr>
+          <a:xfrm>
+            <a:off x="3142874" y="4638420"/>
+            <a:ext cx="2891014" cy="554364"/>
+          </a:xfrm>
+          <a:prstGeom prst="rect">
+            <a:avLst/>
+          </a:prstGeom>
+          <a:ln>
+            <a:noFill/>
+          </a:ln>
+        </p:spPr>
+        <p:txBody>
+          <a:bodyPr wrap="square">
+            <a:spAutoFit/>
+          </a:bodyPr>
+          <a:lstStyle/>
+          <a:p>
+            <a:pPr algn="ctr"/>
+            <a:r>
+              <a:rPr lang="zh-CN" altLang="en-US" sz="1600" dirty="0">
+                <a:latin typeface="Times New Roman" panose="02020603050405020304" pitchFamily="18" charset="0"/>
+                <a:cs typeface="Times New Roman" panose="02020603050405020304" pitchFamily="18" charset="0"/>
+              </a:rPr>
+              <a:t>包名</a:t>
+            </a:r>
+            <a:r>
+              <a:rPr lang="en-US" altLang="zh-CN" sz="1600" dirty="0">
+                <a:latin typeface="Times New Roman" panose="02020603050405020304" pitchFamily="18" charset="0"/>
+                <a:cs typeface="Times New Roman" panose="02020603050405020304" pitchFamily="18" charset="0"/>
+              </a:rPr>
+              <a:t>/</a:t>
+            </a:r>
+            <a:r>
+              <a:rPr lang="zh-CN" altLang="en-US" sz="1600" dirty="0">
+                <a:latin typeface="Times New Roman" panose="02020603050405020304" pitchFamily="18" charset="0"/>
+                <a:cs typeface="Times New Roman" panose="02020603050405020304" pitchFamily="18" charset="0"/>
+              </a:rPr>
+              <a:t>应用名</a:t>
+            </a:r>
+          </a:p>
+        </p:txBody>
+      </p:sp>
+      <p:pic>
+        <p:nvPicPr>
+          <p:cNvPr id="53" name="图片 52">
+            <a:extLst>
+              <a:ext uri="{FF2B5EF4-FFF2-40B4-BE49-F238E27FC236}">
+                <a16:creationId xmlns:a16="http://schemas.microsoft.com/office/drawing/2014/main" id="{1358EE7C-8732-4EBA-AB41-239269E85185}"/>
+              </a:ext>
+            </a:extLst>
+          </p:cNvPr>
+          <p:cNvPicPr>
+            <a:picLocks noChangeAspect="1"/>
+          </p:cNvPicPr>
+          <p:nvPr/>
+        </p:nvPicPr>
+        <p:blipFill>
+          <a:blip r:embed="rId8" cstate="print">
+            <a:extLst>
+              <a:ext uri="{28A0092B-C50C-407E-A947-70E740481C1C}">
+                <a14:useLocalDpi xmlns:a14="http://schemas.microsoft.com/office/drawing/2010/main" val="0"/>
+              </a:ext>
+            </a:extLst>
+          </a:blip>
+          <a:stretch>
+            <a:fillRect/>
+          </a:stretch>
+        </p:blipFill>
+        <p:spPr>
+          <a:xfrm>
+            <a:off x="4172775" y="3793128"/>
+            <a:ext cx="831212" cy="831212"/>
+          </a:xfrm>
+          <a:prstGeom prst="rect">
+            <a:avLst/>
+          </a:prstGeom>
+          <a:ln>
+            <a:noFill/>
+          </a:ln>
+        </p:spPr>
+      </p:pic>
+      <p:grpSp>
+        <p:nvGrpSpPr>
+          <p:cNvPr id="54" name="组合 53">
+            <a:extLst>
+              <a:ext uri="{FF2B5EF4-FFF2-40B4-BE49-F238E27FC236}">
+                <a16:creationId xmlns:a16="http://schemas.microsoft.com/office/drawing/2014/main" id="{4355A270-0C1E-4121-A294-8FFE0ED2212E}"/>
+              </a:ext>
+            </a:extLst>
+          </p:cNvPr>
+          <p:cNvGrpSpPr/>
+          <p:nvPr/>
+        </p:nvGrpSpPr>
+        <p:grpSpPr>
+          <a:xfrm>
+            <a:off x="4051092" y="1818769"/>
+            <a:ext cx="1127360" cy="716841"/>
+            <a:chOff x="2155806" y="1863110"/>
+            <a:chExt cx="2937302" cy="1905000"/>
+          </a:xfrm>
+        </p:grpSpPr>
+        <p:pic>
+          <p:nvPicPr>
+            <p:cNvPr id="55" name="图片 54">
+              <a:extLst>
+                <a:ext uri="{FF2B5EF4-FFF2-40B4-BE49-F238E27FC236}">
+                  <a16:creationId xmlns:a16="http://schemas.microsoft.com/office/drawing/2014/main" id="{0D1A17CE-9A5E-473F-B105-2526341EDCBA}"/>
+                </a:ext>
+              </a:extLst>
+            </p:cNvPr>
+            <p:cNvPicPr>
+              <a:picLocks noChangeAspect="1"/>
+            </p:cNvPicPr>
+            <p:nvPr/>
+          </p:nvPicPr>
+          <p:blipFill>
+            <a:blip r:embed="rId9" cstate="print">
+              <a:extLst>
+                <a:ext uri="{28A0092B-C50C-407E-A947-70E740481C1C}">
+                  <a14:useLocalDpi xmlns:a14="http://schemas.microsoft.com/office/drawing/2010/main" val="0"/>
+                </a:ext>
+              </a:extLst>
+            </a:blip>
+            <a:stretch>
+              <a:fillRect/>
+            </a:stretch>
+          </p:blipFill>
+          <p:spPr>
+            <a:xfrm>
+              <a:off x="4086566" y="2743349"/>
+              <a:ext cx="1006542" cy="1006547"/>
+            </a:xfrm>
+            <a:prstGeom prst="rect">
+              <a:avLst/>
+            </a:prstGeom>
+            <a:ln>
+              <a:noFill/>
+            </a:ln>
+          </p:spPr>
+        </p:pic>
+        <p:pic>
+          <p:nvPicPr>
+            <p:cNvPr id="56" name="图片 55">
+              <a:extLst>
+                <a:ext uri="{FF2B5EF4-FFF2-40B4-BE49-F238E27FC236}">
+                  <a16:creationId xmlns:a16="http://schemas.microsoft.com/office/drawing/2014/main" id="{F762E8B7-67C4-4127-A7BB-E489CB5FCD6C}"/>
+                </a:ext>
+              </a:extLst>
+            </p:cNvPr>
+            <p:cNvPicPr>
+              <a:picLocks noChangeAspect="1"/>
+            </p:cNvPicPr>
+            <p:nvPr/>
+          </p:nvPicPr>
+          <p:blipFill>
+            <a:blip r:embed="rId10" cstate="print">
+              <a:extLst>
+                <a:ext uri="{28A0092B-C50C-407E-A947-70E740481C1C}">
+                  <a14:useLocalDpi xmlns:a14="http://schemas.microsoft.com/office/drawing/2010/main" val="0"/>
+                </a:ext>
+              </a:extLst>
+            </a:blip>
+            <a:stretch>
+              <a:fillRect/>
+            </a:stretch>
+          </p:blipFill>
+          <p:spPr>
+            <a:xfrm>
+              <a:off x="2155806" y="1863110"/>
+              <a:ext cx="1904999" cy="1905000"/>
+            </a:xfrm>
+            <a:prstGeom prst="rect">
+              <a:avLst/>
+            </a:prstGeom>
+            <a:ln>
+              <a:noFill/>
+            </a:ln>
+          </p:spPr>
+        </p:pic>
+      </p:grpSp>
+      <p:pic>
+        <p:nvPicPr>
+          <p:cNvPr id="63" name="图片 62">
+            <a:extLst>
+              <a:ext uri="{FF2B5EF4-FFF2-40B4-BE49-F238E27FC236}">
+                <a16:creationId xmlns:a16="http://schemas.microsoft.com/office/drawing/2014/main" id="{D2119E40-BF45-4A44-A53E-1EA530A292C6}"/>
+              </a:ext>
+            </a:extLst>
+          </p:cNvPr>
+          <p:cNvPicPr>
+            <a:picLocks noChangeAspect="1"/>
+          </p:cNvPicPr>
+          <p:nvPr/>
+        </p:nvPicPr>
+        <p:blipFill>
+          <a:blip r:embed="rId11" cstate="print">
+            <a:extLst>
+              <a:ext uri="{28A0092B-C50C-407E-A947-70E740481C1C}">
+                <a14:useLocalDpi xmlns:a14="http://schemas.microsoft.com/office/drawing/2010/main" val="0"/>
+              </a:ext>
+            </a:extLst>
+          </a:blip>
+          <a:stretch>
+            <a:fillRect/>
+          </a:stretch>
+        </p:blipFill>
+        <p:spPr>
+          <a:xfrm>
+            <a:off x="8547088" y="1740335"/>
+            <a:ext cx="861144" cy="861144"/>
+          </a:xfrm>
+          <a:prstGeom prst="rect">
+            <a:avLst/>
+          </a:prstGeom>
+          <a:ln>
+            <a:noFill/>
+          </a:ln>
+        </p:spPr>
+      </p:pic>
+      <p:cxnSp>
+        <p:nvCxnSpPr>
+          <p:cNvPr id="64" name="直接箭头连接符 14">
+            <a:extLst>
+              <a:ext uri="{FF2B5EF4-FFF2-40B4-BE49-F238E27FC236}">
+                <a16:creationId xmlns:a16="http://schemas.microsoft.com/office/drawing/2014/main" id="{50BFBB60-2BAB-416A-9D02-EBDE3C6A5446}"/>
+              </a:ext>
+            </a:extLst>
+          </p:cNvPr>
+          <p:cNvCxnSpPr>
+            <a:cxnSpLocks/>
+          </p:cNvCxnSpPr>
+          <p:nvPr/>
+        </p:nvCxnSpPr>
+        <p:spPr>
+          <a:xfrm>
+            <a:off x="6033888" y="2413381"/>
+            <a:ext cx="1910486" cy="0"/>
+          </a:xfrm>
+          <a:prstGeom prst="straightConnector1">
+            <a:avLst/>
+          </a:prstGeom>
+          <a:ln w="22225">
+            <a:headEnd type="none" w="med" len="med"/>
+            <a:tailEnd type="arrow" w="med" len="med"/>
+          </a:ln>
+        </p:spPr>
+        <p:style>
+          <a:lnRef idx="3">
+            <a:schemeClr val="dk1"/>
+          </a:lnRef>
+          <a:fillRef idx="0">
+            <a:schemeClr val="dk1"/>
+          </a:fillRef>
+          <a:effectRef idx="2">
+            <a:schemeClr val="dk1"/>
+          </a:effectRef>
+          <a:fontRef idx="minor">
+            <a:schemeClr val="tx1"/>
+          </a:fontRef>
+        </p:style>
+      </p:cxnSp>
+      <p:sp>
+        <p:nvSpPr>
+          <p:cNvPr id="65" name="矩形 64">
+            <a:extLst>
+              <a:ext uri="{FF2B5EF4-FFF2-40B4-BE49-F238E27FC236}">
+                <a16:creationId xmlns:a16="http://schemas.microsoft.com/office/drawing/2014/main" id="{EB7A6B76-2B18-4B61-A36D-5A91D7B016F5}"/>
+              </a:ext>
+            </a:extLst>
+          </p:cNvPr>
+          <p:cNvSpPr/>
+          <p:nvPr/>
+        </p:nvSpPr>
+        <p:spPr>
+          <a:xfrm>
+            <a:off x="6264285" y="4638420"/>
+            <a:ext cx="4233021" cy="554364"/>
+          </a:xfrm>
+          <a:prstGeom prst="rect">
+            <a:avLst/>
+          </a:prstGeom>
+          <a:ln>
+            <a:noFill/>
+          </a:ln>
+        </p:spPr>
+        <p:txBody>
+          <a:bodyPr wrap="square">
+            <a:spAutoFit/>
+          </a:bodyPr>
+          <a:lstStyle/>
+          <a:p>
+            <a:pPr algn="ctr"/>
+            <a:r>
+              <a:rPr lang="zh-CN" altLang="en-US" sz="1600" dirty="0">
+                <a:latin typeface="Times New Roman" panose="02020603050405020304" pitchFamily="18" charset="0"/>
+                <a:cs typeface="Times New Roman" panose="02020603050405020304" pitchFamily="18" charset="0"/>
+              </a:rPr>
+              <a:t>持有官方证书的目标应用</a:t>
+            </a:r>
+          </a:p>
+        </p:txBody>
+      </p:sp>
+      <p:cxnSp>
+        <p:nvCxnSpPr>
+          <p:cNvPr id="66" name="直接箭头连接符 65">
+            <a:extLst>
+              <a:ext uri="{FF2B5EF4-FFF2-40B4-BE49-F238E27FC236}">
+                <a16:creationId xmlns:a16="http://schemas.microsoft.com/office/drawing/2014/main" id="{AA1B01EE-9B64-47A8-B7F6-BA1615B56006}"/>
+              </a:ext>
+            </a:extLst>
+          </p:cNvPr>
+          <p:cNvCxnSpPr/>
+          <p:nvPr/>
+        </p:nvCxnSpPr>
+        <p:spPr>
+          <a:xfrm flipH="1">
+            <a:off x="5718221" y="4453570"/>
+            <a:ext cx="1104567" cy="0"/>
+          </a:xfrm>
+          <a:prstGeom prst="straightConnector1">
+            <a:avLst/>
+          </a:prstGeom>
+          <a:ln w="22225">
+            <a:headEnd type="none" w="med" len="med"/>
+            <a:tailEnd type="arrow" w="med" len="med"/>
+          </a:ln>
+        </p:spPr>
+        <p:style>
+          <a:lnRef idx="3">
+            <a:schemeClr val="dk1"/>
+          </a:lnRef>
+          <a:fillRef idx="0">
+            <a:schemeClr val="dk1"/>
+          </a:fillRef>
+          <a:effectRef idx="2">
+            <a:schemeClr val="dk1"/>
+          </a:effectRef>
+          <a:fontRef idx="minor">
+            <a:schemeClr val="tx1"/>
+          </a:fontRef>
+        </p:style>
+      </p:cxnSp>
+      <p:grpSp>
+        <p:nvGrpSpPr>
+          <p:cNvPr id="76" name="组合 75">
+            <a:extLst>
+              <a:ext uri="{FF2B5EF4-FFF2-40B4-BE49-F238E27FC236}">
+                <a16:creationId xmlns:a16="http://schemas.microsoft.com/office/drawing/2014/main" id="{20E9282F-B6ED-42B4-B52C-5891C13F3030}"/>
+              </a:ext>
+            </a:extLst>
+          </p:cNvPr>
+          <p:cNvGrpSpPr/>
+          <p:nvPr/>
+        </p:nvGrpSpPr>
+        <p:grpSpPr>
+          <a:xfrm>
+            <a:off x="6177913" y="1572318"/>
+            <a:ext cx="1521649" cy="798173"/>
+            <a:chOff x="10119209" y="2130192"/>
+            <a:chExt cx="1354680" cy="710592"/>
+          </a:xfrm>
+        </p:grpSpPr>
+        <p:pic>
+          <p:nvPicPr>
+            <p:cNvPr id="77" name="图片 76">
+              <a:extLst>
+                <a:ext uri="{FF2B5EF4-FFF2-40B4-BE49-F238E27FC236}">
+                  <a16:creationId xmlns:a16="http://schemas.microsoft.com/office/drawing/2014/main" id="{3E65699B-86A1-4A40-8FD4-2FC8A667658C}"/>
+                </a:ext>
+              </a:extLst>
+            </p:cNvPr>
+            <p:cNvPicPr>
+              <a:picLocks noChangeAspect="1"/>
+            </p:cNvPicPr>
+            <p:nvPr/>
+          </p:nvPicPr>
+          <p:blipFill>
+            <a:blip r:embed="rId2" cstate="print">
+              <a:extLst>
+                <a:ext uri="{28A0092B-C50C-407E-A947-70E740481C1C}">
+                  <a14:useLocalDpi xmlns:a14="http://schemas.microsoft.com/office/drawing/2010/main" val="0"/>
+                </a:ext>
+              </a:extLst>
+            </a:blip>
+            <a:stretch>
+              <a:fillRect/>
+            </a:stretch>
+          </p:blipFill>
+          <p:spPr>
+            <a:xfrm flipH="1">
+              <a:off x="10119209" y="2130192"/>
+              <a:ext cx="338670" cy="338670"/>
+            </a:xfrm>
+            <a:prstGeom prst="rect">
+              <a:avLst/>
+            </a:prstGeom>
+          </p:spPr>
+        </p:pic>
+        <p:pic>
+          <p:nvPicPr>
+            <p:cNvPr id="78" name="图片 77">
+              <a:extLst>
+                <a:ext uri="{FF2B5EF4-FFF2-40B4-BE49-F238E27FC236}">
+                  <a16:creationId xmlns:a16="http://schemas.microsoft.com/office/drawing/2014/main" id="{77F37E75-A785-4B4E-AFB5-44EDE50A32E8}"/>
+                </a:ext>
+              </a:extLst>
+            </p:cNvPr>
+            <p:cNvPicPr>
+              <a:picLocks noChangeAspect="1"/>
+            </p:cNvPicPr>
+            <p:nvPr/>
+          </p:nvPicPr>
+          <p:blipFill>
+            <a:blip r:embed="rId12" cstate="print">
+              <a:extLst>
+                <a:ext uri="{28A0092B-C50C-407E-A947-70E740481C1C}">
+                  <a14:useLocalDpi xmlns:a14="http://schemas.microsoft.com/office/drawing/2010/main" val="0"/>
+                </a:ext>
+              </a:extLst>
+            </a:blip>
+            <a:stretch>
+              <a:fillRect/>
+            </a:stretch>
+          </p:blipFill>
+          <p:spPr>
+            <a:xfrm flipH="1">
+              <a:off x="10457879" y="2130192"/>
+              <a:ext cx="338670" cy="338670"/>
+            </a:xfrm>
+            <a:prstGeom prst="rect">
+              <a:avLst/>
+            </a:prstGeom>
+          </p:spPr>
+        </p:pic>
+        <p:pic>
+          <p:nvPicPr>
+            <p:cNvPr id="79" name="图片 78">
+              <a:extLst>
+                <a:ext uri="{FF2B5EF4-FFF2-40B4-BE49-F238E27FC236}">
+                  <a16:creationId xmlns:a16="http://schemas.microsoft.com/office/drawing/2014/main" id="{991306F8-F430-4015-9AF9-6BDF004BD6FC}"/>
+                </a:ext>
+              </a:extLst>
+            </p:cNvPr>
+            <p:cNvPicPr>
+              <a:picLocks noChangeAspect="1"/>
+            </p:cNvPicPr>
+            <p:nvPr/>
+          </p:nvPicPr>
+          <p:blipFill>
+            <a:blip r:embed="rId2" cstate="print">
+              <a:extLst>
+                <a:ext uri="{28A0092B-C50C-407E-A947-70E740481C1C}">
+                  <a14:useLocalDpi xmlns:a14="http://schemas.microsoft.com/office/drawing/2010/main" val="0"/>
+                </a:ext>
+              </a:extLst>
+            </a:blip>
+            <a:stretch>
+              <a:fillRect/>
+            </a:stretch>
+          </p:blipFill>
+          <p:spPr>
+            <a:xfrm flipH="1">
+              <a:off x="10289009" y="2502114"/>
+              <a:ext cx="338669" cy="338670"/>
+            </a:xfrm>
+            <a:prstGeom prst="rect">
+              <a:avLst/>
+            </a:prstGeom>
+          </p:spPr>
+        </p:pic>
+        <p:pic>
+          <p:nvPicPr>
+            <p:cNvPr id="80" name="图片 79">
+              <a:extLst>
+                <a:ext uri="{FF2B5EF4-FFF2-40B4-BE49-F238E27FC236}">
+                  <a16:creationId xmlns:a16="http://schemas.microsoft.com/office/drawing/2014/main" id="{1EC2D8E9-229C-4BA3-B7EB-C492E1B6D439}"/>
+                </a:ext>
+              </a:extLst>
+            </p:cNvPr>
+            <p:cNvPicPr>
+              <a:picLocks noChangeAspect="1"/>
+            </p:cNvPicPr>
+            <p:nvPr/>
+          </p:nvPicPr>
+          <p:blipFill>
+            <a:blip r:embed="rId12" cstate="print">
+              <a:extLst>
+                <a:ext uri="{28A0092B-C50C-407E-A947-70E740481C1C}">
+                  <a14:useLocalDpi xmlns:a14="http://schemas.microsoft.com/office/drawing/2010/main" val="0"/>
+                </a:ext>
+              </a:extLst>
+            </a:blip>
+            <a:stretch>
+              <a:fillRect/>
+            </a:stretch>
+          </p:blipFill>
+          <p:spPr>
+            <a:xfrm flipH="1">
+              <a:off x="10796549" y="2130192"/>
+              <a:ext cx="338670" cy="338670"/>
+            </a:xfrm>
+            <a:prstGeom prst="rect">
+              <a:avLst/>
+            </a:prstGeom>
+          </p:spPr>
+        </p:pic>
+        <p:pic>
+          <p:nvPicPr>
+            <p:cNvPr id="81" name="图片 80">
+              <a:extLst>
+                <a:ext uri="{FF2B5EF4-FFF2-40B4-BE49-F238E27FC236}">
+                  <a16:creationId xmlns:a16="http://schemas.microsoft.com/office/drawing/2014/main" id="{AF8C9F65-6C7C-493C-86A8-B9D804831955}"/>
+                </a:ext>
+              </a:extLst>
+            </p:cNvPr>
+            <p:cNvPicPr>
+              <a:picLocks noChangeAspect="1"/>
+            </p:cNvPicPr>
+            <p:nvPr/>
+          </p:nvPicPr>
+          <p:blipFill>
+            <a:blip r:embed="rId12" cstate="print">
+              <a:extLst>
+                <a:ext uri="{28A0092B-C50C-407E-A947-70E740481C1C}">
+                  <a14:useLocalDpi xmlns:a14="http://schemas.microsoft.com/office/drawing/2010/main" val="0"/>
+                </a:ext>
+              </a:extLst>
+            </a:blip>
+            <a:stretch>
+              <a:fillRect/>
+            </a:stretch>
+          </p:blipFill>
+          <p:spPr>
+            <a:xfrm flipH="1">
+              <a:off x="10966355" y="2502114"/>
+              <a:ext cx="338669" cy="338670"/>
+            </a:xfrm>
+            <a:prstGeom prst="rect">
+              <a:avLst/>
+            </a:prstGeom>
+          </p:spPr>
+        </p:pic>
+        <p:pic>
+          <p:nvPicPr>
+            <p:cNvPr id="82" name="图片 81">
+              <a:extLst>
+                <a:ext uri="{FF2B5EF4-FFF2-40B4-BE49-F238E27FC236}">
+                  <a16:creationId xmlns:a16="http://schemas.microsoft.com/office/drawing/2014/main" id="{9F3BD5B6-8D6F-4278-B022-257CD909BB79}"/>
+                </a:ext>
+              </a:extLst>
+            </p:cNvPr>
+            <p:cNvPicPr>
+              <a:picLocks noChangeAspect="1"/>
+            </p:cNvPicPr>
+            <p:nvPr/>
+          </p:nvPicPr>
+          <p:blipFill>
+            <a:blip r:embed="rId12" cstate="print">
+              <a:extLst>
+                <a:ext uri="{28A0092B-C50C-407E-A947-70E740481C1C}">
+                  <a14:useLocalDpi xmlns:a14="http://schemas.microsoft.com/office/drawing/2010/main" val="0"/>
+                </a:ext>
+              </a:extLst>
+            </a:blip>
+            <a:stretch>
+              <a:fillRect/>
+            </a:stretch>
+          </p:blipFill>
+          <p:spPr>
+            <a:xfrm flipH="1">
+              <a:off x="11135219" y="2130192"/>
+              <a:ext cx="338670" cy="338670"/>
+            </a:xfrm>
+            <a:prstGeom prst="rect">
+              <a:avLst/>
+            </a:prstGeom>
+          </p:spPr>
+        </p:pic>
+        <p:pic>
+          <p:nvPicPr>
+            <p:cNvPr id="83" name="图片 82">
+              <a:extLst>
+                <a:ext uri="{FF2B5EF4-FFF2-40B4-BE49-F238E27FC236}">
+                  <a16:creationId xmlns:a16="http://schemas.microsoft.com/office/drawing/2014/main" id="{B5E36426-727A-4B56-A1B2-004A1EAC44CA}"/>
+                </a:ext>
+              </a:extLst>
+            </p:cNvPr>
+            <p:cNvPicPr>
+              <a:picLocks noChangeAspect="1"/>
+            </p:cNvPicPr>
+            <p:nvPr/>
+          </p:nvPicPr>
+          <p:blipFill>
+            <a:blip r:embed="rId2" cstate="print">
+              <a:extLst>
+                <a:ext uri="{28A0092B-C50C-407E-A947-70E740481C1C}">
+                  <a14:useLocalDpi xmlns:a14="http://schemas.microsoft.com/office/drawing/2010/main" val="0"/>
+                </a:ext>
+              </a:extLst>
+            </a:blip>
+            <a:stretch>
+              <a:fillRect/>
+            </a:stretch>
+          </p:blipFill>
+          <p:spPr>
+            <a:xfrm flipH="1">
+              <a:off x="10627684" y="2501136"/>
+              <a:ext cx="338669" cy="338670"/>
+            </a:xfrm>
+            <a:prstGeom prst="rect">
+              <a:avLst/>
+            </a:prstGeom>
+          </p:spPr>
+        </p:pic>
+      </p:grpSp>
+      <p:grpSp>
+        <p:nvGrpSpPr>
+          <p:cNvPr id="84" name="组合 83">
+            <a:extLst>
+              <a:ext uri="{FF2B5EF4-FFF2-40B4-BE49-F238E27FC236}">
+                <a16:creationId xmlns:a16="http://schemas.microsoft.com/office/drawing/2014/main" id="{EF2A9655-BCF0-4014-A4BB-9B156B17924E}"/>
+              </a:ext>
+            </a:extLst>
+          </p:cNvPr>
+          <p:cNvGrpSpPr/>
+          <p:nvPr/>
+        </p:nvGrpSpPr>
+        <p:grpSpPr>
+          <a:xfrm>
+            <a:off x="7279073" y="4068513"/>
+            <a:ext cx="2203447" cy="442577"/>
+            <a:chOff x="5081525" y="2686158"/>
+            <a:chExt cx="1345661" cy="270285"/>
+          </a:xfrm>
+        </p:grpSpPr>
+        <p:pic>
+          <p:nvPicPr>
+            <p:cNvPr id="85" name="图片 84">
+              <a:extLst>
+                <a:ext uri="{FF2B5EF4-FFF2-40B4-BE49-F238E27FC236}">
+                  <a16:creationId xmlns:a16="http://schemas.microsoft.com/office/drawing/2014/main" id="{E7769123-758F-40E5-B3E6-2C230FE79394}"/>
+                </a:ext>
+              </a:extLst>
+            </p:cNvPr>
+            <p:cNvPicPr>
+              <a:picLocks noChangeAspect="1"/>
+            </p:cNvPicPr>
+            <p:nvPr/>
+          </p:nvPicPr>
+          <p:blipFill>
+            <a:blip r:embed="rId2" cstate="print">
+              <a:extLst>
+                <a:ext uri="{28A0092B-C50C-407E-A947-70E740481C1C}">
+                  <a14:useLocalDpi xmlns:a14="http://schemas.microsoft.com/office/drawing/2010/main" val="0"/>
+                </a:ext>
+              </a:extLst>
+            </a:blip>
+            <a:stretch>
+              <a:fillRect/>
+            </a:stretch>
+          </p:blipFill>
+          <p:spPr>
+            <a:xfrm flipH="1">
+              <a:off x="5081525" y="2686158"/>
+              <a:ext cx="270285" cy="270285"/>
+            </a:xfrm>
+            <a:prstGeom prst="rect">
+              <a:avLst/>
+            </a:prstGeom>
+          </p:spPr>
+        </p:pic>
+        <p:pic>
+          <p:nvPicPr>
+            <p:cNvPr id="86" name="图片 85">
+              <a:extLst>
+                <a:ext uri="{FF2B5EF4-FFF2-40B4-BE49-F238E27FC236}">
+                  <a16:creationId xmlns:a16="http://schemas.microsoft.com/office/drawing/2014/main" id="{DC86F8A7-20AF-4089-90EC-0906E6915321}"/>
+                </a:ext>
+              </a:extLst>
+            </p:cNvPr>
+            <p:cNvPicPr>
+              <a:picLocks noChangeAspect="1"/>
+            </p:cNvPicPr>
+            <p:nvPr/>
+          </p:nvPicPr>
+          <p:blipFill>
+            <a:blip r:embed="rId12" cstate="print">
+              <a:extLst>
+                <a:ext uri="{28A0092B-C50C-407E-A947-70E740481C1C}">
+                  <a14:useLocalDpi xmlns:a14="http://schemas.microsoft.com/office/drawing/2010/main" val="0"/>
+                </a:ext>
+              </a:extLst>
+            </a:blip>
+            <a:stretch>
+              <a:fillRect/>
+            </a:stretch>
+          </p:blipFill>
+          <p:spPr>
+            <a:xfrm flipH="1">
+              <a:off x="5351810" y="2686158"/>
+              <a:ext cx="270285" cy="270285"/>
+            </a:xfrm>
+            <a:prstGeom prst="rect">
+              <a:avLst/>
+            </a:prstGeom>
+          </p:spPr>
+        </p:pic>
+        <p:pic>
+          <p:nvPicPr>
+            <p:cNvPr id="87" name="图片 86">
+              <a:extLst>
+                <a:ext uri="{FF2B5EF4-FFF2-40B4-BE49-F238E27FC236}">
+                  <a16:creationId xmlns:a16="http://schemas.microsoft.com/office/drawing/2014/main" id="{BABC0C7C-A69D-4DE5-B5C4-BB79B8AD36F4}"/>
+                </a:ext>
+              </a:extLst>
+            </p:cNvPr>
+            <p:cNvPicPr>
+              <a:picLocks noChangeAspect="1"/>
+            </p:cNvPicPr>
+            <p:nvPr/>
+          </p:nvPicPr>
+          <p:blipFill>
+            <a:blip r:embed="rId12" cstate="print">
+              <a:extLst>
+                <a:ext uri="{28A0092B-C50C-407E-A947-70E740481C1C}">
+                  <a14:useLocalDpi xmlns:a14="http://schemas.microsoft.com/office/drawing/2010/main" val="0"/>
+                </a:ext>
+              </a:extLst>
+            </a:blip>
+            <a:stretch>
+              <a:fillRect/>
+            </a:stretch>
+          </p:blipFill>
+          <p:spPr>
+            <a:xfrm flipH="1">
+              <a:off x="5622096" y="2686158"/>
+              <a:ext cx="270285" cy="270285"/>
+            </a:xfrm>
+            <a:prstGeom prst="rect">
+              <a:avLst/>
+            </a:prstGeom>
+          </p:spPr>
+        </p:pic>
+        <p:pic>
+          <p:nvPicPr>
+            <p:cNvPr id="88" name="图片 87">
+              <a:extLst>
+                <a:ext uri="{FF2B5EF4-FFF2-40B4-BE49-F238E27FC236}">
+                  <a16:creationId xmlns:a16="http://schemas.microsoft.com/office/drawing/2014/main" id="{182B91B0-E499-4531-AAE1-471D03494CEC}"/>
+                </a:ext>
+              </a:extLst>
+            </p:cNvPr>
+            <p:cNvPicPr>
+              <a:picLocks noChangeAspect="1"/>
+            </p:cNvPicPr>
+            <p:nvPr/>
+          </p:nvPicPr>
+          <p:blipFill>
+            <a:blip r:embed="rId12" cstate="print">
+              <a:extLst>
+                <a:ext uri="{28A0092B-C50C-407E-A947-70E740481C1C}">
+                  <a14:useLocalDpi xmlns:a14="http://schemas.microsoft.com/office/drawing/2010/main" val="0"/>
+                </a:ext>
+              </a:extLst>
+            </a:blip>
+            <a:stretch>
+              <a:fillRect/>
+            </a:stretch>
+          </p:blipFill>
+          <p:spPr>
+            <a:xfrm flipH="1">
+              <a:off x="6156901" y="2686158"/>
+              <a:ext cx="270285" cy="270285"/>
+            </a:xfrm>
+            <a:prstGeom prst="rect">
+              <a:avLst/>
+            </a:prstGeom>
+          </p:spPr>
+        </p:pic>
+        <p:pic>
+          <p:nvPicPr>
+            <p:cNvPr id="89" name="图片 88">
+              <a:extLst>
+                <a:ext uri="{FF2B5EF4-FFF2-40B4-BE49-F238E27FC236}">
+                  <a16:creationId xmlns:a16="http://schemas.microsoft.com/office/drawing/2014/main" id="{37BFF06F-41D8-486F-9E48-9283502D14D1}"/>
+                </a:ext>
+              </a:extLst>
+            </p:cNvPr>
+            <p:cNvPicPr>
+              <a:picLocks noChangeAspect="1"/>
+            </p:cNvPicPr>
+            <p:nvPr/>
+          </p:nvPicPr>
+          <p:blipFill>
+            <a:blip r:embed="rId12" cstate="print">
+              <a:extLst>
+                <a:ext uri="{28A0092B-C50C-407E-A947-70E740481C1C}">
+                  <a14:useLocalDpi xmlns:a14="http://schemas.microsoft.com/office/drawing/2010/main" val="0"/>
+                </a:ext>
+              </a:extLst>
+            </a:blip>
+            <a:stretch>
+              <a:fillRect/>
+            </a:stretch>
+          </p:blipFill>
+          <p:spPr>
+            <a:xfrm flipH="1">
+              <a:off x="5892381" y="2686158"/>
+              <a:ext cx="270285" cy="270285"/>
+            </a:xfrm>
+            <a:prstGeom prst="rect">
+              <a:avLst/>
+            </a:prstGeom>
+          </p:spPr>
+        </p:pic>
+      </p:grpSp>
+      <p:sp>
+        <p:nvSpPr>
+          <p:cNvPr id="92" name="椭圆 91">
+            <a:extLst>
+              <a:ext uri="{FF2B5EF4-FFF2-40B4-BE49-F238E27FC236}">
+                <a16:creationId xmlns:a16="http://schemas.microsoft.com/office/drawing/2014/main" id="{4CF66F24-EB60-4F8A-8464-39B1FC5A9866}"/>
+              </a:ext>
+            </a:extLst>
+          </p:cNvPr>
+          <p:cNvSpPr/>
+          <p:nvPr/>
+        </p:nvSpPr>
+        <p:spPr>
+          <a:xfrm>
+            <a:off x="6689640" y="2493844"/>
+            <a:ext cx="498198" cy="498198"/>
+          </a:xfrm>
+          <a:prstGeom prst="ellipse">
+            <a:avLst/>
+          </a:prstGeom>
+        </p:spPr>
+        <p:style>
+          <a:lnRef idx="2">
+            <a:schemeClr val="accent1">
+              <a:shade val="50000"/>
+            </a:schemeClr>
+          </a:lnRef>
+          <a:fillRef idx="1">
+            <a:schemeClr val="accent1"/>
+          </a:fillRef>
+          <a:effectRef idx="0">
+            <a:schemeClr val="accent1"/>
+          </a:effectRef>
+          <a:fontRef idx="minor">
+            <a:schemeClr val="lt1"/>
+          </a:fontRef>
+        </p:style>
+        <p:txBody>
+          <a:bodyPr rtlCol="0" anchor="ctr"/>
+          <a:lstStyle/>
+          <a:p>
+            <a:pPr algn="ctr"/>
+            <a:r>
+              <a:rPr lang="en-GB" sz="1600" dirty="0">
+                <a:latin typeface="Times New Roman" panose="02020603050405020304" pitchFamily="18" charset="0"/>
+                <a:cs typeface="Times New Roman" panose="02020603050405020304" pitchFamily="18" charset="0"/>
+              </a:rPr>
+              <a:t>2</a:t>
+            </a:r>
+          </a:p>
+        </p:txBody>
+      </p:sp>
+      <p:sp>
+        <p:nvSpPr>
+          <p:cNvPr id="93" name="椭圆 92">
+            <a:extLst>
+              <a:ext uri="{FF2B5EF4-FFF2-40B4-BE49-F238E27FC236}">
+                <a16:creationId xmlns:a16="http://schemas.microsoft.com/office/drawing/2014/main" id="{246B31B9-D1BB-4BA1-8674-808E4E2F995A}"/>
+              </a:ext>
+            </a:extLst>
+          </p:cNvPr>
+          <p:cNvSpPr/>
+          <p:nvPr/>
+        </p:nvSpPr>
+        <p:spPr>
+          <a:xfrm>
+            <a:off x="4805080" y="3330744"/>
+            <a:ext cx="498198" cy="498198"/>
+          </a:xfrm>
+          <a:prstGeom prst="ellipse">
+            <a:avLst/>
+          </a:prstGeom>
+        </p:spPr>
+        <p:style>
+          <a:lnRef idx="2">
+            <a:schemeClr val="accent1">
+              <a:shade val="50000"/>
+            </a:schemeClr>
+          </a:lnRef>
+          <a:fillRef idx="1">
+            <a:schemeClr val="accent1"/>
+          </a:fillRef>
+          <a:effectRef idx="0">
+            <a:schemeClr val="accent1"/>
+          </a:effectRef>
+          <a:fontRef idx="minor">
+            <a:schemeClr val="lt1"/>
+          </a:fontRef>
+        </p:style>
+        <p:txBody>
+          <a:bodyPr rtlCol="0" anchor="ctr"/>
+          <a:lstStyle/>
+          <a:p>
+            <a:pPr algn="ctr"/>
+            <a:r>
+              <a:rPr lang="en-GB" sz="1600" dirty="0">
+                <a:latin typeface="Times New Roman" panose="02020603050405020304" pitchFamily="18" charset="0"/>
+                <a:cs typeface="Times New Roman" panose="02020603050405020304" pitchFamily="18" charset="0"/>
+              </a:rPr>
+              <a:t>1</a:t>
+            </a:r>
+          </a:p>
+        </p:txBody>
+      </p:sp>
+      <p:sp>
+        <p:nvSpPr>
+          <p:cNvPr id="94" name="椭圆 93">
+            <a:extLst>
+              <a:ext uri="{FF2B5EF4-FFF2-40B4-BE49-F238E27FC236}">
+                <a16:creationId xmlns:a16="http://schemas.microsoft.com/office/drawing/2014/main" id="{F38C6A5F-FD73-4A35-905C-37F5C65A206F}"/>
+              </a:ext>
+            </a:extLst>
+          </p:cNvPr>
+          <p:cNvSpPr/>
+          <p:nvPr/>
+        </p:nvSpPr>
+        <p:spPr>
+          <a:xfrm>
+            <a:off x="9026519" y="3330744"/>
+            <a:ext cx="498198" cy="498198"/>
+          </a:xfrm>
+          <a:prstGeom prst="ellipse">
+            <a:avLst/>
+          </a:prstGeom>
+        </p:spPr>
+        <p:style>
+          <a:lnRef idx="2">
+            <a:schemeClr val="accent1">
+              <a:shade val="50000"/>
+            </a:schemeClr>
+          </a:lnRef>
+          <a:fillRef idx="1">
+            <a:schemeClr val="accent1"/>
+          </a:fillRef>
+          <a:effectRef idx="0">
+            <a:schemeClr val="accent1"/>
+          </a:effectRef>
+          <a:fontRef idx="minor">
+            <a:schemeClr val="lt1"/>
+          </a:fontRef>
+        </p:style>
+        <p:txBody>
+          <a:bodyPr rtlCol="0" anchor="ctr"/>
+          <a:lstStyle/>
+          <a:p>
+            <a:pPr algn="ctr"/>
+            <a:r>
+              <a:rPr lang="en-GB" sz="1600" dirty="0">
+                <a:latin typeface="Times New Roman" panose="02020603050405020304" pitchFamily="18" charset="0"/>
+                <a:cs typeface="Times New Roman" panose="02020603050405020304" pitchFamily="18" charset="0"/>
+              </a:rPr>
+              <a:t>3</a:t>
+            </a:r>
+          </a:p>
+        </p:txBody>
+      </p:sp>
+      <p:cxnSp>
+        <p:nvCxnSpPr>
+          <p:cNvPr id="96" name="直接箭头连接符 95">
+            <a:extLst>
+              <a:ext uri="{FF2B5EF4-FFF2-40B4-BE49-F238E27FC236}">
+                <a16:creationId xmlns:a16="http://schemas.microsoft.com/office/drawing/2014/main" id="{67314499-D443-47A8-B3CC-8C90F7CDA784}"/>
+              </a:ext>
+            </a:extLst>
+          </p:cNvPr>
+          <p:cNvCxnSpPr>
+            <a:cxnSpLocks/>
+          </p:cNvCxnSpPr>
+          <p:nvPr/>
+        </p:nvCxnSpPr>
+        <p:spPr>
+          <a:xfrm>
+            <a:off x="8775715" y="3177019"/>
+            <a:ext cx="0" cy="635145"/>
+          </a:xfrm>
+          <a:prstGeom prst="straightConnector1">
+            <a:avLst/>
+          </a:prstGeom>
+          <a:ln w="22225">
+            <a:headEnd type="none" w="med" len="med"/>
+            <a:tailEnd type="arrow" w="med" len="med"/>
+          </a:ln>
+        </p:spPr>
+        <p:style>
+          <a:lnRef idx="3">
+            <a:schemeClr val="dk1"/>
+          </a:lnRef>
+          <a:fillRef idx="0">
+            <a:schemeClr val="dk1"/>
+          </a:fillRef>
+          <a:effectRef idx="2">
+            <a:schemeClr val="dk1"/>
+          </a:effectRef>
+          <a:fontRef idx="minor">
+            <a:schemeClr val="tx1"/>
+          </a:fontRef>
+        </p:style>
+      </p:cxnSp>
+      <p:cxnSp>
+        <p:nvCxnSpPr>
+          <p:cNvPr id="98" name="直接箭头连接符 97">
+            <a:extLst>
+              <a:ext uri="{FF2B5EF4-FFF2-40B4-BE49-F238E27FC236}">
+                <a16:creationId xmlns:a16="http://schemas.microsoft.com/office/drawing/2014/main" id="{F36856DC-0E80-4DAE-8F60-6828508DD03C}"/>
+              </a:ext>
+            </a:extLst>
+          </p:cNvPr>
+          <p:cNvCxnSpPr>
+            <a:cxnSpLocks/>
+          </p:cNvCxnSpPr>
+          <p:nvPr/>
+        </p:nvCxnSpPr>
+        <p:spPr>
+          <a:xfrm flipV="1">
+            <a:off x="4620214" y="3193797"/>
+            <a:ext cx="0" cy="609979"/>
+          </a:xfrm>
+          <a:prstGeom prst="straightConnector1">
+            <a:avLst/>
+          </a:prstGeom>
+          <a:ln w="22225">
+            <a:headEnd type="none" w="med" len="med"/>
+            <a:tailEnd type="arrow" w="med" len="med"/>
+          </a:ln>
+        </p:spPr>
+        <p:style>
+          <a:lnRef idx="3">
+            <a:schemeClr val="dk1"/>
+          </a:lnRef>
+          <a:fillRef idx="0">
+            <a:schemeClr val="dk1"/>
+          </a:fillRef>
+          <a:effectRef idx="2">
+            <a:schemeClr val="dk1"/>
+          </a:effectRef>
+          <a:fontRef idx="minor">
+            <a:schemeClr val="tx1"/>
+          </a:fontRef>
+        </p:style>
+      </p:cxnSp>
+      <p:sp>
+        <p:nvSpPr>
+          <p:cNvPr id="18" name="矩形 17">
+            <a:extLst>
+              <a:ext uri="{FF2B5EF4-FFF2-40B4-BE49-F238E27FC236}">
+                <a16:creationId xmlns:a16="http://schemas.microsoft.com/office/drawing/2014/main" id="{77369110-6C40-448A-BA4A-C9A5380CADE1}"/>
+              </a:ext>
+            </a:extLst>
+          </p:cNvPr>
+          <p:cNvSpPr/>
+          <p:nvPr/>
+        </p:nvSpPr>
+        <p:spPr>
+          <a:xfrm>
+            <a:off x="3607266" y="1308683"/>
+            <a:ext cx="6193423" cy="3984759"/>
+          </a:xfrm>
+          <a:prstGeom prst="rect">
+            <a:avLst/>
+          </a:prstGeom>
+          <a:noFill/>
+          <a:ln w="57150">
+            <a:solidFill>
+              <a:srgbClr val="9D2776"/>
+            </a:solidFill>
+            <a:prstDash val="lgDash"/>
+          </a:ln>
+        </p:spPr>
+        <p:style>
+          <a:lnRef idx="2">
+            <a:schemeClr val="accent1">
+              <a:shade val="50000"/>
+            </a:schemeClr>
+          </a:lnRef>
+          <a:fillRef idx="1">
+            <a:schemeClr val="accent1"/>
+          </a:fillRef>
+          <a:effectRef idx="0">
+            <a:schemeClr val="accent1"/>
+          </a:effectRef>
+          <a:fontRef idx="minor">
+            <a:schemeClr val="lt1"/>
+          </a:fontRef>
+        </p:style>
+        <p:txBody>
+          <a:bodyPr rtlCol="0" anchor="ctr"/>
+          <a:lstStyle/>
+          <a:p>
+            <a:pPr algn="ctr"/>
+            <a:endParaRPr lang="zh-CN" altLang="en-US"/>
+          </a:p>
+        </p:txBody>
+      </p:sp>
+      <p:sp>
+        <p:nvSpPr>
+          <p:cNvPr id="99" name="矩形 98">
+            <a:extLst>
+              <a:ext uri="{FF2B5EF4-FFF2-40B4-BE49-F238E27FC236}">
+                <a16:creationId xmlns:a16="http://schemas.microsoft.com/office/drawing/2014/main" id="{00C37BC6-AF06-44E7-9F9C-F65BC3232D2A}"/>
+              </a:ext>
+            </a:extLst>
+          </p:cNvPr>
+          <p:cNvSpPr/>
+          <p:nvPr/>
+        </p:nvSpPr>
+        <p:spPr>
+          <a:xfrm>
+            <a:off x="589945" y="1308684"/>
+            <a:ext cx="5103465" cy="1729878"/>
+          </a:xfrm>
+          <a:prstGeom prst="rect">
+            <a:avLst/>
+          </a:prstGeom>
+          <a:noFill/>
+          <a:ln w="57150">
+            <a:solidFill>
+              <a:srgbClr val="D02800"/>
+            </a:solidFill>
+            <a:prstDash val="lgDash"/>
+          </a:ln>
+        </p:spPr>
+        <p:style>
+          <a:lnRef idx="2">
+            <a:schemeClr val="accent1">
+              <a:shade val="50000"/>
+            </a:schemeClr>
+          </a:lnRef>
+          <a:fillRef idx="1">
+            <a:schemeClr val="accent1"/>
+          </a:fillRef>
+          <a:effectRef idx="0">
+            <a:schemeClr val="accent1"/>
+          </a:effectRef>
+          <a:fontRef idx="minor">
+            <a:schemeClr val="lt1"/>
+          </a:fontRef>
+        </p:style>
+        <p:txBody>
+          <a:bodyPr rtlCol="0" anchor="ctr"/>
+          <a:lstStyle/>
+          <a:p>
+            <a:pPr algn="ctr"/>
+            <a:endParaRPr lang="zh-CN" altLang="en-US" dirty="0"/>
+          </a:p>
+        </p:txBody>
+      </p:sp>
+      <p:sp>
+        <p:nvSpPr>
+          <p:cNvPr id="100" name="矩形 99">
+            <a:extLst>
+              <a:ext uri="{FF2B5EF4-FFF2-40B4-BE49-F238E27FC236}">
+                <a16:creationId xmlns:a16="http://schemas.microsoft.com/office/drawing/2014/main" id="{9BF7A36A-74DB-4A32-BA58-90C9D78BAFED}"/>
+              </a:ext>
+            </a:extLst>
+          </p:cNvPr>
+          <p:cNvSpPr/>
+          <p:nvPr/>
+        </p:nvSpPr>
+        <p:spPr>
+          <a:xfrm>
+            <a:off x="8125523" y="1308684"/>
+            <a:ext cx="3729163" cy="1729878"/>
+          </a:xfrm>
+          <a:prstGeom prst="rect">
+            <a:avLst/>
+          </a:prstGeom>
+          <a:noFill/>
+          <a:ln w="57150">
+            <a:solidFill>
+              <a:srgbClr val="4C00BC"/>
+            </a:solidFill>
+            <a:prstDash val="lgDash"/>
+          </a:ln>
+        </p:spPr>
+        <p:style>
+          <a:lnRef idx="2">
+            <a:schemeClr val="accent1">
+              <a:shade val="50000"/>
+            </a:schemeClr>
+          </a:lnRef>
+          <a:fillRef idx="1">
+            <a:schemeClr val="accent1"/>
+          </a:fillRef>
+          <a:effectRef idx="0">
+            <a:schemeClr val="accent1"/>
+          </a:effectRef>
+          <a:fontRef idx="minor">
+            <a:schemeClr val="lt1"/>
+          </a:fontRef>
+        </p:style>
+        <p:txBody>
+          <a:bodyPr rtlCol="0" anchor="ctr"/>
+          <a:lstStyle/>
+          <a:p>
+            <a:pPr algn="ctr"/>
+            <a:endParaRPr lang="zh-CN" altLang="en-US"/>
+          </a:p>
+        </p:txBody>
+      </p:sp>
+      <p:sp>
+        <p:nvSpPr>
+          <p:cNvPr id="101" name="文本框 100">
+            <a:extLst>
+              <a:ext uri="{FF2B5EF4-FFF2-40B4-BE49-F238E27FC236}">
+                <a16:creationId xmlns:a16="http://schemas.microsoft.com/office/drawing/2014/main" id="{142E36D8-0ACE-41BD-8F2D-751026173AB8}"/>
+              </a:ext>
+            </a:extLst>
+          </p:cNvPr>
+          <p:cNvSpPr txBox="1"/>
+          <p:nvPr/>
+        </p:nvSpPr>
+        <p:spPr>
+          <a:xfrm>
+            <a:off x="589946" y="3109110"/>
+            <a:ext cx="2737636" cy="338554"/>
+          </a:xfrm>
+          <a:prstGeom prst="rect">
+            <a:avLst/>
+          </a:prstGeom>
+          <a:noFill/>
+          <a:ln>
+            <a:noFill/>
+          </a:ln>
+        </p:spPr>
+        <p:txBody>
+          <a:bodyPr wrap="square" rtlCol="0">
+            <a:spAutoFit/>
+          </a:bodyPr>
+          <a:lstStyle/>
+          <a:p>
+            <a:pPr algn="ctr"/>
+            <a:r>
+              <a:rPr lang="zh-CN" altLang="en-US" sz="1600" dirty="0">
+                <a:solidFill>
+                  <a:srgbClr val="D02800"/>
+                </a:solidFill>
+                <a:latin typeface="Times New Roman" panose="02020603050405020304" pitchFamily="18" charset="0"/>
+                <a:cs typeface="Times New Roman" panose="02020603050405020304" pitchFamily="18" charset="0"/>
+              </a:rPr>
+              <a:t>数据收集器</a:t>
+            </a:r>
+          </a:p>
+        </p:txBody>
+      </p:sp>
+      <p:sp>
+        <p:nvSpPr>
+          <p:cNvPr id="102" name="文本框 101">
+            <a:extLst>
+              <a:ext uri="{FF2B5EF4-FFF2-40B4-BE49-F238E27FC236}">
+                <a16:creationId xmlns:a16="http://schemas.microsoft.com/office/drawing/2014/main" id="{D805EE81-08E2-459C-91C4-83E6A8F54E17}"/>
+              </a:ext>
+            </a:extLst>
+          </p:cNvPr>
+          <p:cNvSpPr txBox="1"/>
+          <p:nvPr/>
+        </p:nvSpPr>
+        <p:spPr>
+          <a:xfrm>
+            <a:off x="5435695" y="5374823"/>
+            <a:ext cx="2737636" cy="338554"/>
+          </a:xfrm>
+          <a:prstGeom prst="rect">
+            <a:avLst/>
+          </a:prstGeom>
+          <a:noFill/>
+          <a:ln>
+            <a:noFill/>
+          </a:ln>
+        </p:spPr>
+        <p:txBody>
+          <a:bodyPr wrap="square" rtlCol="0">
+            <a:spAutoFit/>
+          </a:bodyPr>
+          <a:lstStyle/>
+          <a:p>
+            <a:pPr algn="ctr"/>
+            <a:r>
+              <a:rPr lang="zh-CN" altLang="en-US" sz="1600" dirty="0">
+                <a:solidFill>
+                  <a:srgbClr val="9D2776"/>
+                </a:solidFill>
+                <a:latin typeface="Times New Roman" panose="02020603050405020304" pitchFamily="18" charset="0"/>
+                <a:cs typeface="Times New Roman" panose="02020603050405020304" pitchFamily="18" charset="0"/>
+              </a:rPr>
+              <a:t>迭代搜索器</a:t>
+            </a:r>
+          </a:p>
+        </p:txBody>
+      </p:sp>
+      <p:sp>
+        <p:nvSpPr>
+          <p:cNvPr id="103" name="矩形 102">
+            <a:extLst>
+              <a:ext uri="{FF2B5EF4-FFF2-40B4-BE49-F238E27FC236}">
+                <a16:creationId xmlns:a16="http://schemas.microsoft.com/office/drawing/2014/main" id="{E368BA37-19AA-44C6-84C0-C6A6FBBB9F85}"/>
+              </a:ext>
+            </a:extLst>
+          </p:cNvPr>
+          <p:cNvSpPr/>
+          <p:nvPr/>
+        </p:nvSpPr>
+        <p:spPr>
+          <a:xfrm>
+            <a:off x="9790526" y="3109110"/>
+            <a:ext cx="2054730" cy="338554"/>
+          </a:xfrm>
+          <a:prstGeom prst="rect">
+            <a:avLst/>
+          </a:prstGeom>
+          <a:ln>
+            <a:noFill/>
+          </a:ln>
+        </p:spPr>
+        <p:txBody>
+          <a:bodyPr wrap="square">
+            <a:spAutoFit/>
+          </a:bodyPr>
+          <a:lstStyle/>
+          <a:p>
+            <a:pPr algn="ctr"/>
+            <a:r>
+              <a:rPr lang="zh-CN" altLang="en-US" sz="1600">
+                <a:solidFill>
+                  <a:srgbClr val="4C00BC"/>
+                </a:solidFill>
+                <a:latin typeface="Times New Roman" panose="02020603050405020304" pitchFamily="18" charset="0"/>
+                <a:cs typeface="Times New Roman" panose="02020603050405020304" pitchFamily="18" charset="0"/>
+              </a:rPr>
+              <a:t>仿冒应用过滤器</a:t>
+            </a:r>
+            <a:endParaRPr lang="en-US" altLang="zh-CN" sz="1600" dirty="0">
+              <a:solidFill>
+                <a:srgbClr val="4C00BC"/>
+              </a:solidFill>
+              <a:latin typeface="Times New Roman" panose="02020603050405020304" pitchFamily="18" charset="0"/>
+              <a:cs typeface="Times New Roman" panose="02020603050405020304" pitchFamily="18" charset="0"/>
+            </a:endParaRPr>
+          </a:p>
+        </p:txBody>
+      </p:sp>
+    </p:spTree>
+    <p:extLst>
+      <p:ext uri="{BB962C8B-B14F-4D97-AF65-F5344CB8AC3E}">
+        <p14:creationId xmlns:p14="http://schemas.microsoft.com/office/powerpoint/2010/main" val="3037902655"/>
+      </p:ext>
+    </p:extLst>
+  </p:cSld>
+  <p:clrMapOvr>
+    <a:masterClrMapping/>
+  </p:clrMapOvr>
+</p:sld>
+</file>
+
 <file path=ppt/theme/theme1.xml><?xml version="1.0" encoding="utf-8"?>
 <a:theme xmlns:a="http://schemas.openxmlformats.org/drawingml/2006/main" name="Office 主题​​">
   <a:themeElements>
